--- a/Бизнес-планирование в строительстве/Ценностное предложение.pptx
+++ b/Бизнес-планирование в строительстве/Ценностное предложение.pptx
@@ -2,8 +2,11 @@
 <file path=ppt/presentation.xml><?xml version="1.0" encoding="utf-8"?>
 <p:presentation xmlns:a="http://schemas.openxmlformats.org/drawingml/2006/main" xmlns:r="http://schemas.openxmlformats.org/officeDocument/2006/relationships" xmlns:p="http://schemas.openxmlformats.org/presentationml/2006/main" saveSubsetFonts="1">
   <p:sldMasterIdLst>
-    <p:sldMasterId id="2147483648" r:id="rId1"/>
+    <p:sldMasterId id="2147483672" r:id="rId1"/>
   </p:sldMasterIdLst>
+  <p:notesMasterIdLst>
+    <p:notesMasterId r:id="rId5"/>
+  </p:notesMasterIdLst>
   <p:sldIdLst>
     <p:sldId id="256" r:id="rId2"/>
     <p:sldId id="257" r:id="rId3"/>
@@ -106,12 +109,22 @@
       </a:defRPr>
     </a:lvl9pPr>
   </p:defaultTextStyle>
+  <p:extLst>
+    <p:ext uri="{EFAFB233-063F-42B5-8137-9DF3F51BA10A}">
+      <p15:sldGuideLst xmlns:p15="http://schemas.microsoft.com/office/powerpoint/2012/main"/>
+    </p:ext>
+  </p:extLst>
 </p:presentation>
 </file>
 
-<file path=ppt/slideLayouts/slideLayout1.xml><?xml version="1.0" encoding="utf-8"?>
-<p:sldLayout xmlns:a="http://schemas.openxmlformats.org/drawingml/2006/main" xmlns:r="http://schemas.openxmlformats.org/officeDocument/2006/relationships" xmlns:p="http://schemas.openxmlformats.org/presentationml/2006/main" type="title" preserve="1">
-  <p:cSld name="Титульный слайд">
+<file path=ppt/notesMasters/notesMaster1.xml><?xml version="1.0" encoding="utf-8"?>
+<p:notesMaster xmlns:a="http://schemas.openxmlformats.org/drawingml/2006/main" xmlns:r="http://schemas.openxmlformats.org/officeDocument/2006/relationships" xmlns:p="http://schemas.openxmlformats.org/presentationml/2006/main">
+  <p:cSld>
+    <p:bg>
+      <p:bgRef idx="1001">
+        <a:schemeClr val="bg1"/>
+      </p:bgRef>
+    </p:bg>
     <p:spTree>
       <p:nvGrpSpPr>
         <p:cNvPr id="1" name=""/>
@@ -128,119 +141,65 @@
       </p:grpSpPr>
       <p:sp>
         <p:nvSpPr>
-          <p:cNvPr id="2" name="Заголовок 1"/>
-          <p:cNvSpPr>
-            <a:spLocks noGrp="1"/>
-          </p:cNvSpPr>
-          <p:nvPr>
-            <p:ph type="ctrTitle"/>
+          <p:cNvPr id="2" name="Верхний колонтитул 1"/>
+          <p:cNvSpPr>
+            <a:spLocks noGrp="1"/>
+          </p:cNvSpPr>
+          <p:nvPr>
+            <p:ph type="hdr" sz="quarter"/>
           </p:nvPr>
         </p:nvSpPr>
         <p:spPr>
           <a:xfrm>
-            <a:off x="1524000" y="1122363"/>
-            <a:ext cx="9144000" cy="2387600"/>
+            <a:off x="0" y="0"/>
+            <a:ext cx="2971800" cy="458788"/>
           </a:xfrm>
+          <a:prstGeom prst="rect">
+            <a:avLst/>
+          </a:prstGeom>
         </p:spPr>
         <p:txBody>
-          <a:bodyPr anchor="b"/>
+          <a:bodyPr vert="horz" lIns="91440" tIns="45720" rIns="91440" bIns="45720" rtlCol="0"/>
           <a:lstStyle>
-            <a:lvl1pPr algn="ctr">
-              <a:defRPr sz="6000"/>
+            <a:lvl1pPr algn="l">
+              <a:defRPr sz="1200"/>
             </a:lvl1pPr>
           </a:lstStyle>
           <a:p>
-            <a:r>
-              <a:rPr lang="ru-RU" smtClean="0"/>
-              <a:t>Образец заголовка</a:t>
-            </a:r>
             <a:endParaRPr lang="ru-RU"/>
           </a:p>
         </p:txBody>
       </p:sp>
       <p:sp>
         <p:nvSpPr>
-          <p:cNvPr id="3" name="Подзаголовок 2"/>
-          <p:cNvSpPr>
-            <a:spLocks noGrp="1"/>
-          </p:cNvSpPr>
-          <p:nvPr>
-            <p:ph type="subTitle" idx="1"/>
+          <p:cNvPr id="3" name="Дата 2"/>
+          <p:cNvSpPr>
+            <a:spLocks noGrp="1"/>
+          </p:cNvSpPr>
+          <p:nvPr>
+            <p:ph type="dt" idx="1"/>
           </p:nvPr>
         </p:nvSpPr>
         <p:spPr>
           <a:xfrm>
-            <a:off x="1524000" y="3602038"/>
-            <a:ext cx="9144000" cy="1655762"/>
+            <a:off x="3884613" y="0"/>
+            <a:ext cx="2971800" cy="458788"/>
           </a:xfrm>
+          <a:prstGeom prst="rect">
+            <a:avLst/>
+          </a:prstGeom>
         </p:spPr>
         <p:txBody>
-          <a:bodyPr/>
+          <a:bodyPr vert="horz" lIns="91440" tIns="45720" rIns="91440" bIns="45720" rtlCol="0"/>
           <a:lstStyle>
-            <a:lvl1pPr marL="0" indent="0" algn="ctr">
-              <a:buNone/>
-              <a:defRPr sz="2400"/>
+            <a:lvl1pPr algn="r">
+              <a:defRPr sz="1200"/>
             </a:lvl1pPr>
-            <a:lvl2pPr marL="457200" indent="0" algn="ctr">
-              <a:buNone/>
-              <a:defRPr sz="2000"/>
-            </a:lvl2pPr>
-            <a:lvl3pPr marL="914400" indent="0" algn="ctr">
-              <a:buNone/>
-              <a:defRPr sz="1800"/>
-            </a:lvl3pPr>
-            <a:lvl4pPr marL="1371600" indent="0" algn="ctr">
-              <a:buNone/>
-              <a:defRPr sz="1600"/>
-            </a:lvl4pPr>
-            <a:lvl5pPr marL="1828800" indent="0" algn="ctr">
-              <a:buNone/>
-              <a:defRPr sz="1600"/>
-            </a:lvl5pPr>
-            <a:lvl6pPr marL="2286000" indent="0" algn="ctr">
-              <a:buNone/>
-              <a:defRPr sz="1600"/>
-            </a:lvl6pPr>
-            <a:lvl7pPr marL="2743200" indent="0" algn="ctr">
-              <a:buNone/>
-              <a:defRPr sz="1600"/>
-            </a:lvl7pPr>
-            <a:lvl8pPr marL="3200400" indent="0" algn="ctr">
-              <a:buNone/>
-              <a:defRPr sz="1600"/>
-            </a:lvl8pPr>
-            <a:lvl9pPr marL="3657600" indent="0" algn="ctr">
-              <a:buNone/>
-              <a:defRPr sz="1600"/>
-            </a:lvl9pPr>
           </a:lstStyle>
           <a:p>
-            <a:r>
-              <a:rPr lang="ru-RU" smtClean="0"/>
-              <a:t>Образец подзаголовка</a:t>
-            </a:r>
-            <a:endParaRPr lang="ru-RU"/>
-          </a:p>
-        </p:txBody>
-      </p:sp>
-      <p:sp>
-        <p:nvSpPr>
-          <p:cNvPr id="4" name="Дата 3"/>
-          <p:cNvSpPr>
-            <a:spLocks noGrp="1"/>
-          </p:cNvSpPr>
-          <p:nvPr>
-            <p:ph type="dt" sz="half" idx="10"/>
-          </p:nvPr>
-        </p:nvSpPr>
-        <p:spPr/>
-        <p:txBody>
-          <a:bodyPr/>
-          <a:lstStyle/>
-          <a:p>
-            <a:fld id="{8DD1138F-4AFD-4355-8AE6-1C212826FCBF}" type="datetimeFigureOut">
-              <a:rPr lang="ru-RU" smtClean="0"/>
-              <a:t>26.09.2023</a:t>
+            <a:fld id="{F6D070A1-298A-43D6-A0AF-9A8B4E18F4DE}" type="datetimeFigureOut">
+              <a:rPr lang="ru-RU" smtClean="0"/>
+              <a:t>03.10.2023</a:t>
             </a:fld>
             <a:endParaRPr lang="ru-RU"/>
           </a:p>
@@ -248,17 +207,31 @@
       </p:sp>
       <p:sp>
         <p:nvSpPr>
-          <p:cNvPr id="5" name="Нижний колонтитул 4"/>
-          <p:cNvSpPr>
-            <a:spLocks noGrp="1"/>
-          </p:cNvSpPr>
-          <p:nvPr>
-            <p:ph type="ftr" sz="quarter" idx="11"/>
-          </p:nvPr>
-        </p:nvSpPr>
-        <p:spPr/>
-        <p:txBody>
-          <a:bodyPr/>
+          <p:cNvPr id="4" name="Образ слайда 3"/>
+          <p:cNvSpPr>
+            <a:spLocks noGrp="1" noRot="1" noChangeAspect="1"/>
+          </p:cNvSpPr>
+          <p:nvPr>
+            <p:ph type="sldImg" idx="2"/>
+          </p:nvPr>
+        </p:nvSpPr>
+        <p:spPr>
+          <a:xfrm>
+            <a:off x="685800" y="1143000"/>
+            <a:ext cx="5486400" cy="3086100"/>
+          </a:xfrm>
+          <a:prstGeom prst="rect">
+            <a:avLst/>
+          </a:prstGeom>
+          <a:noFill/>
+          <a:ln w="12700">
+            <a:solidFill>
+              <a:prstClr val="black"/>
+            </a:solidFill>
+          </a:ln>
+        </p:spPr>
+        <p:txBody>
+          <a:bodyPr vert="horz" lIns="91440" tIns="45720" rIns="91440" bIns="45720" rtlCol="0" anchor="ctr"/>
           <a:lstStyle/>
           <a:p>
             <a:endParaRPr lang="ru-RU"/>
@@ -267,20 +240,123 @@
       </p:sp>
       <p:sp>
         <p:nvSpPr>
-          <p:cNvPr id="6" name="Номер слайда 5"/>
-          <p:cNvSpPr>
-            <a:spLocks noGrp="1"/>
-          </p:cNvSpPr>
-          <p:nvPr>
-            <p:ph type="sldNum" sz="quarter" idx="12"/>
-          </p:nvPr>
-        </p:nvSpPr>
-        <p:spPr/>
-        <p:txBody>
-          <a:bodyPr/>
+          <p:cNvPr id="5" name="Заметки 4"/>
+          <p:cNvSpPr>
+            <a:spLocks noGrp="1"/>
+          </p:cNvSpPr>
+          <p:nvPr>
+            <p:ph type="body" sz="quarter" idx="3"/>
+          </p:nvPr>
+        </p:nvSpPr>
+        <p:spPr>
+          <a:xfrm>
+            <a:off x="685800" y="4400550"/>
+            <a:ext cx="5486400" cy="3600450"/>
+          </a:xfrm>
+          <a:prstGeom prst="rect">
+            <a:avLst/>
+          </a:prstGeom>
+        </p:spPr>
+        <p:txBody>
+          <a:bodyPr vert="horz" lIns="91440" tIns="45720" rIns="91440" bIns="45720" rtlCol="0"/>
           <a:lstStyle/>
           <a:p>
-            <a:fld id="{9BB4EAA5-5468-4546-8153-1EDF0BC937EC}" type="slidenum">
+            <a:pPr lvl="0"/>
+            <a:r>
+              <a:rPr lang="ru-RU" smtClean="0"/>
+              <a:t>Образец текста</a:t>
+            </a:r>
+          </a:p>
+          <a:p>
+            <a:pPr lvl="1"/>
+            <a:r>
+              <a:rPr lang="ru-RU" smtClean="0"/>
+              <a:t>Второй уровень</a:t>
+            </a:r>
+          </a:p>
+          <a:p>
+            <a:pPr lvl="2"/>
+            <a:r>
+              <a:rPr lang="ru-RU" smtClean="0"/>
+              <a:t>Третий уровень</a:t>
+            </a:r>
+          </a:p>
+          <a:p>
+            <a:pPr lvl="3"/>
+            <a:r>
+              <a:rPr lang="ru-RU" smtClean="0"/>
+              <a:t>Четвертый уровень</a:t>
+            </a:r>
+          </a:p>
+          <a:p>
+            <a:pPr lvl="4"/>
+            <a:r>
+              <a:rPr lang="ru-RU" smtClean="0"/>
+              <a:t>Пятый уровень</a:t>
+            </a:r>
+            <a:endParaRPr lang="ru-RU"/>
+          </a:p>
+        </p:txBody>
+      </p:sp>
+      <p:sp>
+        <p:nvSpPr>
+          <p:cNvPr id="6" name="Нижний колонтитул 5"/>
+          <p:cNvSpPr>
+            <a:spLocks noGrp="1"/>
+          </p:cNvSpPr>
+          <p:nvPr>
+            <p:ph type="ftr" sz="quarter" idx="4"/>
+          </p:nvPr>
+        </p:nvSpPr>
+        <p:spPr>
+          <a:xfrm>
+            <a:off x="0" y="8685213"/>
+            <a:ext cx="2971800" cy="458787"/>
+          </a:xfrm>
+          <a:prstGeom prst="rect">
+            <a:avLst/>
+          </a:prstGeom>
+        </p:spPr>
+        <p:txBody>
+          <a:bodyPr vert="horz" lIns="91440" tIns="45720" rIns="91440" bIns="45720" rtlCol="0" anchor="b"/>
+          <a:lstStyle>
+            <a:lvl1pPr algn="l">
+              <a:defRPr sz="1200"/>
+            </a:lvl1pPr>
+          </a:lstStyle>
+          <a:p>
+            <a:endParaRPr lang="ru-RU"/>
+          </a:p>
+        </p:txBody>
+      </p:sp>
+      <p:sp>
+        <p:nvSpPr>
+          <p:cNvPr id="7" name="Номер слайда 6"/>
+          <p:cNvSpPr>
+            <a:spLocks noGrp="1"/>
+          </p:cNvSpPr>
+          <p:nvPr>
+            <p:ph type="sldNum" sz="quarter" idx="5"/>
+          </p:nvPr>
+        </p:nvSpPr>
+        <p:spPr>
+          <a:xfrm>
+            <a:off x="3884613" y="8685213"/>
+            <a:ext cx="2971800" cy="458787"/>
+          </a:xfrm>
+          <a:prstGeom prst="rect">
+            <a:avLst/>
+          </a:prstGeom>
+        </p:spPr>
+        <p:txBody>
+          <a:bodyPr vert="horz" lIns="91440" tIns="45720" rIns="91440" bIns="45720" rtlCol="0" anchor="b"/>
+          <a:lstStyle>
+            <a:lvl1pPr algn="r">
+              <a:defRPr sz="1200"/>
+            </a:lvl1pPr>
+          </a:lstStyle>
+          <a:p>
+            <a:fld id="{373B8171-AA41-4730-8425-56C9328181B3}" type="slidenum">
               <a:rPr lang="ru-RU" smtClean="0"/>
               <a:t>‹#›</a:t>
             </a:fld>
@@ -291,12 +367,494 @@
     </p:spTree>
     <p:extLst>
       <p:ext uri="{BB962C8B-B14F-4D97-AF65-F5344CB8AC3E}">
-        <p14:creationId xmlns:p14="http://schemas.microsoft.com/office/powerpoint/2010/main" val="1630503177"/>
+        <p14:creationId xmlns:p14="http://schemas.microsoft.com/office/powerpoint/2010/main" val="2931147891"/>
+      </p:ext>
+    </p:extLst>
+  </p:cSld>
+  <p:clrMap bg1="lt1" tx1="dk1" bg2="lt2" tx2="dk2" accent1="accent1" accent2="accent2" accent3="accent3" accent4="accent4" accent5="accent5" accent6="accent6" hlink="hlink" folHlink="folHlink"/>
+  <p:notesStyle>
+    <a:lvl1pPr marL="0" algn="l" defTabSz="914400" rtl="0" eaLnBrk="1" latinLnBrk="0" hangingPunct="1">
+      <a:defRPr sz="1200" kern="1200">
+        <a:solidFill>
+          <a:schemeClr val="tx1"/>
+        </a:solidFill>
+        <a:latin typeface="+mn-lt"/>
+        <a:ea typeface="+mn-ea"/>
+        <a:cs typeface="+mn-cs"/>
+      </a:defRPr>
+    </a:lvl1pPr>
+    <a:lvl2pPr marL="457200" algn="l" defTabSz="914400" rtl="0" eaLnBrk="1" latinLnBrk="0" hangingPunct="1">
+      <a:defRPr sz="1200" kern="1200">
+        <a:solidFill>
+          <a:schemeClr val="tx1"/>
+        </a:solidFill>
+        <a:latin typeface="+mn-lt"/>
+        <a:ea typeface="+mn-ea"/>
+        <a:cs typeface="+mn-cs"/>
+      </a:defRPr>
+    </a:lvl2pPr>
+    <a:lvl3pPr marL="914400" algn="l" defTabSz="914400" rtl="0" eaLnBrk="1" latinLnBrk="0" hangingPunct="1">
+      <a:defRPr sz="1200" kern="1200">
+        <a:solidFill>
+          <a:schemeClr val="tx1"/>
+        </a:solidFill>
+        <a:latin typeface="+mn-lt"/>
+        <a:ea typeface="+mn-ea"/>
+        <a:cs typeface="+mn-cs"/>
+      </a:defRPr>
+    </a:lvl3pPr>
+    <a:lvl4pPr marL="1371600" algn="l" defTabSz="914400" rtl="0" eaLnBrk="1" latinLnBrk="0" hangingPunct="1">
+      <a:defRPr sz="1200" kern="1200">
+        <a:solidFill>
+          <a:schemeClr val="tx1"/>
+        </a:solidFill>
+        <a:latin typeface="+mn-lt"/>
+        <a:ea typeface="+mn-ea"/>
+        <a:cs typeface="+mn-cs"/>
+      </a:defRPr>
+    </a:lvl4pPr>
+    <a:lvl5pPr marL="1828800" algn="l" defTabSz="914400" rtl="0" eaLnBrk="1" latinLnBrk="0" hangingPunct="1">
+      <a:defRPr sz="1200" kern="1200">
+        <a:solidFill>
+          <a:schemeClr val="tx1"/>
+        </a:solidFill>
+        <a:latin typeface="+mn-lt"/>
+        <a:ea typeface="+mn-ea"/>
+        <a:cs typeface="+mn-cs"/>
+      </a:defRPr>
+    </a:lvl5pPr>
+    <a:lvl6pPr marL="2286000" algn="l" defTabSz="914400" rtl="0" eaLnBrk="1" latinLnBrk="0" hangingPunct="1">
+      <a:defRPr sz="1200" kern="1200">
+        <a:solidFill>
+          <a:schemeClr val="tx1"/>
+        </a:solidFill>
+        <a:latin typeface="+mn-lt"/>
+        <a:ea typeface="+mn-ea"/>
+        <a:cs typeface="+mn-cs"/>
+      </a:defRPr>
+    </a:lvl6pPr>
+    <a:lvl7pPr marL="2743200" algn="l" defTabSz="914400" rtl="0" eaLnBrk="1" latinLnBrk="0" hangingPunct="1">
+      <a:defRPr sz="1200" kern="1200">
+        <a:solidFill>
+          <a:schemeClr val="tx1"/>
+        </a:solidFill>
+        <a:latin typeface="+mn-lt"/>
+        <a:ea typeface="+mn-ea"/>
+        <a:cs typeface="+mn-cs"/>
+      </a:defRPr>
+    </a:lvl7pPr>
+    <a:lvl8pPr marL="3200400" algn="l" defTabSz="914400" rtl="0" eaLnBrk="1" latinLnBrk="0" hangingPunct="1">
+      <a:defRPr sz="1200" kern="1200">
+        <a:solidFill>
+          <a:schemeClr val="tx1"/>
+        </a:solidFill>
+        <a:latin typeface="+mn-lt"/>
+        <a:ea typeface="+mn-ea"/>
+        <a:cs typeface="+mn-cs"/>
+      </a:defRPr>
+    </a:lvl8pPr>
+    <a:lvl9pPr marL="3657600" algn="l" defTabSz="914400" rtl="0" eaLnBrk="1" latinLnBrk="0" hangingPunct="1">
+      <a:defRPr sz="1200" kern="1200">
+        <a:solidFill>
+          <a:schemeClr val="tx1"/>
+        </a:solidFill>
+        <a:latin typeface="+mn-lt"/>
+        <a:ea typeface="+mn-ea"/>
+        <a:cs typeface="+mn-cs"/>
+      </a:defRPr>
+    </a:lvl9pPr>
+  </p:notesStyle>
+</p:notesMaster>
+</file>
+
+<file path=ppt/notesSlides/notesSlide1.xml><?xml version="1.0" encoding="utf-8"?>
+<p:notes xmlns:a="http://schemas.openxmlformats.org/drawingml/2006/main" xmlns:r="http://schemas.openxmlformats.org/officeDocument/2006/relationships" xmlns:p="http://schemas.openxmlformats.org/presentationml/2006/main">
+  <p:cSld>
+    <p:spTree>
+      <p:nvGrpSpPr>
+        <p:cNvPr id="1" name=""/>
+        <p:cNvGrpSpPr/>
+        <p:nvPr/>
+      </p:nvGrpSpPr>
+      <p:grpSpPr>
+        <a:xfrm>
+          <a:off x="0" y="0"/>
+          <a:ext cx="0" cy="0"/>
+          <a:chOff x="0" y="0"/>
+          <a:chExt cx="0" cy="0"/>
+        </a:xfrm>
+      </p:grpSpPr>
+      <p:sp>
+        <p:nvSpPr>
+          <p:cNvPr id="2" name="Образ слайда 1"/>
+          <p:cNvSpPr>
+            <a:spLocks noGrp="1" noRot="1" noChangeAspect="1"/>
+          </p:cNvSpPr>
+          <p:nvPr>
+            <p:ph type="sldImg"/>
+          </p:nvPr>
+        </p:nvSpPr>
+        <p:spPr/>
+      </p:sp>
+      <p:sp>
+        <p:nvSpPr>
+          <p:cNvPr id="3" name="Заметки 2"/>
+          <p:cNvSpPr>
+            <a:spLocks noGrp="1"/>
+          </p:cNvSpPr>
+          <p:nvPr>
+            <p:ph type="body" idx="1"/>
+          </p:nvPr>
+        </p:nvSpPr>
+        <p:spPr/>
+        <p:txBody>
+          <a:bodyPr/>
+          <a:lstStyle/>
+          <a:p>
+            <a:r>
+              <a:rPr lang="ru-RU" dirty="0" smtClean="0"/>
+              <a:t>Добро пожаловать в наш многоквартирный жилой комплекс - идеальное место для вашей мечты о комфортной и безопасной жизни!</a:t>
+            </a:r>
+          </a:p>
+          <a:p>
+            <a:endParaRPr lang="ru-RU" dirty="0" smtClean="0"/>
+          </a:p>
+          <a:p>
+            <a:r>
+              <a:rPr lang="ru-RU" dirty="0" smtClean="0"/>
+              <a:t>Мы позаботились о вашей безопасности, установив видеонаблюдение и организовав круглосуточную охрану. Вы можете быть уверены, что ваша семья и имущество находятся под надежной защитой.</a:t>
+            </a:r>
+          </a:p>
+          <a:p>
+            <a:endParaRPr lang="ru-RU" dirty="0" smtClean="0"/>
+          </a:p>
+          <a:p>
+            <a:r>
+              <a:rPr lang="ru-RU" dirty="0" smtClean="0"/>
+              <a:t>Но жизнь рядом с людьми не ограничивается только безопасностью. Мы стремимся предоставить вам высочайшее качество жизни, соблюдая все сроки и обещания. Наша команда профессионалов гарантирует, что каждая деталь в вашей квартире будет выполнена с максимальным качеством.</a:t>
+            </a:r>
+          </a:p>
+          <a:p>
+            <a:endParaRPr lang="ru-RU" dirty="0" smtClean="0"/>
+          </a:p>
+          <a:p>
+            <a:r>
+              <a:rPr lang="ru-RU" dirty="0" smtClean="0"/>
+              <a:t>Мы также гордимся тем, что предлагаем нашим клиентам оптимальное соотношение цены и качества. Мы понимаем, что покупка недвижимости - это серьезное решение, и поэтому стараемся предложить вам самые выгодные условия.</a:t>
+            </a:r>
+          </a:p>
+          <a:p>
+            <a:endParaRPr lang="ru-RU" dirty="0" smtClean="0"/>
+          </a:p>
+          <a:p>
+            <a:r>
+              <a:rPr lang="ru-RU" dirty="0" smtClean="0"/>
+              <a:t>Однако наше преимущество не ограничивается только безопасностью, качеством и ценой. Наш уникальный дизайн квартир придется по вкусу даже самым требовательным покупателям. Мы сделали все возможное, чтобы каждая квартира была уникальной и отражала вашу индивидуальность.</a:t>
+            </a:r>
+          </a:p>
+          <a:p>
+            <a:endParaRPr lang="ru-RU" dirty="0" smtClean="0"/>
+          </a:p>
+          <a:p>
+            <a:r>
+              <a:rPr lang="ru-RU" dirty="0" smtClean="0"/>
+              <a:t>И наконец, наш комплекс обеспечен двумя лифтами, включая грузовой. Вы больше не будете испытывать неудобство при перевозке тяжелых вещей или покупок. Мы помогаем вам решить все возникающие проблемы, чтобы ваша жизнь была максимально комфортной.</a:t>
+            </a:r>
+          </a:p>
+          <a:p>
+            <a:endParaRPr lang="ru-RU" dirty="0" smtClean="0"/>
+          </a:p>
+          <a:p>
+            <a:r>
+              <a:rPr lang="ru-RU" dirty="0" smtClean="0"/>
+              <a:t>Кроме того, мы предлагаем различные пакеты услуг, включая квартиры с черновой, </a:t>
+            </a:r>
+            <a:r>
+              <a:rPr lang="ru-RU" dirty="0" err="1" smtClean="0"/>
+              <a:t>предчистовой</a:t>
+            </a:r>
+            <a:r>
+              <a:rPr lang="ru-RU" dirty="0" smtClean="0"/>
+              <a:t> и чистовой отделкой. Мы также готовы помочь вам с продажей старой недвижимости и предоставить доступ к подземному и наземному паркингу.</a:t>
+            </a:r>
+          </a:p>
+          <a:p>
+            <a:endParaRPr lang="ru-RU" dirty="0" smtClean="0"/>
+          </a:p>
+          <a:p>
+            <a:r>
+              <a:rPr lang="ru-RU" dirty="0" smtClean="0"/>
+              <a:t>Мы понимаем, что покупка недвижимости может быть сложным процессом, поэтому мы готовы помочь вам с получением средств на покупку и решить все возникающие проблемы с жильем.</a:t>
+            </a:r>
+          </a:p>
+          <a:p>
+            <a:endParaRPr lang="ru-RU" dirty="0" smtClean="0"/>
+          </a:p>
+          <a:p>
+            <a:r>
+              <a:rPr lang="ru-RU" dirty="0" smtClean="0"/>
+              <a:t>Выбирая наш многоквартирный жилой комплекс, вы выбираете безопасность, качество, уникальный дизайн и удобство. Мы готовы помочь вам решить все ваши вопросы и сделать вашу мечту о собственном жилье реальностью. Обратитесь к нам сегодня, и мы с радостью поможем вам!</a:t>
+            </a:r>
+            <a:endParaRPr lang="ru-RU" dirty="0"/>
+          </a:p>
+        </p:txBody>
+      </p:sp>
+      <p:sp>
+        <p:nvSpPr>
+          <p:cNvPr id="4" name="Номер слайда 3"/>
+          <p:cNvSpPr>
+            <a:spLocks noGrp="1"/>
+          </p:cNvSpPr>
+          <p:nvPr>
+            <p:ph type="sldNum" sz="quarter" idx="10"/>
+          </p:nvPr>
+        </p:nvSpPr>
+        <p:spPr/>
+        <p:txBody>
+          <a:bodyPr/>
+          <a:lstStyle/>
+          <a:p>
+            <a:fld id="{373B8171-AA41-4730-8425-56C9328181B3}" type="slidenum">
+              <a:rPr lang="ru-RU" smtClean="0"/>
+              <a:t>3</a:t>
+            </a:fld>
+            <a:endParaRPr lang="ru-RU"/>
+          </a:p>
+        </p:txBody>
+      </p:sp>
+    </p:spTree>
+    <p:extLst>
+      <p:ext uri="{BB962C8B-B14F-4D97-AF65-F5344CB8AC3E}">
+        <p14:creationId xmlns:p14="http://schemas.microsoft.com/office/powerpoint/2010/main" val="3678072182"/>
       </p:ext>
     </p:extLst>
   </p:cSld>
   <p:clrMapOvr>
     <a:masterClrMapping/>
+  </p:clrMapOvr>
+</p:notes>
+</file>
+
+<file path=ppt/slideLayouts/slideLayout1.xml><?xml version="1.0" encoding="utf-8"?>
+<p:sldLayout xmlns:a="http://schemas.openxmlformats.org/drawingml/2006/main" xmlns:r="http://schemas.openxmlformats.org/officeDocument/2006/relationships" xmlns:p="http://schemas.openxmlformats.org/presentationml/2006/main" type="title" preserve="1">
+  <p:cSld name="Титульный слайд">
+    <p:bg>
+      <p:bgPr>
+        <a:solidFill>
+          <a:schemeClr val="accent2"/>
+        </a:solidFill>
+        <a:effectLst/>
+      </p:bgPr>
+    </p:bg>
+    <p:spTree>
+      <p:nvGrpSpPr>
+        <p:cNvPr id="1" name=""/>
+        <p:cNvGrpSpPr/>
+        <p:nvPr/>
+      </p:nvGrpSpPr>
+      <p:grpSpPr>
+        <a:xfrm>
+          <a:off x="0" y="0"/>
+          <a:ext cx="0" cy="0"/>
+          <a:chOff x="0" y="0"/>
+          <a:chExt cx="0" cy="0"/>
+        </a:xfrm>
+      </p:grpSpPr>
+      <p:sp>
+        <p:nvSpPr>
+          <p:cNvPr id="2" name="Title 1"/>
+          <p:cNvSpPr>
+            <a:spLocks noGrp="1"/>
+          </p:cNvSpPr>
+          <p:nvPr>
+            <p:ph type="ctrTitle"/>
+          </p:nvPr>
+        </p:nvSpPr>
+        <p:spPr bwMode="blackWhite">
+          <a:xfrm>
+            <a:off x="1600200" y="2386744"/>
+            <a:ext cx="8991600" cy="1645920"/>
+          </a:xfrm>
+          <a:solidFill>
+            <a:srgbClr val="FFFFFF"/>
+          </a:solidFill>
+          <a:ln w="38100">
+            <a:solidFill>
+              <a:srgbClr val="404040"/>
+            </a:solidFill>
+          </a:ln>
+        </p:spPr>
+        <p:txBody>
+          <a:bodyPr lIns="274320" rIns="274320" anchor="ctr" anchorCtr="1">
+            <a:normAutofit/>
+          </a:bodyPr>
+          <a:lstStyle>
+            <a:lvl1pPr algn="ctr">
+              <a:defRPr sz="3800">
+                <a:solidFill>
+                  <a:srgbClr val="262626"/>
+                </a:solidFill>
+              </a:defRPr>
+            </a:lvl1pPr>
+          </a:lstStyle>
+          <a:p>
+            <a:r>
+              <a:rPr lang="ru-RU" smtClean="0"/>
+              <a:t>Образец заголовка</a:t>
+            </a:r>
+            <a:endParaRPr lang="en-US" dirty="0"/>
+          </a:p>
+        </p:txBody>
+      </p:sp>
+      <p:sp>
+        <p:nvSpPr>
+          <p:cNvPr id="3" name="Subtitle 2"/>
+          <p:cNvSpPr>
+            <a:spLocks noGrp="1"/>
+          </p:cNvSpPr>
+          <p:nvPr>
+            <p:ph type="subTitle" idx="1"/>
+          </p:nvPr>
+        </p:nvSpPr>
+        <p:spPr>
+          <a:xfrm>
+            <a:off x="2695194" y="4352544"/>
+            <a:ext cx="6801612" cy="1239894"/>
+          </a:xfrm>
+          <a:noFill/>
+        </p:spPr>
+        <p:txBody>
+          <a:bodyPr>
+            <a:normAutofit/>
+          </a:bodyPr>
+          <a:lstStyle>
+            <a:lvl1pPr marL="0" indent="0" algn="ctr">
+              <a:buNone/>
+              <a:defRPr sz="2000">
+                <a:solidFill>
+                  <a:schemeClr val="tx1">
+                    <a:lumMod val="75000"/>
+                    <a:lumOff val="25000"/>
+                  </a:schemeClr>
+                </a:solidFill>
+              </a:defRPr>
+            </a:lvl1pPr>
+            <a:lvl2pPr marL="457200" indent="0" algn="ctr">
+              <a:buNone/>
+              <a:defRPr sz="2000"/>
+            </a:lvl2pPr>
+            <a:lvl3pPr marL="914400" indent="0" algn="ctr">
+              <a:buNone/>
+              <a:defRPr sz="1800"/>
+            </a:lvl3pPr>
+            <a:lvl4pPr marL="1371600" indent="0" algn="ctr">
+              <a:buNone/>
+              <a:defRPr sz="1600"/>
+            </a:lvl4pPr>
+            <a:lvl5pPr marL="1828800" indent="0" algn="ctr">
+              <a:buNone/>
+              <a:defRPr sz="1600"/>
+            </a:lvl5pPr>
+            <a:lvl6pPr marL="2286000" indent="0" algn="ctr">
+              <a:buNone/>
+              <a:defRPr sz="1600"/>
+            </a:lvl6pPr>
+            <a:lvl7pPr marL="2743200" indent="0" algn="ctr">
+              <a:buNone/>
+              <a:defRPr sz="1600"/>
+            </a:lvl7pPr>
+            <a:lvl8pPr marL="3200400" indent="0" algn="ctr">
+              <a:buNone/>
+              <a:defRPr sz="1600"/>
+            </a:lvl8pPr>
+            <a:lvl9pPr marL="3657600" indent="0" algn="ctr">
+              <a:buNone/>
+              <a:defRPr sz="1600"/>
+            </a:lvl9pPr>
+          </a:lstStyle>
+          <a:p>
+            <a:r>
+              <a:rPr lang="ru-RU" smtClean="0"/>
+              <a:t>Образец подзаголовка</a:t>
+            </a:r>
+            <a:endParaRPr lang="en-US" dirty="0"/>
+          </a:p>
+        </p:txBody>
+      </p:sp>
+      <p:sp>
+        <p:nvSpPr>
+          <p:cNvPr id="7" name="Date Placeholder 6"/>
+          <p:cNvSpPr>
+            <a:spLocks noGrp="1"/>
+          </p:cNvSpPr>
+          <p:nvPr>
+            <p:ph type="dt" sz="half" idx="10"/>
+          </p:nvPr>
+        </p:nvSpPr>
+        <p:spPr/>
+        <p:txBody>
+          <a:bodyPr/>
+          <a:lstStyle/>
+          <a:p>
+            <a:fld id="{8DD1138F-4AFD-4355-8AE6-1C212826FCBF}" type="datetimeFigureOut">
+              <a:rPr lang="ru-RU" smtClean="0"/>
+              <a:t>03.10.2023</a:t>
+            </a:fld>
+            <a:endParaRPr lang="ru-RU"/>
+          </a:p>
+        </p:txBody>
+      </p:sp>
+      <p:sp>
+        <p:nvSpPr>
+          <p:cNvPr id="8" name="Footer Placeholder 7"/>
+          <p:cNvSpPr>
+            <a:spLocks noGrp="1"/>
+          </p:cNvSpPr>
+          <p:nvPr>
+            <p:ph type="ftr" sz="quarter" idx="11"/>
+          </p:nvPr>
+        </p:nvSpPr>
+        <p:spPr/>
+        <p:txBody>
+          <a:bodyPr/>
+          <a:lstStyle/>
+          <a:p>
+            <a:endParaRPr lang="ru-RU"/>
+          </a:p>
+        </p:txBody>
+      </p:sp>
+      <p:sp>
+        <p:nvSpPr>
+          <p:cNvPr id="9" name="Slide Number Placeholder 8"/>
+          <p:cNvSpPr>
+            <a:spLocks noGrp="1"/>
+          </p:cNvSpPr>
+          <p:nvPr>
+            <p:ph type="sldNum" sz="quarter" idx="12"/>
+          </p:nvPr>
+        </p:nvSpPr>
+        <p:spPr/>
+        <p:txBody>
+          <a:bodyPr/>
+          <a:lstStyle/>
+          <a:p>
+            <a:fld id="{9BB4EAA5-5468-4546-8153-1EDF0BC937EC}" type="slidenum">
+              <a:rPr lang="ru-RU" smtClean="0"/>
+              <a:t>‹#›</a:t>
+            </a:fld>
+            <a:endParaRPr lang="ru-RU"/>
+          </a:p>
+        </p:txBody>
+      </p:sp>
+    </p:spTree>
+    <p:extLst>
+      <p:ext uri="{BB962C8B-B14F-4D97-AF65-F5344CB8AC3E}">
+        <p14:creationId xmlns:p14="http://schemas.microsoft.com/office/powerpoint/2010/main" val="1351222626"/>
+      </p:ext>
+    </p:extLst>
+  </p:cSld>
+  <p:clrMapOvr>
+    <a:overrideClrMapping bg1="dk1" tx1="lt1" bg2="dk2" tx2="lt2" accent1="accent1" accent2="accent2" accent3="accent3" accent4="accent4" accent5="accent5" accent6="accent6" hlink="hlink" folHlink="folHlink"/>
   </p:clrMapOvr>
 </p:sldLayout>
 </file>
@@ -320,7 +878,7 @@
       </p:grpSpPr>
       <p:sp>
         <p:nvSpPr>
-          <p:cNvPr id="2" name="Заголовок 1"/>
+          <p:cNvPr id="2" name="Title 1"/>
           <p:cNvSpPr>
             <a:spLocks noGrp="1"/>
           </p:cNvSpPr>
@@ -337,13 +895,13 @@
               <a:rPr lang="ru-RU" smtClean="0"/>
               <a:t>Образец заголовка</a:t>
             </a:r>
-            <a:endParaRPr lang="ru-RU"/>
-          </a:p>
-        </p:txBody>
-      </p:sp>
-      <p:sp>
-        <p:nvSpPr>
-          <p:cNvPr id="3" name="Вертикальный текст 2"/>
+            <a:endParaRPr lang="en-US" dirty="0"/>
+          </a:p>
+        </p:txBody>
+      </p:sp>
+      <p:sp>
+        <p:nvSpPr>
+          <p:cNvPr id="3" name="Vertical Text Placeholder 2"/>
           <p:cNvSpPr>
             <a:spLocks noGrp="1"/>
           </p:cNvSpPr>
@@ -389,13 +947,13 @@
               <a:rPr lang="ru-RU" smtClean="0"/>
               <a:t>Пятый уровень</a:t>
             </a:r>
-            <a:endParaRPr lang="ru-RU"/>
-          </a:p>
-        </p:txBody>
-      </p:sp>
-      <p:sp>
-        <p:nvSpPr>
-          <p:cNvPr id="4" name="Дата 3"/>
+            <a:endParaRPr lang="en-US" dirty="0"/>
+          </a:p>
+        </p:txBody>
+      </p:sp>
+      <p:sp>
+        <p:nvSpPr>
+          <p:cNvPr id="4" name="Date Placeholder 3"/>
           <p:cNvSpPr>
             <a:spLocks noGrp="1"/>
           </p:cNvSpPr>
@@ -410,7 +968,7 @@
           <a:p>
             <a:fld id="{8DD1138F-4AFD-4355-8AE6-1C212826FCBF}" type="datetimeFigureOut">
               <a:rPr lang="ru-RU" smtClean="0"/>
-              <a:t>26.09.2023</a:t>
+              <a:t>03.10.2023</a:t>
             </a:fld>
             <a:endParaRPr lang="ru-RU"/>
           </a:p>
@@ -418,7 +976,7 @@
       </p:sp>
       <p:sp>
         <p:nvSpPr>
-          <p:cNvPr id="5" name="Нижний колонтитул 4"/>
+          <p:cNvPr id="5" name="Footer Placeholder 4"/>
           <p:cNvSpPr>
             <a:spLocks noGrp="1"/>
           </p:cNvSpPr>
@@ -437,7 +995,7 @@
       </p:sp>
       <p:sp>
         <p:nvSpPr>
-          <p:cNvPr id="6" name="Номер слайда 5"/>
+          <p:cNvPr id="6" name="Slide Number Placeholder 5"/>
           <p:cNvSpPr>
             <a:spLocks noGrp="1"/>
           </p:cNvSpPr>
@@ -461,7 +1019,7 @@
     </p:spTree>
     <p:extLst>
       <p:ext uri="{BB962C8B-B14F-4D97-AF65-F5344CB8AC3E}">
-        <p14:creationId xmlns:p14="http://schemas.microsoft.com/office/powerpoint/2010/main" val="3271997924"/>
+        <p14:creationId xmlns:p14="http://schemas.microsoft.com/office/powerpoint/2010/main" val="1138209171"/>
       </p:ext>
     </p:extLst>
   </p:cSld>
@@ -490,7 +1048,7 @@
       </p:grpSpPr>
       <p:sp>
         <p:nvSpPr>
-          <p:cNvPr id="2" name="Вертикальный заголовок 1"/>
+          <p:cNvPr id="2" name="Vertical Title 1"/>
           <p:cNvSpPr>
             <a:spLocks noGrp="1"/>
           </p:cNvSpPr>
@@ -500,8 +1058,8 @@
         </p:nvSpPr>
         <p:spPr>
           <a:xfrm>
-            <a:off x="8724900" y="365125"/>
-            <a:ext cx="2628900" cy="5811838"/>
+            <a:off x="8653112" y="937260"/>
+            <a:ext cx="1298608" cy="4983480"/>
           </a:xfrm>
         </p:spPr>
         <p:txBody>
@@ -512,13 +1070,13 @@
               <a:rPr lang="ru-RU" smtClean="0"/>
               <a:t>Образец заголовка</a:t>
             </a:r>
-            <a:endParaRPr lang="ru-RU"/>
-          </a:p>
-        </p:txBody>
-      </p:sp>
-      <p:sp>
-        <p:nvSpPr>
-          <p:cNvPr id="3" name="Вертикальный текст 2"/>
+            <a:endParaRPr lang="en-US" dirty="0"/>
+          </a:p>
+        </p:txBody>
+      </p:sp>
+      <p:sp>
+        <p:nvSpPr>
+          <p:cNvPr id="3" name="Vertical Text Placeholder 2"/>
           <p:cNvSpPr>
             <a:spLocks noGrp="1"/>
           </p:cNvSpPr>
@@ -528,8 +1086,8 @@
         </p:nvSpPr>
         <p:spPr>
           <a:xfrm>
-            <a:off x="838200" y="365125"/>
-            <a:ext cx="7734300" cy="5811838"/>
+            <a:off x="2231136" y="937260"/>
+            <a:ext cx="6198489" cy="4983480"/>
           </a:xfrm>
         </p:spPr>
         <p:txBody>
@@ -569,13 +1127,13 @@
               <a:rPr lang="ru-RU" smtClean="0"/>
               <a:t>Пятый уровень</a:t>
             </a:r>
-            <a:endParaRPr lang="ru-RU"/>
-          </a:p>
-        </p:txBody>
-      </p:sp>
-      <p:sp>
-        <p:nvSpPr>
-          <p:cNvPr id="4" name="Дата 3"/>
+            <a:endParaRPr lang="en-US" dirty="0"/>
+          </a:p>
+        </p:txBody>
+      </p:sp>
+      <p:sp>
+        <p:nvSpPr>
+          <p:cNvPr id="4" name="Date Placeholder 3"/>
           <p:cNvSpPr>
             <a:spLocks noGrp="1"/>
           </p:cNvSpPr>
@@ -590,7 +1148,7 @@
           <a:p>
             <a:fld id="{8DD1138F-4AFD-4355-8AE6-1C212826FCBF}" type="datetimeFigureOut">
               <a:rPr lang="ru-RU" smtClean="0"/>
-              <a:t>26.09.2023</a:t>
+              <a:t>03.10.2023</a:t>
             </a:fld>
             <a:endParaRPr lang="ru-RU"/>
           </a:p>
@@ -598,7 +1156,7 @@
       </p:sp>
       <p:sp>
         <p:nvSpPr>
-          <p:cNvPr id="5" name="Нижний колонтитул 4"/>
+          <p:cNvPr id="5" name="Footer Placeholder 4"/>
           <p:cNvSpPr>
             <a:spLocks noGrp="1"/>
           </p:cNvSpPr>
@@ -617,7 +1175,7 @@
       </p:sp>
       <p:sp>
         <p:nvSpPr>
-          <p:cNvPr id="6" name="Номер слайда 5"/>
+          <p:cNvPr id="6" name="Slide Number Placeholder 5"/>
           <p:cNvSpPr>
             <a:spLocks noGrp="1"/>
           </p:cNvSpPr>
@@ -641,7 +1199,7 @@
     </p:spTree>
     <p:extLst>
       <p:ext uri="{BB962C8B-B14F-4D97-AF65-F5344CB8AC3E}">
-        <p14:creationId xmlns:p14="http://schemas.microsoft.com/office/powerpoint/2010/main" val="1261419271"/>
+        <p14:creationId xmlns:p14="http://schemas.microsoft.com/office/powerpoint/2010/main" val="2376885610"/>
       </p:ext>
     </p:extLst>
   </p:cSld>
@@ -670,7 +1228,7 @@
       </p:grpSpPr>
       <p:sp>
         <p:nvSpPr>
-          <p:cNvPr id="2" name="Заголовок 1"/>
+          <p:cNvPr id="2" name="Title 1"/>
           <p:cNvSpPr>
             <a:spLocks noGrp="1"/>
           </p:cNvSpPr>
@@ -687,13 +1245,13 @@
               <a:rPr lang="ru-RU" smtClean="0"/>
               <a:t>Образец заголовка</a:t>
             </a:r>
-            <a:endParaRPr lang="ru-RU"/>
-          </a:p>
-        </p:txBody>
-      </p:sp>
-      <p:sp>
-        <p:nvSpPr>
-          <p:cNvPr id="3" name="Объект 2"/>
+            <a:endParaRPr lang="en-US" dirty="0"/>
+          </a:p>
+        </p:txBody>
+      </p:sp>
+      <p:sp>
+        <p:nvSpPr>
+          <p:cNvPr id="3" name="Content Placeholder 2"/>
           <p:cNvSpPr>
             <a:spLocks noGrp="1"/>
           </p:cNvSpPr>
@@ -739,13 +1297,13 @@
               <a:rPr lang="ru-RU" smtClean="0"/>
               <a:t>Пятый уровень</a:t>
             </a:r>
-            <a:endParaRPr lang="ru-RU"/>
-          </a:p>
-        </p:txBody>
-      </p:sp>
-      <p:sp>
-        <p:nvSpPr>
-          <p:cNvPr id="4" name="Дата 3"/>
+            <a:endParaRPr lang="en-US" dirty="0"/>
+          </a:p>
+        </p:txBody>
+      </p:sp>
+      <p:sp>
+        <p:nvSpPr>
+          <p:cNvPr id="7" name="Date Placeholder 6"/>
           <p:cNvSpPr>
             <a:spLocks noGrp="1"/>
           </p:cNvSpPr>
@@ -760,7 +1318,7 @@
           <a:p>
             <a:fld id="{8DD1138F-4AFD-4355-8AE6-1C212826FCBF}" type="datetimeFigureOut">
               <a:rPr lang="ru-RU" smtClean="0"/>
-              <a:t>26.09.2023</a:t>
+              <a:t>03.10.2023</a:t>
             </a:fld>
             <a:endParaRPr lang="ru-RU"/>
           </a:p>
@@ -768,7 +1326,7 @@
       </p:sp>
       <p:sp>
         <p:nvSpPr>
-          <p:cNvPr id="5" name="Нижний колонтитул 4"/>
+          <p:cNvPr id="8" name="Footer Placeholder 7"/>
           <p:cNvSpPr>
             <a:spLocks noGrp="1"/>
           </p:cNvSpPr>
@@ -787,7 +1345,7 @@
       </p:sp>
       <p:sp>
         <p:nvSpPr>
-          <p:cNvPr id="6" name="Номер слайда 5"/>
+          <p:cNvPr id="9" name="Slide Number Placeholder 8"/>
           <p:cNvSpPr>
             <a:spLocks noGrp="1"/>
           </p:cNvSpPr>
@@ -811,7 +1369,7 @@
     </p:spTree>
     <p:extLst>
       <p:ext uri="{BB962C8B-B14F-4D97-AF65-F5344CB8AC3E}">
-        <p14:creationId xmlns:p14="http://schemas.microsoft.com/office/powerpoint/2010/main" val="375128182"/>
+        <p14:creationId xmlns:p14="http://schemas.microsoft.com/office/powerpoint/2010/main" val="2870050868"/>
       </p:ext>
     </p:extLst>
   </p:cSld>
@@ -824,6 +1382,14 @@
 <file path=ppt/slideLayouts/slideLayout3.xml><?xml version="1.0" encoding="utf-8"?>
 <p:sldLayout xmlns:a="http://schemas.openxmlformats.org/drawingml/2006/main" xmlns:r="http://schemas.openxmlformats.org/officeDocument/2006/relationships" xmlns:p="http://schemas.openxmlformats.org/presentationml/2006/main" type="secHead" preserve="1">
   <p:cSld name="Заголовок раздела">
+    <p:bg>
+      <p:bgPr>
+        <a:solidFill>
+          <a:schemeClr val="accent1"/>
+        </a:solidFill>
+        <a:effectLst/>
+      </p:bgPr>
+    </p:bg>
     <p:spTree>
       <p:nvGrpSpPr>
         <p:cNvPr id="1" name=""/>
@@ -840,62 +1406,76 @@
       </p:grpSpPr>
       <p:sp>
         <p:nvSpPr>
-          <p:cNvPr id="2" name="Заголовок 1"/>
+          <p:cNvPr id="2" name="Title 1"/>
           <p:cNvSpPr>
             <a:spLocks noGrp="1"/>
           </p:cNvSpPr>
           <p:nvPr>
             <p:ph type="title"/>
+          </p:nvPr>
+        </p:nvSpPr>
+        <p:spPr bwMode="blackWhite">
+          <a:xfrm>
+            <a:off x="1600200" y="2386744"/>
+            <a:ext cx="8991600" cy="1645920"/>
+          </a:xfrm>
+          <a:solidFill>
+            <a:srgbClr val="FFFFFF"/>
+          </a:solidFill>
+          <a:ln w="38100">
+            <a:solidFill>
+              <a:srgbClr val="404040"/>
+            </a:solidFill>
+          </a:ln>
+        </p:spPr>
+        <p:txBody>
+          <a:bodyPr lIns="274320" rIns="274320" anchor="ctr" anchorCtr="1">
+            <a:normAutofit/>
+          </a:bodyPr>
+          <a:lstStyle>
+            <a:lvl1pPr>
+              <a:defRPr sz="3800">
+                <a:solidFill>
+                  <a:srgbClr val="262626"/>
+                </a:solidFill>
+              </a:defRPr>
+            </a:lvl1pPr>
+          </a:lstStyle>
+          <a:p>
+            <a:r>
+              <a:rPr lang="ru-RU" smtClean="0"/>
+              <a:t>Образец заголовка</a:t>
+            </a:r>
+            <a:endParaRPr lang="en-US" dirty="0"/>
+          </a:p>
+        </p:txBody>
+      </p:sp>
+      <p:sp>
+        <p:nvSpPr>
+          <p:cNvPr id="3" name="Text Placeholder 2"/>
+          <p:cNvSpPr>
+            <a:spLocks noGrp="1"/>
+          </p:cNvSpPr>
+          <p:nvPr>
+            <p:ph type="body" idx="1"/>
           </p:nvPr>
         </p:nvSpPr>
         <p:spPr>
           <a:xfrm>
-            <a:off x="831850" y="1709738"/>
-            <a:ext cx="10515600" cy="2852737"/>
+            <a:off x="2695194" y="4352465"/>
+            <a:ext cx="6801612" cy="1265082"/>
           </a:xfrm>
         </p:spPr>
         <p:txBody>
-          <a:bodyPr anchor="b"/>
-          <a:lstStyle>
-            <a:lvl1pPr>
-              <a:defRPr sz="6000"/>
-            </a:lvl1pPr>
-          </a:lstStyle>
-          <a:p>
-            <a:r>
-              <a:rPr lang="ru-RU" smtClean="0"/>
-              <a:t>Образец заголовка</a:t>
-            </a:r>
-            <a:endParaRPr lang="ru-RU"/>
-          </a:p>
-        </p:txBody>
-      </p:sp>
-      <p:sp>
-        <p:nvSpPr>
-          <p:cNvPr id="3" name="Текст 2"/>
-          <p:cNvSpPr>
-            <a:spLocks noGrp="1"/>
-          </p:cNvSpPr>
-          <p:nvPr>
-            <p:ph type="body" idx="1"/>
-          </p:nvPr>
-        </p:nvSpPr>
-        <p:spPr>
-          <a:xfrm>
-            <a:off x="831850" y="4589463"/>
-            <a:ext cx="10515600" cy="1500187"/>
-          </a:xfrm>
-        </p:spPr>
-        <p:txBody>
-          <a:bodyPr/>
+          <a:bodyPr anchor="t" anchorCtr="1">
+            <a:normAutofit/>
+          </a:bodyPr>
           <a:lstStyle>
             <a:lvl1pPr marL="0" indent="0">
               <a:buNone/>
-              <a:defRPr sz="2400">
+              <a:defRPr sz="2000">
                 <a:solidFill>
-                  <a:schemeClr val="tx1">
-                    <a:tint val="75000"/>
-                  </a:schemeClr>
+                  <a:schemeClr val="tx1"/>
                 </a:solidFill>
               </a:defRPr>
             </a:lvl1pPr>
@@ -991,7 +1571,7 @@
       </p:sp>
       <p:sp>
         <p:nvSpPr>
-          <p:cNvPr id="4" name="Дата 3"/>
+          <p:cNvPr id="7" name="Date Placeholder 6"/>
           <p:cNvSpPr>
             <a:spLocks noGrp="1"/>
           </p:cNvSpPr>
@@ -1006,7 +1586,7 @@
           <a:p>
             <a:fld id="{8DD1138F-4AFD-4355-8AE6-1C212826FCBF}" type="datetimeFigureOut">
               <a:rPr lang="ru-RU" smtClean="0"/>
-              <a:t>26.09.2023</a:t>
+              <a:t>03.10.2023</a:t>
             </a:fld>
             <a:endParaRPr lang="ru-RU"/>
           </a:p>
@@ -1014,7 +1594,7 @@
       </p:sp>
       <p:sp>
         <p:nvSpPr>
-          <p:cNvPr id="5" name="Нижний колонтитул 4"/>
+          <p:cNvPr id="8" name="Footer Placeholder 7"/>
           <p:cNvSpPr>
             <a:spLocks noGrp="1"/>
           </p:cNvSpPr>
@@ -1033,7 +1613,7 @@
       </p:sp>
       <p:sp>
         <p:nvSpPr>
-          <p:cNvPr id="6" name="Номер слайда 5"/>
+          <p:cNvPr id="9" name="Slide Number Placeholder 8"/>
           <p:cNvSpPr>
             <a:spLocks noGrp="1"/>
           </p:cNvSpPr>
@@ -1057,12 +1637,12 @@
     </p:spTree>
     <p:extLst>
       <p:ext uri="{BB962C8B-B14F-4D97-AF65-F5344CB8AC3E}">
-        <p14:creationId xmlns:p14="http://schemas.microsoft.com/office/powerpoint/2010/main" val="777807721"/>
+        <p14:creationId xmlns:p14="http://schemas.microsoft.com/office/powerpoint/2010/main" val="1446943249"/>
       </p:ext>
     </p:extLst>
   </p:cSld>
   <p:clrMapOvr>
-    <a:masterClrMapping/>
+    <a:overrideClrMapping bg1="dk1" tx1="lt1" bg2="dk2" tx2="lt2" accent1="accent1" accent2="accent2" accent3="accent3" accent4="accent4" accent5="accent5" accent6="accent6" hlink="hlink" folHlink="folHlink"/>
   </p:clrMapOvr>
 </p:sldLayout>
 </file>
@@ -1086,7 +1666,7 @@
       </p:grpSpPr>
       <p:sp>
         <p:nvSpPr>
-          <p:cNvPr id="2" name="Заголовок 1"/>
+          <p:cNvPr id="2" name="Title 1"/>
           <p:cNvSpPr>
             <a:spLocks noGrp="1"/>
           </p:cNvSpPr>
@@ -1103,13 +1683,13 @@
               <a:rPr lang="ru-RU" smtClean="0"/>
               <a:t>Образец заголовка</a:t>
             </a:r>
-            <a:endParaRPr lang="ru-RU"/>
-          </a:p>
-        </p:txBody>
-      </p:sp>
-      <p:sp>
-        <p:nvSpPr>
-          <p:cNvPr id="3" name="Объект 2"/>
+            <a:endParaRPr lang="en-US" dirty="0"/>
+          </a:p>
+        </p:txBody>
+      </p:sp>
+      <p:sp>
+        <p:nvSpPr>
+          <p:cNvPr id="3" name="Content Placeholder 2"/>
           <p:cNvSpPr>
             <a:spLocks noGrp="1"/>
           </p:cNvSpPr>
@@ -1119,8 +1699,8 @@
         </p:nvSpPr>
         <p:spPr>
           <a:xfrm>
-            <a:off x="838200" y="1825625"/>
-            <a:ext cx="5181600" cy="4351338"/>
+            <a:off x="1581912" y="2638044"/>
+            <a:ext cx="4271771" cy="3101982"/>
           </a:xfrm>
         </p:spPr>
         <p:txBody>
@@ -1160,13 +1740,13 @@
               <a:rPr lang="ru-RU" smtClean="0"/>
               <a:t>Пятый уровень</a:t>
             </a:r>
-            <a:endParaRPr lang="ru-RU"/>
-          </a:p>
-        </p:txBody>
-      </p:sp>
-      <p:sp>
-        <p:nvSpPr>
-          <p:cNvPr id="4" name="Объект 3"/>
+            <a:endParaRPr lang="en-US" dirty="0"/>
+          </a:p>
+        </p:txBody>
+      </p:sp>
+      <p:sp>
+        <p:nvSpPr>
+          <p:cNvPr id="4" name="Content Placeholder 3"/>
           <p:cNvSpPr>
             <a:spLocks noGrp="1"/>
           </p:cNvSpPr>
@@ -1176,8 +1756,8 @@
         </p:nvSpPr>
         <p:spPr>
           <a:xfrm>
-            <a:off x="6172200" y="1825625"/>
-            <a:ext cx="5181600" cy="4351338"/>
+            <a:off x="6338315" y="2638044"/>
+            <a:ext cx="4270247" cy="3101982"/>
           </a:xfrm>
         </p:spPr>
         <p:txBody>
@@ -1217,13 +1797,13 @@
               <a:rPr lang="ru-RU" smtClean="0"/>
               <a:t>Пятый уровень</a:t>
             </a:r>
-            <a:endParaRPr lang="ru-RU"/>
-          </a:p>
-        </p:txBody>
-      </p:sp>
-      <p:sp>
-        <p:nvSpPr>
-          <p:cNvPr id="5" name="Дата 4"/>
+            <a:endParaRPr lang="en-US" dirty="0"/>
+          </a:p>
+        </p:txBody>
+      </p:sp>
+      <p:sp>
+        <p:nvSpPr>
+          <p:cNvPr id="8" name="Date Placeholder 7"/>
           <p:cNvSpPr>
             <a:spLocks noGrp="1"/>
           </p:cNvSpPr>
@@ -1238,7 +1818,7 @@
           <a:p>
             <a:fld id="{8DD1138F-4AFD-4355-8AE6-1C212826FCBF}" type="datetimeFigureOut">
               <a:rPr lang="ru-RU" smtClean="0"/>
-              <a:t>26.09.2023</a:t>
+              <a:t>03.10.2023</a:t>
             </a:fld>
             <a:endParaRPr lang="ru-RU"/>
           </a:p>
@@ -1246,7 +1826,7 @@
       </p:sp>
       <p:sp>
         <p:nvSpPr>
-          <p:cNvPr id="6" name="Нижний колонтитул 5"/>
+          <p:cNvPr id="9" name="Footer Placeholder 8"/>
           <p:cNvSpPr>
             <a:spLocks noGrp="1"/>
           </p:cNvSpPr>
@@ -1265,7 +1845,7 @@
       </p:sp>
       <p:sp>
         <p:nvSpPr>
-          <p:cNvPr id="7" name="Номер слайда 6"/>
+          <p:cNvPr id="10" name="Slide Number Placeholder 9"/>
           <p:cNvSpPr>
             <a:spLocks noGrp="1"/>
           </p:cNvSpPr>
@@ -1289,7 +1869,7 @@
     </p:spTree>
     <p:extLst>
       <p:ext uri="{BB962C8B-B14F-4D97-AF65-F5344CB8AC3E}">
-        <p14:creationId xmlns:p14="http://schemas.microsoft.com/office/powerpoint/2010/main" val="2366756625"/>
+        <p14:creationId xmlns:p14="http://schemas.microsoft.com/office/powerpoint/2010/main" val="103646117"/>
       </p:ext>
     </p:extLst>
   </p:cSld>
@@ -1318,58 +1898,38 @@
       </p:grpSpPr>
       <p:sp>
         <p:nvSpPr>
-          <p:cNvPr id="2" name="Заголовок 1"/>
-          <p:cNvSpPr>
-            <a:spLocks noGrp="1"/>
-          </p:cNvSpPr>
-          <p:nvPr>
-            <p:ph type="title"/>
+          <p:cNvPr id="3" name="Text Placeholder 2"/>
+          <p:cNvSpPr>
+            <a:spLocks noGrp="1"/>
+          </p:cNvSpPr>
+          <p:nvPr>
+            <p:ph type="body" idx="1"/>
           </p:nvPr>
         </p:nvSpPr>
         <p:spPr>
           <a:xfrm>
-            <a:off x="839788" y="365125"/>
-            <a:ext cx="10515600" cy="1325563"/>
+            <a:off x="1583436" y="2313433"/>
+            <a:ext cx="4270248" cy="704087"/>
           </a:xfrm>
         </p:spPr>
         <p:txBody>
-          <a:bodyPr/>
-          <a:lstStyle/>
-          <a:p>
-            <a:r>
-              <a:rPr lang="ru-RU" smtClean="0"/>
-              <a:t>Образец заголовка</a:t>
-            </a:r>
-            <a:endParaRPr lang="ru-RU"/>
-          </a:p>
-        </p:txBody>
-      </p:sp>
-      <p:sp>
-        <p:nvSpPr>
-          <p:cNvPr id="3" name="Текст 2"/>
-          <p:cNvSpPr>
-            <a:spLocks noGrp="1"/>
-          </p:cNvSpPr>
-          <p:nvPr>
-            <p:ph type="body" idx="1"/>
-          </p:nvPr>
-        </p:nvSpPr>
-        <p:spPr>
-          <a:xfrm>
-            <a:off x="839788" y="1681163"/>
-            <a:ext cx="5157787" cy="823912"/>
-          </a:xfrm>
-        </p:spPr>
-        <p:txBody>
-          <a:bodyPr anchor="b"/>
+          <a:bodyPr anchor="b" anchorCtr="1">
+            <a:normAutofit/>
+          </a:bodyPr>
           <a:lstStyle>
-            <a:lvl1pPr marL="0" indent="0">
-              <a:buNone/>
-              <a:defRPr sz="2400" b="1"/>
+            <a:lvl1pPr marL="0" indent="0" algn="ctr">
+              <a:buNone/>
+              <a:defRPr sz="1900" b="0" cap="all" spc="100" baseline="0">
+                <a:solidFill>
+                  <a:schemeClr val="accent2">
+                    <a:lumMod val="75000"/>
+                  </a:schemeClr>
+                </a:solidFill>
+              </a:defRPr>
             </a:lvl1pPr>
             <a:lvl2pPr marL="457200" indent="0">
               <a:buNone/>
-              <a:defRPr sz="2000" b="1"/>
+              <a:defRPr sz="1900" b="1"/>
             </a:lvl2pPr>
             <a:lvl3pPr marL="914400" indent="0">
               <a:buNone/>
@@ -1411,7 +1971,7 @@
       </p:sp>
       <p:sp>
         <p:nvSpPr>
-          <p:cNvPr id="4" name="Объект 3"/>
+          <p:cNvPr id="4" name="Content Placeholder 3"/>
           <p:cNvSpPr>
             <a:spLocks noGrp="1"/>
           </p:cNvSpPr>
@@ -1421,8 +1981,8 @@
         </p:nvSpPr>
         <p:spPr>
           <a:xfrm>
-            <a:off x="839788" y="2505075"/>
-            <a:ext cx="5157787" cy="3684588"/>
+            <a:off x="1583436" y="3143250"/>
+            <a:ext cx="4270248" cy="2596776"/>
           </a:xfrm>
         </p:spPr>
         <p:txBody>
@@ -1462,36 +2022,105 @@
               <a:rPr lang="ru-RU" smtClean="0"/>
               <a:t>Пятый уровень</a:t>
             </a:r>
-            <a:endParaRPr lang="ru-RU"/>
-          </a:p>
-        </p:txBody>
-      </p:sp>
-      <p:sp>
-        <p:nvSpPr>
-          <p:cNvPr id="5" name="Текст 4"/>
-          <p:cNvSpPr>
-            <a:spLocks noGrp="1"/>
-          </p:cNvSpPr>
-          <p:nvPr>
-            <p:ph type="body" sz="quarter" idx="3"/>
+            <a:endParaRPr lang="en-US" dirty="0"/>
+          </a:p>
+        </p:txBody>
+      </p:sp>
+      <p:sp>
+        <p:nvSpPr>
+          <p:cNvPr id="6" name="Content Placeholder 5"/>
+          <p:cNvSpPr>
+            <a:spLocks noGrp="1"/>
+          </p:cNvSpPr>
+          <p:nvPr>
+            <p:ph sz="quarter" idx="4"/>
           </p:nvPr>
         </p:nvSpPr>
         <p:spPr>
           <a:xfrm>
-            <a:off x="6172200" y="1681163"/>
-            <a:ext cx="5183188" cy="823912"/>
+            <a:off x="6338316" y="3143250"/>
+            <a:ext cx="4253484" cy="2596776"/>
           </a:xfrm>
         </p:spPr>
         <p:txBody>
-          <a:bodyPr anchor="b"/>
+          <a:bodyPr/>
           <a:lstStyle>
-            <a:lvl1pPr marL="0" indent="0">
-              <a:buNone/>
-              <a:defRPr sz="2400" b="1"/>
+            <a:lvl5pPr>
+              <a:defRPr/>
+            </a:lvl5pPr>
+          </a:lstStyle>
+          <a:p>
+            <a:pPr lvl="0"/>
+            <a:r>
+              <a:rPr lang="ru-RU" smtClean="0"/>
+              <a:t>Образец текста</a:t>
+            </a:r>
+          </a:p>
+          <a:p>
+            <a:pPr lvl="1"/>
+            <a:r>
+              <a:rPr lang="ru-RU" smtClean="0"/>
+              <a:t>Второй уровень</a:t>
+            </a:r>
+          </a:p>
+          <a:p>
+            <a:pPr lvl="2"/>
+            <a:r>
+              <a:rPr lang="ru-RU" smtClean="0"/>
+              <a:t>Третий уровень</a:t>
+            </a:r>
+          </a:p>
+          <a:p>
+            <a:pPr lvl="3"/>
+            <a:r>
+              <a:rPr lang="ru-RU" smtClean="0"/>
+              <a:t>Четвертый уровень</a:t>
+            </a:r>
+          </a:p>
+          <a:p>
+            <a:pPr lvl="4"/>
+            <a:r>
+              <a:rPr lang="ru-RU" smtClean="0"/>
+              <a:t>Пятый уровень</a:t>
+            </a:r>
+            <a:endParaRPr lang="en-US" dirty="0"/>
+          </a:p>
+        </p:txBody>
+      </p:sp>
+      <p:sp>
+        <p:nvSpPr>
+          <p:cNvPr id="11" name="Text Placeholder 4"/>
+          <p:cNvSpPr>
+            <a:spLocks noGrp="1"/>
+          </p:cNvSpPr>
+          <p:nvPr>
+            <p:ph type="body" sz="quarter" idx="13"/>
+          </p:nvPr>
+        </p:nvSpPr>
+        <p:spPr>
+          <a:xfrm>
+            <a:off x="6338316" y="2313433"/>
+            <a:ext cx="4270248" cy="704087"/>
+          </a:xfrm>
+        </p:spPr>
+        <p:txBody>
+          <a:bodyPr anchor="b" anchorCtr="1">
+            <a:normAutofit/>
+          </a:bodyPr>
+          <a:lstStyle>
+            <a:lvl1pPr marL="0" indent="0" algn="ctr">
+              <a:buNone/>
+              <a:defRPr sz="1900" b="0" cap="all" spc="100" baseline="0">
+                <a:solidFill>
+                  <a:schemeClr val="accent2">
+                    <a:lumMod val="75000"/>
+                  </a:schemeClr>
+                </a:solidFill>
+              </a:defRPr>
             </a:lvl1pPr>
             <a:lvl2pPr marL="457200" indent="0">
               <a:buNone/>
-              <a:defRPr sz="2000" b="1"/>
+              <a:defRPr sz="1900" b="1"/>
             </a:lvl2pPr>
             <a:lvl3pPr marL="914400" indent="0">
               <a:buNone/>
@@ -1533,69 +2162,35 @@
       </p:sp>
       <p:sp>
         <p:nvSpPr>
-          <p:cNvPr id="6" name="Объект 5"/>
-          <p:cNvSpPr>
-            <a:spLocks noGrp="1"/>
-          </p:cNvSpPr>
-          <p:nvPr>
-            <p:ph sz="quarter" idx="4"/>
-          </p:nvPr>
-        </p:nvSpPr>
-        <p:spPr>
-          <a:xfrm>
-            <a:off x="6172200" y="2505075"/>
-            <a:ext cx="5183188" cy="3684588"/>
-          </a:xfrm>
-        </p:spPr>
+          <p:cNvPr id="7" name="Date Placeholder 6"/>
+          <p:cNvSpPr>
+            <a:spLocks noGrp="1"/>
+          </p:cNvSpPr>
+          <p:nvPr>
+            <p:ph type="dt" sz="half" idx="10"/>
+          </p:nvPr>
+        </p:nvSpPr>
+        <p:spPr/>
         <p:txBody>
           <a:bodyPr/>
           <a:lstStyle/>
           <a:p>
-            <a:pPr lvl="0"/>
-            <a:r>
-              <a:rPr lang="ru-RU" smtClean="0"/>
-              <a:t>Образец текста</a:t>
-            </a:r>
-          </a:p>
-          <a:p>
-            <a:pPr lvl="1"/>
-            <a:r>
-              <a:rPr lang="ru-RU" smtClean="0"/>
-              <a:t>Второй уровень</a:t>
-            </a:r>
-          </a:p>
-          <a:p>
-            <a:pPr lvl="2"/>
-            <a:r>
-              <a:rPr lang="ru-RU" smtClean="0"/>
-              <a:t>Третий уровень</a:t>
-            </a:r>
-          </a:p>
-          <a:p>
-            <a:pPr lvl="3"/>
-            <a:r>
-              <a:rPr lang="ru-RU" smtClean="0"/>
-              <a:t>Четвертый уровень</a:t>
-            </a:r>
-          </a:p>
-          <a:p>
-            <a:pPr lvl="4"/>
-            <a:r>
-              <a:rPr lang="ru-RU" smtClean="0"/>
-              <a:t>Пятый уровень</a:t>
-            </a:r>
+            <a:fld id="{8DD1138F-4AFD-4355-8AE6-1C212826FCBF}" type="datetimeFigureOut">
+              <a:rPr lang="ru-RU" smtClean="0"/>
+              <a:t>03.10.2023</a:t>
+            </a:fld>
             <a:endParaRPr lang="ru-RU"/>
           </a:p>
         </p:txBody>
       </p:sp>
       <p:sp>
         <p:nvSpPr>
-          <p:cNvPr id="7" name="Дата 6"/>
-          <p:cNvSpPr>
-            <a:spLocks noGrp="1"/>
-          </p:cNvSpPr>
-          <p:nvPr>
-            <p:ph type="dt" sz="half" idx="10"/>
+          <p:cNvPr id="8" name="Footer Placeholder 7"/>
+          <p:cNvSpPr>
+            <a:spLocks noGrp="1"/>
+          </p:cNvSpPr>
+          <p:nvPr>
+            <p:ph type="ftr" sz="quarter" idx="11"/>
           </p:nvPr>
         </p:nvSpPr>
         <p:spPr/>
@@ -1603,36 +2198,13 @@
           <a:bodyPr/>
           <a:lstStyle/>
           <a:p>
-            <a:fld id="{8DD1138F-4AFD-4355-8AE6-1C212826FCBF}" type="datetimeFigureOut">
-              <a:rPr lang="ru-RU" smtClean="0"/>
-              <a:t>26.09.2023</a:t>
-            </a:fld>
             <a:endParaRPr lang="ru-RU"/>
           </a:p>
         </p:txBody>
       </p:sp>
       <p:sp>
         <p:nvSpPr>
-          <p:cNvPr id="8" name="Нижний колонтитул 7"/>
-          <p:cNvSpPr>
-            <a:spLocks noGrp="1"/>
-          </p:cNvSpPr>
-          <p:nvPr>
-            <p:ph type="ftr" sz="quarter" idx="11"/>
-          </p:nvPr>
-        </p:nvSpPr>
-        <p:spPr/>
-        <p:txBody>
-          <a:bodyPr/>
-          <a:lstStyle/>
-          <a:p>
-            <a:endParaRPr lang="ru-RU"/>
-          </a:p>
-        </p:txBody>
-      </p:sp>
-      <p:sp>
-        <p:nvSpPr>
-          <p:cNvPr id="9" name="Номер слайда 8"/>
+          <p:cNvPr id="9" name="Slide Number Placeholder 8"/>
           <p:cNvSpPr>
             <a:spLocks noGrp="1"/>
           </p:cNvSpPr>
@@ -1653,10 +2225,33 @@
           </a:p>
         </p:txBody>
       </p:sp>
+      <p:sp>
+        <p:nvSpPr>
+          <p:cNvPr id="10" name="Title 9"/>
+          <p:cNvSpPr>
+            <a:spLocks noGrp="1"/>
+          </p:cNvSpPr>
+          <p:nvPr>
+            <p:ph type="title"/>
+          </p:nvPr>
+        </p:nvSpPr>
+        <p:spPr/>
+        <p:txBody>
+          <a:bodyPr/>
+          <a:lstStyle/>
+          <a:p>
+            <a:r>
+              <a:rPr lang="ru-RU" smtClean="0"/>
+              <a:t>Образец заголовка</a:t>
+            </a:r>
+            <a:endParaRPr lang="en-US" dirty="0"/>
+          </a:p>
+        </p:txBody>
+      </p:sp>
     </p:spTree>
     <p:extLst>
       <p:ext uri="{BB962C8B-B14F-4D97-AF65-F5344CB8AC3E}">
-        <p14:creationId xmlns:p14="http://schemas.microsoft.com/office/powerpoint/2010/main" val="1288711871"/>
+        <p14:creationId xmlns:p14="http://schemas.microsoft.com/office/powerpoint/2010/main" val="3059487661"/>
       </p:ext>
     </p:extLst>
   </p:cSld>
@@ -1685,7 +2280,7 @@
       </p:grpSpPr>
       <p:sp>
         <p:nvSpPr>
-          <p:cNvPr id="2" name="Заголовок 1"/>
+          <p:cNvPr id="2" name="Title 1"/>
           <p:cNvSpPr>
             <a:spLocks noGrp="1"/>
           </p:cNvSpPr>
@@ -1702,13 +2297,13 @@
               <a:rPr lang="ru-RU" smtClean="0"/>
               <a:t>Образец заголовка</a:t>
             </a:r>
-            <a:endParaRPr lang="ru-RU"/>
-          </a:p>
-        </p:txBody>
-      </p:sp>
-      <p:sp>
-        <p:nvSpPr>
-          <p:cNvPr id="3" name="Дата 2"/>
+            <a:endParaRPr lang="en-US" dirty="0"/>
+          </a:p>
+        </p:txBody>
+      </p:sp>
+      <p:sp>
+        <p:nvSpPr>
+          <p:cNvPr id="3" name="Date Placeholder 2"/>
           <p:cNvSpPr>
             <a:spLocks noGrp="1"/>
           </p:cNvSpPr>
@@ -1723,7 +2318,7 @@
           <a:p>
             <a:fld id="{8DD1138F-4AFD-4355-8AE6-1C212826FCBF}" type="datetimeFigureOut">
               <a:rPr lang="ru-RU" smtClean="0"/>
-              <a:t>26.09.2023</a:t>
+              <a:t>03.10.2023</a:t>
             </a:fld>
             <a:endParaRPr lang="ru-RU"/>
           </a:p>
@@ -1731,7 +2326,7 @@
       </p:sp>
       <p:sp>
         <p:nvSpPr>
-          <p:cNvPr id="4" name="Нижний колонтитул 3"/>
+          <p:cNvPr id="4" name="Footer Placeholder 3"/>
           <p:cNvSpPr>
             <a:spLocks noGrp="1"/>
           </p:cNvSpPr>
@@ -1750,7 +2345,7 @@
       </p:sp>
       <p:sp>
         <p:nvSpPr>
-          <p:cNvPr id="5" name="Номер слайда 4"/>
+          <p:cNvPr id="5" name="Slide Number Placeholder 4"/>
           <p:cNvSpPr>
             <a:spLocks noGrp="1"/>
           </p:cNvSpPr>
@@ -1774,7 +2369,7 @@
     </p:spTree>
     <p:extLst>
       <p:ext uri="{BB962C8B-B14F-4D97-AF65-F5344CB8AC3E}">
-        <p14:creationId xmlns:p14="http://schemas.microsoft.com/office/powerpoint/2010/main" val="4264249037"/>
+        <p14:creationId xmlns:p14="http://schemas.microsoft.com/office/powerpoint/2010/main" val="2193389495"/>
       </p:ext>
     </p:extLst>
   </p:cSld>
@@ -1803,7 +2398,7 @@
       </p:grpSpPr>
       <p:sp>
         <p:nvSpPr>
-          <p:cNvPr id="2" name="Дата 1"/>
+          <p:cNvPr id="2" name="Date Placeholder 1"/>
           <p:cNvSpPr>
             <a:spLocks noGrp="1"/>
           </p:cNvSpPr>
@@ -1818,7 +2413,7 @@
           <a:p>
             <a:fld id="{8DD1138F-4AFD-4355-8AE6-1C212826FCBF}" type="datetimeFigureOut">
               <a:rPr lang="ru-RU" smtClean="0"/>
-              <a:t>26.09.2023</a:t>
+              <a:t>03.10.2023</a:t>
             </a:fld>
             <a:endParaRPr lang="ru-RU"/>
           </a:p>
@@ -1826,7 +2421,7 @@
       </p:sp>
       <p:sp>
         <p:nvSpPr>
-          <p:cNvPr id="3" name="Нижний колонтитул 2"/>
+          <p:cNvPr id="3" name="Footer Placeholder 2"/>
           <p:cNvSpPr>
             <a:spLocks noGrp="1"/>
           </p:cNvSpPr>
@@ -1845,7 +2440,7 @@
       </p:sp>
       <p:sp>
         <p:nvSpPr>
-          <p:cNvPr id="4" name="Номер слайда 3"/>
+          <p:cNvPr id="4" name="Slide Number Placeholder 3"/>
           <p:cNvSpPr>
             <a:spLocks noGrp="1"/>
           </p:cNvSpPr>
@@ -1869,7 +2464,7 @@
     </p:spTree>
     <p:extLst>
       <p:ext uri="{BB962C8B-B14F-4D97-AF65-F5344CB8AC3E}">
-        <p14:creationId xmlns:p14="http://schemas.microsoft.com/office/powerpoint/2010/main" val="1973413812"/>
+        <p14:creationId xmlns:p14="http://schemas.microsoft.com/office/powerpoint/2010/main" val="1003745595"/>
       </p:ext>
     </p:extLst>
   </p:cSld>
@@ -1898,231 +2493,326 @@
       </p:grpSpPr>
       <p:sp>
         <p:nvSpPr>
-          <p:cNvPr id="2" name="Заголовок 1"/>
-          <p:cNvSpPr>
-            <a:spLocks noGrp="1"/>
-          </p:cNvSpPr>
-          <p:nvPr>
-            <p:ph type="title"/>
-          </p:nvPr>
+          <p:cNvPr id="26" name="Rectangle 25"/>
+          <p:cNvSpPr/>
+          <p:nvPr/>
         </p:nvSpPr>
         <p:spPr>
           <a:xfrm>
-            <a:off x="839788" y="457200"/>
-            <a:ext cx="3932237" cy="1600200"/>
+            <a:off x="0" y="0"/>
+            <a:ext cx="6096000" cy="6858000"/>
+          </a:xfrm>
+          <a:prstGeom prst="rect">
+            <a:avLst/>
+          </a:prstGeom>
+          <a:solidFill>
+            <a:schemeClr val="accent2"/>
+          </a:solidFill>
+          <a:ln>
+            <a:noFill/>
+          </a:ln>
+        </p:spPr>
+        <p:style>
+          <a:lnRef idx="2">
+            <a:schemeClr val="accent1">
+              <a:shade val="50000"/>
+            </a:schemeClr>
+          </a:lnRef>
+          <a:fillRef idx="1">
+            <a:schemeClr val="accent1"/>
+          </a:fillRef>
+          <a:effectRef idx="0">
+            <a:schemeClr val="accent1"/>
+          </a:effectRef>
+          <a:fontRef idx="minor">
+            <a:schemeClr val="lt1"/>
+          </a:fontRef>
+        </p:style>
+      </p:sp>
+      <p:sp>
+        <p:nvSpPr>
+          <p:cNvPr id="2" name="Title 1"/>
+          <p:cNvSpPr>
+            <a:spLocks noGrp="1"/>
+          </p:cNvSpPr>
+          <p:nvPr>
+            <p:ph type="title"/>
+          </p:nvPr>
+        </p:nvSpPr>
+        <p:spPr bwMode="blackWhite">
+          <a:xfrm>
+            <a:off x="804672" y="2243828"/>
+            <a:ext cx="4486656" cy="1141497"/>
+          </a:xfrm>
+          <a:solidFill>
+            <a:srgbClr val="FFFFFF"/>
+          </a:solidFill>
+          <a:ln>
+            <a:solidFill>
+              <a:srgbClr val="404040"/>
+            </a:solidFill>
+          </a:ln>
+        </p:spPr>
+        <p:txBody>
+          <a:bodyPr anchor="ctr" anchorCtr="1">
+            <a:normAutofit/>
+          </a:bodyPr>
+          <a:lstStyle>
+            <a:lvl1pPr>
+              <a:defRPr sz="2200">
+                <a:solidFill>
+                  <a:srgbClr val="262626"/>
+                </a:solidFill>
+              </a:defRPr>
+            </a:lvl1pPr>
+          </a:lstStyle>
+          <a:p>
+            <a:r>
+              <a:rPr lang="ru-RU" smtClean="0"/>
+              <a:t>Образец заголовка</a:t>
+            </a:r>
+            <a:endParaRPr lang="en-US" dirty="0"/>
+          </a:p>
+        </p:txBody>
+      </p:sp>
+      <p:sp>
+        <p:nvSpPr>
+          <p:cNvPr id="3" name="Content Placeholder 2"/>
+          <p:cNvSpPr>
+            <a:spLocks noGrp="1"/>
+          </p:cNvSpPr>
+          <p:nvPr>
+            <p:ph idx="1"/>
+          </p:nvPr>
+        </p:nvSpPr>
+        <p:spPr>
+          <a:xfrm>
+            <a:off x="6736080" y="804672"/>
+            <a:ext cx="4815840" cy="5248656"/>
           </a:xfrm>
         </p:spPr>
         <p:txBody>
-          <a:bodyPr anchor="b"/>
+          <a:bodyPr>
+            <a:normAutofit/>
+          </a:bodyPr>
           <a:lstStyle>
             <a:lvl1pPr>
-              <a:defRPr sz="3200"/>
+              <a:defRPr sz="1900">
+                <a:solidFill>
+                  <a:schemeClr val="tx1"/>
+                </a:solidFill>
+              </a:defRPr>
             </a:lvl1pPr>
+            <a:lvl2pPr>
+              <a:defRPr sz="1600">
+                <a:solidFill>
+                  <a:schemeClr val="tx1"/>
+                </a:solidFill>
+              </a:defRPr>
+            </a:lvl2pPr>
+            <a:lvl3pPr>
+              <a:defRPr sz="1600">
+                <a:solidFill>
+                  <a:schemeClr val="tx1"/>
+                </a:solidFill>
+              </a:defRPr>
+            </a:lvl3pPr>
+            <a:lvl4pPr>
+              <a:defRPr sz="1600">
+                <a:solidFill>
+                  <a:schemeClr val="tx1"/>
+                </a:solidFill>
+              </a:defRPr>
+            </a:lvl4pPr>
+            <a:lvl5pPr>
+              <a:defRPr sz="1600">
+                <a:solidFill>
+                  <a:schemeClr val="tx1"/>
+                </a:solidFill>
+              </a:defRPr>
+            </a:lvl5pPr>
+            <a:lvl6pPr>
+              <a:defRPr sz="1600"/>
+            </a:lvl6pPr>
+            <a:lvl7pPr>
+              <a:defRPr sz="1600"/>
+            </a:lvl7pPr>
+            <a:lvl8pPr>
+              <a:defRPr sz="1600"/>
+            </a:lvl8pPr>
+            <a:lvl9pPr>
+              <a:defRPr sz="1600"/>
+            </a:lvl9pPr>
           </a:lstStyle>
           <a:p>
-            <a:r>
-              <a:rPr lang="ru-RU" smtClean="0"/>
-              <a:t>Образец заголовка</a:t>
-            </a:r>
-            <a:endParaRPr lang="ru-RU"/>
-          </a:p>
-        </p:txBody>
-      </p:sp>
-      <p:sp>
-        <p:nvSpPr>
-          <p:cNvPr id="3" name="Объект 2"/>
-          <p:cNvSpPr>
-            <a:spLocks noGrp="1"/>
-          </p:cNvSpPr>
-          <p:nvPr>
-            <p:ph idx="1"/>
+            <a:pPr lvl="0"/>
+            <a:r>
+              <a:rPr lang="ru-RU" smtClean="0"/>
+              <a:t>Образец текста</a:t>
+            </a:r>
+          </a:p>
+          <a:p>
+            <a:pPr lvl="1"/>
+            <a:r>
+              <a:rPr lang="ru-RU" smtClean="0"/>
+              <a:t>Второй уровень</a:t>
+            </a:r>
+          </a:p>
+          <a:p>
+            <a:pPr lvl="2"/>
+            <a:r>
+              <a:rPr lang="ru-RU" smtClean="0"/>
+              <a:t>Третий уровень</a:t>
+            </a:r>
+          </a:p>
+          <a:p>
+            <a:pPr lvl="3"/>
+            <a:r>
+              <a:rPr lang="ru-RU" smtClean="0"/>
+              <a:t>Четвертый уровень</a:t>
+            </a:r>
+          </a:p>
+          <a:p>
+            <a:pPr lvl="4"/>
+            <a:r>
+              <a:rPr lang="ru-RU" smtClean="0"/>
+              <a:t>Пятый уровень</a:t>
+            </a:r>
+            <a:endParaRPr lang="en-US" dirty="0"/>
+          </a:p>
+        </p:txBody>
+      </p:sp>
+      <p:sp>
+        <p:nvSpPr>
+          <p:cNvPr id="4" name="Text Placeholder 3"/>
+          <p:cNvSpPr>
+            <a:spLocks noGrp="1"/>
+          </p:cNvSpPr>
+          <p:nvPr>
+            <p:ph type="body" sz="half" idx="2"/>
           </p:nvPr>
         </p:nvSpPr>
         <p:spPr>
           <a:xfrm>
-            <a:off x="5183188" y="987425"/>
-            <a:ext cx="6172200" cy="4873625"/>
+            <a:off x="1115568" y="3549918"/>
+            <a:ext cx="3794760" cy="2194036"/>
+          </a:xfrm>
+        </p:spPr>
+        <p:txBody>
+          <a:bodyPr anchor="t" anchorCtr="1">
+            <a:normAutofit/>
+          </a:bodyPr>
+          <a:lstStyle>
+            <a:lvl1pPr marL="0" indent="0" algn="ctr">
+              <a:buNone/>
+              <a:defRPr sz="1500">
+                <a:solidFill>
+                  <a:srgbClr val="FFFFFF"/>
+                </a:solidFill>
+              </a:defRPr>
+            </a:lvl1pPr>
+            <a:lvl2pPr marL="457200" indent="0">
+              <a:buNone/>
+              <a:defRPr sz="1400"/>
+            </a:lvl2pPr>
+            <a:lvl3pPr marL="914400" indent="0">
+              <a:buNone/>
+              <a:defRPr sz="1200"/>
+            </a:lvl3pPr>
+            <a:lvl4pPr marL="1371600" indent="0">
+              <a:buNone/>
+              <a:defRPr sz="1000"/>
+            </a:lvl4pPr>
+            <a:lvl5pPr marL="1828800" indent="0">
+              <a:buNone/>
+              <a:defRPr sz="1000"/>
+            </a:lvl5pPr>
+            <a:lvl6pPr marL="2286000" indent="0">
+              <a:buNone/>
+              <a:defRPr sz="1000"/>
+            </a:lvl6pPr>
+            <a:lvl7pPr marL="2743200" indent="0">
+              <a:buNone/>
+              <a:defRPr sz="1000"/>
+            </a:lvl7pPr>
+            <a:lvl8pPr marL="3200400" indent="0">
+              <a:buNone/>
+              <a:defRPr sz="1000"/>
+            </a:lvl8pPr>
+            <a:lvl9pPr marL="3657600" indent="0">
+              <a:buNone/>
+              <a:defRPr sz="1000"/>
+            </a:lvl9pPr>
+          </a:lstStyle>
+          <a:p>
+            <a:pPr lvl="0"/>
+            <a:r>
+              <a:rPr lang="ru-RU" smtClean="0"/>
+              <a:t>Образец текста</a:t>
+            </a:r>
+          </a:p>
+        </p:txBody>
+      </p:sp>
+      <p:sp>
+        <p:nvSpPr>
+          <p:cNvPr id="9" name="Date Placeholder 8"/>
+          <p:cNvSpPr>
+            <a:spLocks noGrp="1"/>
+          </p:cNvSpPr>
+          <p:nvPr>
+            <p:ph type="dt" sz="half" idx="10"/>
+          </p:nvPr>
+        </p:nvSpPr>
+        <p:spPr/>
+        <p:txBody>
+          <a:bodyPr/>
+          <a:lstStyle/>
+          <a:p>
+            <a:fld id="{8DD1138F-4AFD-4355-8AE6-1C212826FCBF}" type="datetimeFigureOut">
+              <a:rPr lang="ru-RU" smtClean="0"/>
+              <a:t>03.10.2023</a:t>
+            </a:fld>
+            <a:endParaRPr lang="ru-RU"/>
+          </a:p>
+        </p:txBody>
+      </p:sp>
+      <p:sp>
+        <p:nvSpPr>
+          <p:cNvPr id="10" name="Footer Placeholder 9"/>
+          <p:cNvSpPr>
+            <a:spLocks noGrp="1"/>
+          </p:cNvSpPr>
+          <p:nvPr>
+            <p:ph type="ftr" sz="quarter" idx="11"/>
+          </p:nvPr>
+        </p:nvSpPr>
+        <p:spPr>
+          <a:xfrm>
+            <a:off x="804672" y="6236208"/>
+            <a:ext cx="5124797" cy="320040"/>
           </a:xfrm>
         </p:spPr>
         <p:txBody>
           <a:bodyPr/>
           <a:lstStyle>
             <a:lvl1pPr>
-              <a:defRPr sz="3200"/>
+              <a:defRPr>
+                <a:solidFill>
+                  <a:srgbClr val="FFFFFF">
+                    <a:alpha val="70000"/>
+                  </a:srgbClr>
+                </a:solidFill>
+              </a:defRPr>
             </a:lvl1pPr>
-            <a:lvl2pPr>
-              <a:defRPr sz="2800"/>
-            </a:lvl2pPr>
-            <a:lvl3pPr>
-              <a:defRPr sz="2400"/>
-            </a:lvl3pPr>
-            <a:lvl4pPr>
-              <a:defRPr sz="2000"/>
-            </a:lvl4pPr>
-            <a:lvl5pPr>
-              <a:defRPr sz="2000"/>
-            </a:lvl5pPr>
-            <a:lvl6pPr>
-              <a:defRPr sz="2000"/>
-            </a:lvl6pPr>
-            <a:lvl7pPr>
-              <a:defRPr sz="2000"/>
-            </a:lvl7pPr>
-            <a:lvl8pPr>
-              <a:defRPr sz="2000"/>
-            </a:lvl8pPr>
-            <a:lvl9pPr>
-              <a:defRPr sz="2000"/>
-            </a:lvl9pPr>
           </a:lstStyle>
           <a:p>
-            <a:pPr lvl="0"/>
-            <a:r>
-              <a:rPr lang="ru-RU" smtClean="0"/>
-              <a:t>Образец текста</a:t>
-            </a:r>
-          </a:p>
-          <a:p>
-            <a:pPr lvl="1"/>
-            <a:r>
-              <a:rPr lang="ru-RU" smtClean="0"/>
-              <a:t>Второй уровень</a:t>
-            </a:r>
-          </a:p>
-          <a:p>
-            <a:pPr lvl="2"/>
-            <a:r>
-              <a:rPr lang="ru-RU" smtClean="0"/>
-              <a:t>Третий уровень</a:t>
-            </a:r>
-          </a:p>
-          <a:p>
-            <a:pPr lvl="3"/>
-            <a:r>
-              <a:rPr lang="ru-RU" smtClean="0"/>
-              <a:t>Четвертый уровень</a:t>
-            </a:r>
-          </a:p>
-          <a:p>
-            <a:pPr lvl="4"/>
-            <a:r>
-              <a:rPr lang="ru-RU" smtClean="0"/>
-              <a:t>Пятый уровень</a:t>
-            </a:r>
             <a:endParaRPr lang="ru-RU"/>
           </a:p>
         </p:txBody>
       </p:sp>
       <p:sp>
         <p:nvSpPr>
-          <p:cNvPr id="4" name="Текст 3"/>
-          <p:cNvSpPr>
-            <a:spLocks noGrp="1"/>
-          </p:cNvSpPr>
-          <p:nvPr>
-            <p:ph type="body" sz="half" idx="2"/>
-          </p:nvPr>
-        </p:nvSpPr>
-        <p:spPr>
-          <a:xfrm>
-            <a:off x="839788" y="2057400"/>
-            <a:ext cx="3932237" cy="3811588"/>
-          </a:xfrm>
-        </p:spPr>
-        <p:txBody>
-          <a:bodyPr/>
-          <a:lstStyle>
-            <a:lvl1pPr marL="0" indent="0">
-              <a:buNone/>
-              <a:defRPr sz="1600"/>
-            </a:lvl1pPr>
-            <a:lvl2pPr marL="457200" indent="0">
-              <a:buNone/>
-              <a:defRPr sz="1400"/>
-            </a:lvl2pPr>
-            <a:lvl3pPr marL="914400" indent="0">
-              <a:buNone/>
-              <a:defRPr sz="1200"/>
-            </a:lvl3pPr>
-            <a:lvl4pPr marL="1371600" indent="0">
-              <a:buNone/>
-              <a:defRPr sz="1000"/>
-            </a:lvl4pPr>
-            <a:lvl5pPr marL="1828800" indent="0">
-              <a:buNone/>
-              <a:defRPr sz="1000"/>
-            </a:lvl5pPr>
-            <a:lvl6pPr marL="2286000" indent="0">
-              <a:buNone/>
-              <a:defRPr sz="1000"/>
-            </a:lvl6pPr>
-            <a:lvl7pPr marL="2743200" indent="0">
-              <a:buNone/>
-              <a:defRPr sz="1000"/>
-            </a:lvl7pPr>
-            <a:lvl8pPr marL="3200400" indent="0">
-              <a:buNone/>
-              <a:defRPr sz="1000"/>
-            </a:lvl8pPr>
-            <a:lvl9pPr marL="3657600" indent="0">
-              <a:buNone/>
-              <a:defRPr sz="1000"/>
-            </a:lvl9pPr>
-          </a:lstStyle>
-          <a:p>
-            <a:pPr lvl="0"/>
-            <a:r>
-              <a:rPr lang="ru-RU" smtClean="0"/>
-              <a:t>Образец текста</a:t>
-            </a:r>
-          </a:p>
-        </p:txBody>
-      </p:sp>
-      <p:sp>
-        <p:nvSpPr>
-          <p:cNvPr id="5" name="Дата 4"/>
-          <p:cNvSpPr>
-            <a:spLocks noGrp="1"/>
-          </p:cNvSpPr>
-          <p:nvPr>
-            <p:ph type="dt" sz="half" idx="10"/>
-          </p:nvPr>
-        </p:nvSpPr>
-        <p:spPr/>
-        <p:txBody>
-          <a:bodyPr/>
-          <a:lstStyle/>
-          <a:p>
-            <a:fld id="{8DD1138F-4AFD-4355-8AE6-1C212826FCBF}" type="datetimeFigureOut">
-              <a:rPr lang="ru-RU" smtClean="0"/>
-              <a:t>26.09.2023</a:t>
-            </a:fld>
-            <a:endParaRPr lang="ru-RU"/>
-          </a:p>
-        </p:txBody>
-      </p:sp>
-      <p:sp>
-        <p:nvSpPr>
-          <p:cNvPr id="6" name="Нижний колонтитул 5"/>
-          <p:cNvSpPr>
-            <a:spLocks noGrp="1"/>
-          </p:cNvSpPr>
-          <p:nvPr>
-            <p:ph type="ftr" sz="quarter" idx="11"/>
-          </p:nvPr>
-        </p:nvSpPr>
-        <p:spPr/>
-        <p:txBody>
-          <a:bodyPr/>
-          <a:lstStyle/>
-          <a:p>
-            <a:endParaRPr lang="ru-RU"/>
-          </a:p>
-        </p:txBody>
-      </p:sp>
-      <p:sp>
-        <p:nvSpPr>
-          <p:cNvPr id="7" name="Номер слайда 6"/>
+          <p:cNvPr id="11" name="Slide Number Placeholder 10"/>
           <p:cNvSpPr>
             <a:spLocks noGrp="1"/>
           </p:cNvSpPr>
@@ -2146,7 +2836,7 @@
     </p:spTree>
     <p:extLst>
       <p:ext uri="{BB962C8B-B14F-4D97-AF65-F5344CB8AC3E}">
-        <p14:creationId xmlns:p14="http://schemas.microsoft.com/office/powerpoint/2010/main" val="1730865320"/>
+        <p14:creationId xmlns:p14="http://schemas.microsoft.com/office/powerpoint/2010/main" val="3178534069"/>
       </p:ext>
     </p:extLst>
   </p:cSld>
@@ -2175,25 +2865,77 @@
       </p:grpSpPr>
       <p:sp>
         <p:nvSpPr>
-          <p:cNvPr id="2" name="Заголовок 1"/>
-          <p:cNvSpPr>
-            <a:spLocks noGrp="1"/>
-          </p:cNvSpPr>
-          <p:nvPr>
-            <p:ph type="title"/>
-          </p:nvPr>
+          <p:cNvPr id="18" name="Rectangle 17"/>
+          <p:cNvSpPr/>
+          <p:nvPr/>
         </p:nvSpPr>
         <p:spPr>
           <a:xfrm>
-            <a:off x="839788" y="457200"/>
-            <a:ext cx="3932237" cy="1600200"/>
+            <a:off x="0" y="0"/>
+            <a:ext cx="6095999" cy="6858000"/>
           </a:xfrm>
+          <a:prstGeom prst="rect">
+            <a:avLst/>
+          </a:prstGeom>
+          <a:solidFill>
+            <a:schemeClr val="accent2"/>
+          </a:solidFill>
+          <a:ln>
+            <a:noFill/>
+          </a:ln>
         </p:spPr>
-        <p:txBody>
-          <a:bodyPr anchor="b"/>
+        <p:style>
+          <a:lnRef idx="2">
+            <a:schemeClr val="accent1">
+              <a:shade val="50000"/>
+            </a:schemeClr>
+          </a:lnRef>
+          <a:fillRef idx="1">
+            <a:schemeClr val="accent1"/>
+          </a:fillRef>
+          <a:effectRef idx="0">
+            <a:schemeClr val="accent1"/>
+          </a:effectRef>
+          <a:fontRef idx="minor">
+            <a:schemeClr val="lt1"/>
+          </a:fontRef>
+        </p:style>
+      </p:sp>
+      <p:sp>
+        <p:nvSpPr>
+          <p:cNvPr id="2" name="Title 1"/>
+          <p:cNvSpPr>
+            <a:spLocks noGrp="1"/>
+          </p:cNvSpPr>
+          <p:nvPr>
+            <p:ph type="title"/>
+          </p:nvPr>
+        </p:nvSpPr>
+        <p:spPr bwMode="blackWhite">
+          <a:xfrm>
+            <a:off x="808523" y="2243828"/>
+            <a:ext cx="4494998" cy="1134640"/>
+          </a:xfrm>
+          <a:solidFill>
+            <a:srgbClr val="FFFFFF"/>
+          </a:solidFill>
+          <a:ln>
+            <a:solidFill>
+              <a:srgbClr val="404040"/>
+            </a:solidFill>
+          </a:ln>
+        </p:spPr>
+        <p:txBody>
+          <a:bodyPr anchor="ctr" anchorCtr="1">
+            <a:noAutofit/>
+          </a:bodyPr>
           <a:lstStyle>
             <a:lvl1pPr>
-              <a:defRPr sz="3200"/>
+              <a:defRPr sz="2200">
+                <a:solidFill>
+                  <a:srgbClr val="262626"/>
+                </a:solidFill>
+              </a:defRPr>
             </a:lvl1pPr>
           </a:lstStyle>
           <a:p>
@@ -2201,15 +2943,15 @@
               <a:rPr lang="ru-RU" smtClean="0"/>
               <a:t>Образец заголовка</a:t>
             </a:r>
-            <a:endParaRPr lang="ru-RU"/>
-          </a:p>
-        </p:txBody>
-      </p:sp>
-      <p:sp>
-        <p:nvSpPr>
-          <p:cNvPr id="3" name="Рисунок 2"/>
-          <p:cNvSpPr>
-            <a:spLocks noGrp="1"/>
+            <a:endParaRPr lang="en-US" dirty="0"/>
+          </a:p>
+        </p:txBody>
+      </p:sp>
+      <p:sp>
+        <p:nvSpPr>
+          <p:cNvPr id="3" name="Picture Placeholder 2"/>
+          <p:cNvSpPr>
+            <a:spLocks noGrp="1" noChangeAspect="1"/>
           </p:cNvSpPr>
           <p:nvPr>
             <p:ph type="pic" idx="1"/>
@@ -2217,16 +2959,28 @@
         </p:nvSpPr>
         <p:spPr>
           <a:xfrm>
-            <a:off x="5183188" y="987425"/>
-            <a:ext cx="6172200" cy="4873625"/>
+            <a:off x="6095999" y="0"/>
+            <a:ext cx="6102097" cy="6858000"/>
           </a:xfrm>
+          <a:solidFill>
+            <a:schemeClr val="bg1">
+              <a:lumMod val="75000"/>
+            </a:schemeClr>
+          </a:solidFill>
         </p:spPr>
         <p:txBody>
-          <a:bodyPr/>
+          <a:bodyPr anchor="t"/>
           <a:lstStyle>
             <a:lvl1pPr marL="0" indent="0">
               <a:buNone/>
-              <a:defRPr sz="3200"/>
+              <a:defRPr sz="3200">
+                <a:solidFill>
+                  <a:schemeClr val="bg1">
+                    <a:lumMod val="85000"/>
+                    <a:lumOff val="15000"/>
+                  </a:schemeClr>
+                </a:solidFill>
+              </a:defRPr>
             </a:lvl1pPr>
             <a:lvl2pPr marL="457200" indent="0">
               <a:buNone/>
@@ -2262,13 +3016,17 @@
             </a:lvl9pPr>
           </a:lstStyle>
           <a:p>
-            <a:endParaRPr lang="ru-RU"/>
-          </a:p>
-        </p:txBody>
-      </p:sp>
-      <p:sp>
-        <p:nvSpPr>
-          <p:cNvPr id="4" name="Текст 3"/>
+            <a:r>
+              <a:rPr lang="ru-RU" smtClean="0"/>
+              <a:t>Вставка рисунка</a:t>
+            </a:r>
+            <a:endParaRPr lang="en-US" dirty="0"/>
+          </a:p>
+        </p:txBody>
+      </p:sp>
+      <p:sp>
+        <p:nvSpPr>
+          <p:cNvPr id="4" name="Text Placeholder 3"/>
           <p:cNvSpPr>
             <a:spLocks noGrp="1"/>
           </p:cNvSpPr>
@@ -2278,16 +3036,22 @@
         </p:nvSpPr>
         <p:spPr>
           <a:xfrm>
-            <a:off x="839788" y="2057400"/>
-            <a:ext cx="3932237" cy="3811588"/>
+            <a:off x="1115568" y="3549918"/>
+            <a:ext cx="3794760" cy="2194037"/>
           </a:xfrm>
         </p:spPr>
         <p:txBody>
-          <a:bodyPr/>
+          <a:bodyPr anchor="t" anchorCtr="1">
+            <a:normAutofit/>
+          </a:bodyPr>
           <a:lstStyle>
-            <a:lvl1pPr marL="0" indent="0">
-              <a:buNone/>
-              <a:defRPr sz="1600"/>
+            <a:lvl1pPr marL="0" indent="0" algn="ctr">
+              <a:buNone/>
+              <a:defRPr sz="1500">
+                <a:solidFill>
+                  <a:srgbClr val="FFFFFF"/>
+                </a:solidFill>
+              </a:defRPr>
             </a:lvl1pPr>
             <a:lvl2pPr marL="457200" indent="0">
               <a:buNone/>
@@ -2333,7 +3097,7 @@
       </p:sp>
       <p:sp>
         <p:nvSpPr>
-          <p:cNvPr id="5" name="Дата 4"/>
+          <p:cNvPr id="8" name="Date Placeholder 7"/>
           <p:cNvSpPr>
             <a:spLocks noGrp="1"/>
           </p:cNvSpPr>
@@ -2344,11 +3108,26 @@
         <p:spPr/>
         <p:txBody>
           <a:bodyPr/>
-          <a:lstStyle/>
+          <a:lstStyle>
+            <a:lvl1pPr>
+              <a:defRPr>
+                <a:solidFill>
+                  <a:srgbClr val="FFFFFF"/>
+                </a:solidFill>
+                <a:effectLst>
+                  <a:outerShdw blurRad="50800" dist="38100" dir="2700000" algn="tl" rotWithShape="0">
+                    <a:prstClr val="black">
+                      <a:alpha val="43000"/>
+                    </a:prstClr>
+                  </a:outerShdw>
+                </a:effectLst>
+              </a:defRPr>
+            </a:lvl1pPr>
+          </a:lstStyle>
           <a:p>
             <a:fld id="{8DD1138F-4AFD-4355-8AE6-1C212826FCBF}" type="datetimeFigureOut">
               <a:rPr lang="ru-RU" smtClean="0"/>
-              <a:t>26.09.2023</a:t>
+              <a:t>03.10.2023</a:t>
             </a:fld>
             <a:endParaRPr lang="ru-RU"/>
           </a:p>
@@ -2356,7 +3135,7 @@
       </p:sp>
       <p:sp>
         <p:nvSpPr>
-          <p:cNvPr id="6" name="Нижний колонтитул 5"/>
+          <p:cNvPr id="9" name="Footer Placeholder 8"/>
           <p:cNvSpPr>
             <a:spLocks noGrp="1"/>
           </p:cNvSpPr>
@@ -2364,10 +3143,25 @@
             <p:ph type="ftr" sz="quarter" idx="11"/>
           </p:nvPr>
         </p:nvSpPr>
-        <p:spPr/>
+        <p:spPr>
+          <a:xfrm>
+            <a:off x="804672" y="6236208"/>
+            <a:ext cx="5124797" cy="320040"/>
+          </a:xfrm>
+        </p:spPr>
         <p:txBody>
           <a:bodyPr/>
-          <a:lstStyle/>
+          <a:lstStyle>
+            <a:lvl1pPr>
+              <a:defRPr>
+                <a:solidFill>
+                  <a:srgbClr val="FFFFFF">
+                    <a:alpha val="70000"/>
+                  </a:srgbClr>
+                </a:solidFill>
+              </a:defRPr>
+            </a:lvl1pPr>
+          </a:lstStyle>
           <a:p>
             <a:endParaRPr lang="ru-RU"/>
           </a:p>
@@ -2375,7 +3169,7 @@
       </p:sp>
       <p:sp>
         <p:nvSpPr>
-          <p:cNvPr id="7" name="Номер слайда 6"/>
+          <p:cNvPr id="10" name="Slide Number Placeholder 9"/>
           <p:cNvSpPr>
             <a:spLocks noGrp="1"/>
           </p:cNvSpPr>
@@ -2399,7 +3193,7 @@
     </p:spTree>
     <p:extLst>
       <p:ext uri="{BB962C8B-B14F-4D97-AF65-F5344CB8AC3E}">
-        <p14:creationId xmlns:p14="http://schemas.microsoft.com/office/powerpoint/2010/main" val="1923826997"/>
+        <p14:creationId xmlns:p14="http://schemas.microsoft.com/office/powerpoint/2010/main" val="3620366287"/>
       </p:ext>
     </p:extLst>
   </p:cSld>
@@ -2413,9 +3207,14 @@
 <p:sldMaster xmlns:a="http://schemas.openxmlformats.org/drawingml/2006/main" xmlns:r="http://schemas.openxmlformats.org/officeDocument/2006/relationships" xmlns:p="http://schemas.openxmlformats.org/presentationml/2006/main">
   <p:cSld>
     <p:bg>
-      <p:bgRef idx="1001">
-        <a:schemeClr val="bg1"/>
-      </p:bgRef>
+      <p:bgPr>
+        <a:solidFill>
+          <a:schemeClr val="bg1">
+            <a:lumMod val="95000"/>
+          </a:schemeClr>
+        </a:solidFill>
+        <a:effectLst/>
+      </p:bgPr>
     </p:bg>
     <p:spTree>
       <p:nvGrpSpPr>
@@ -2433,113 +3232,162 @@
       </p:grpSpPr>
       <p:sp>
         <p:nvSpPr>
-          <p:cNvPr id="2" name="Заголовок 1"/>
+          <p:cNvPr id="2" name="Title Placeholder 1"/>
           <p:cNvSpPr>
             <a:spLocks noGrp="1"/>
           </p:cNvSpPr>
           <p:nvPr>
             <p:ph type="title"/>
+          </p:nvPr>
+        </p:nvSpPr>
+        <p:spPr bwMode="black">
+          <a:xfrm>
+            <a:off x="2231136" y="964692"/>
+            <a:ext cx="7729728" cy="1188720"/>
+          </a:xfrm>
+          <a:prstGeom prst="rect">
+            <a:avLst/>
+          </a:prstGeom>
+          <a:solidFill>
+            <a:srgbClr val="FFFFFF"/>
+          </a:solidFill>
+          <a:ln w="31750" cap="sq">
+            <a:solidFill>
+              <a:srgbClr val="404040"/>
+            </a:solidFill>
+            <a:miter lim="800000"/>
+          </a:ln>
+        </p:spPr>
+        <p:txBody>
+          <a:bodyPr vert="horz" lIns="182880" tIns="182880" rIns="182880" bIns="182880" rtlCol="0" anchor="ctr">
+            <a:normAutofit/>
+          </a:bodyPr>
+          <a:lstStyle/>
+          <a:p>
+            <a:r>
+              <a:rPr lang="ru-RU" smtClean="0"/>
+              <a:t>Образец заголовка</a:t>
+            </a:r>
+            <a:endParaRPr lang="en-US" dirty="0"/>
+          </a:p>
+        </p:txBody>
+      </p:sp>
+      <p:sp>
+        <p:nvSpPr>
+          <p:cNvPr id="3" name="Text Placeholder 2"/>
+          <p:cNvSpPr>
+            <a:spLocks noGrp="1"/>
+          </p:cNvSpPr>
+          <p:nvPr>
+            <p:ph type="body" idx="1"/>
           </p:nvPr>
         </p:nvSpPr>
         <p:spPr>
           <a:xfrm>
-            <a:off x="838200" y="365125"/>
-            <a:ext cx="10515600" cy="1325563"/>
+            <a:off x="2231136" y="2638044"/>
+            <a:ext cx="7729728" cy="3101983"/>
           </a:xfrm>
           <a:prstGeom prst="rect">
             <a:avLst/>
           </a:prstGeom>
         </p:spPr>
         <p:txBody>
-          <a:bodyPr vert="horz" lIns="91440" tIns="45720" rIns="91440" bIns="45720" rtlCol="0" anchor="ctr">
+          <a:bodyPr vert="horz" lIns="91440" tIns="45720" rIns="91440" bIns="45720" rtlCol="0">
             <a:normAutofit/>
           </a:bodyPr>
           <a:lstStyle/>
           <a:p>
-            <a:r>
-              <a:rPr lang="ru-RU" smtClean="0"/>
-              <a:t>Образец заголовка</a:t>
-            </a:r>
-            <a:endParaRPr lang="ru-RU"/>
-          </a:p>
-        </p:txBody>
-      </p:sp>
-      <p:sp>
-        <p:nvSpPr>
-          <p:cNvPr id="3" name="Текст 2"/>
-          <p:cNvSpPr>
-            <a:spLocks noGrp="1"/>
-          </p:cNvSpPr>
-          <p:nvPr>
-            <p:ph type="body" idx="1"/>
+            <a:pPr lvl="0"/>
+            <a:r>
+              <a:rPr lang="en-US" dirty="0"/>
+              <a:t>Edit Master text styles</a:t>
+            </a:r>
+          </a:p>
+          <a:p>
+            <a:pPr lvl="1"/>
+            <a:r>
+              <a:rPr lang="en-US" dirty="0"/>
+              <a:t>Second level</a:t>
+            </a:r>
+          </a:p>
+          <a:p>
+            <a:pPr lvl="2"/>
+            <a:r>
+              <a:rPr lang="en-US" dirty="0"/>
+              <a:t>Third level</a:t>
+            </a:r>
+          </a:p>
+          <a:p>
+            <a:pPr lvl="3"/>
+            <a:r>
+              <a:rPr lang="en-US" dirty="0"/>
+              <a:t>Fourth level</a:t>
+            </a:r>
+          </a:p>
+          <a:p>
+            <a:pPr lvl="4"/>
+            <a:r>
+              <a:rPr lang="en-US" dirty="0"/>
+              <a:t>Fifth level</a:t>
+            </a:r>
+          </a:p>
+        </p:txBody>
+      </p:sp>
+      <p:sp>
+        <p:nvSpPr>
+          <p:cNvPr id="4" name="Date Placeholder 3"/>
+          <p:cNvSpPr>
+            <a:spLocks noGrp="1"/>
+          </p:cNvSpPr>
+          <p:nvPr>
+            <p:ph type="dt" sz="half" idx="2"/>
           </p:nvPr>
         </p:nvSpPr>
         <p:spPr>
           <a:xfrm>
-            <a:off x="838200" y="1825625"/>
-            <a:ext cx="10515600" cy="4351338"/>
+            <a:off x="7821429" y="6238816"/>
+            <a:ext cx="2753746" cy="323968"/>
           </a:xfrm>
           <a:prstGeom prst="rect">
             <a:avLst/>
           </a:prstGeom>
         </p:spPr>
         <p:txBody>
-          <a:bodyPr vert="horz" lIns="91440" tIns="45720" rIns="91440" bIns="45720" rtlCol="0">
-            <a:normAutofit/>
-          </a:bodyPr>
-          <a:lstStyle/>
-          <a:p>
-            <a:pPr lvl="0"/>
-            <a:r>
-              <a:rPr lang="ru-RU" smtClean="0"/>
-              <a:t>Образец текста</a:t>
-            </a:r>
-          </a:p>
-          <a:p>
-            <a:pPr lvl="1"/>
-            <a:r>
-              <a:rPr lang="ru-RU" smtClean="0"/>
-              <a:t>Второй уровень</a:t>
-            </a:r>
-          </a:p>
-          <a:p>
-            <a:pPr lvl="2"/>
-            <a:r>
-              <a:rPr lang="ru-RU" smtClean="0"/>
-              <a:t>Третий уровень</a:t>
-            </a:r>
-          </a:p>
-          <a:p>
-            <a:pPr lvl="3"/>
-            <a:r>
-              <a:rPr lang="ru-RU" smtClean="0"/>
-              <a:t>Четвертый уровень</a:t>
-            </a:r>
-          </a:p>
-          <a:p>
-            <a:pPr lvl="4"/>
-            <a:r>
-              <a:rPr lang="ru-RU" smtClean="0"/>
-              <a:t>Пятый уровень</a:t>
-            </a:r>
+          <a:bodyPr vert="horz" lIns="91440" tIns="45720" rIns="91440" bIns="45720" rtlCol="0" anchor="ctr"/>
+          <a:lstStyle>
+            <a:lvl1pPr algn="r">
+              <a:defRPr sz="1050">
+                <a:solidFill>
+                  <a:schemeClr val="tx1">
+                    <a:alpha val="70000"/>
+                  </a:schemeClr>
+                </a:solidFill>
+              </a:defRPr>
+            </a:lvl1pPr>
+          </a:lstStyle>
+          <a:p>
+            <a:fld id="{8DD1138F-4AFD-4355-8AE6-1C212826FCBF}" type="datetimeFigureOut">
+              <a:rPr lang="ru-RU" smtClean="0"/>
+              <a:t>03.10.2023</a:t>
+            </a:fld>
             <a:endParaRPr lang="ru-RU"/>
           </a:p>
         </p:txBody>
       </p:sp>
       <p:sp>
         <p:nvSpPr>
-          <p:cNvPr id="4" name="Дата 3"/>
-          <p:cNvSpPr>
-            <a:spLocks noGrp="1"/>
-          </p:cNvSpPr>
-          <p:nvPr>
-            <p:ph type="dt" sz="half" idx="2"/>
+          <p:cNvPr id="5" name="Footer Placeholder 4"/>
+          <p:cNvSpPr>
+            <a:spLocks noGrp="1"/>
+          </p:cNvSpPr>
+          <p:nvPr>
+            <p:ph type="ftr" sz="quarter" idx="3"/>
           </p:nvPr>
         </p:nvSpPr>
         <p:spPr>
           <a:xfrm>
-            <a:off x="838200" y="6356350"/>
-            <a:ext cx="2743200" cy="365125"/>
+            <a:off x="1600200" y="6236208"/>
+            <a:ext cx="5901189" cy="320040"/>
           </a:xfrm>
           <a:prstGeom prst="rect">
             <a:avLst/>
@@ -2549,94 +3397,58 @@
           <a:bodyPr vert="horz" lIns="91440" tIns="45720" rIns="91440" bIns="45720" rtlCol="0" anchor="ctr"/>
           <a:lstStyle>
             <a:lvl1pPr algn="l">
-              <a:defRPr sz="1200">
+              <a:defRPr sz="1050">
                 <a:solidFill>
                   <a:schemeClr val="tx1">
-                    <a:tint val="75000"/>
+                    <a:alpha val="70000"/>
                   </a:schemeClr>
                 </a:solidFill>
               </a:defRPr>
             </a:lvl1pPr>
           </a:lstStyle>
           <a:p>
-            <a:fld id="{8DD1138F-4AFD-4355-8AE6-1C212826FCBF}" type="datetimeFigureOut">
-              <a:rPr lang="ru-RU" smtClean="0"/>
-              <a:t>26.09.2023</a:t>
-            </a:fld>
             <a:endParaRPr lang="ru-RU"/>
           </a:p>
         </p:txBody>
       </p:sp>
       <p:sp>
         <p:nvSpPr>
-          <p:cNvPr id="5" name="Нижний колонтитул 4"/>
-          <p:cNvSpPr>
-            <a:spLocks noGrp="1"/>
-          </p:cNvSpPr>
-          <p:nvPr>
-            <p:ph type="ftr" sz="quarter" idx="3"/>
+          <p:cNvPr id="6" name="Slide Number Placeholder 5"/>
+          <p:cNvSpPr>
+            <a:spLocks noGrp="1"/>
+          </p:cNvSpPr>
+          <p:nvPr>
+            <p:ph type="sldNum" sz="quarter" idx="4"/>
           </p:nvPr>
         </p:nvSpPr>
         <p:spPr>
           <a:xfrm>
-            <a:off x="4038600" y="6356350"/>
-            <a:ext cx="4114800" cy="365125"/>
+            <a:off x="10758922" y="6217920"/>
+            <a:ext cx="365760" cy="365760"/>
           </a:xfrm>
-          <a:prstGeom prst="rect">
+          <a:prstGeom prst="ellipse">
             <a:avLst/>
           </a:prstGeom>
+          <a:solidFill>
+            <a:srgbClr val="1D1D1D">
+              <a:alpha val="70000"/>
+            </a:srgbClr>
+          </a:solidFill>
         </p:spPr>
         <p:txBody>
-          <a:bodyPr vert="horz" lIns="91440" tIns="45720" rIns="91440" bIns="45720" rtlCol="0" anchor="ctr"/>
+          <a:bodyPr vert="horz" lIns="18288" tIns="45720" rIns="18288" bIns="45720" rtlCol="0" anchor="ctr">
+            <a:noAutofit/>
+          </a:bodyPr>
           <a:lstStyle>
             <a:lvl1pPr algn="ctr">
-              <a:defRPr sz="1200">
+              <a:defRPr sz="1100" spc="0" baseline="0">
                 <a:solidFill>
-                  <a:schemeClr val="tx1">
-                    <a:tint val="75000"/>
-                  </a:schemeClr>
+                  <a:srgbClr val="FFFFFF"/>
                 </a:solidFill>
               </a:defRPr>
             </a:lvl1pPr>
           </a:lstStyle>
           <a:p>
-            <a:endParaRPr lang="ru-RU"/>
-          </a:p>
-        </p:txBody>
-      </p:sp>
-      <p:sp>
-        <p:nvSpPr>
-          <p:cNvPr id="6" name="Номер слайда 5"/>
-          <p:cNvSpPr>
-            <a:spLocks noGrp="1"/>
-          </p:cNvSpPr>
-          <p:nvPr>
-            <p:ph type="sldNum" sz="quarter" idx="4"/>
-          </p:nvPr>
-        </p:nvSpPr>
-        <p:spPr>
-          <a:xfrm>
-            <a:off x="8610600" y="6356350"/>
-            <a:ext cx="2743200" cy="365125"/>
-          </a:xfrm>
-          <a:prstGeom prst="rect">
-            <a:avLst/>
-          </a:prstGeom>
-        </p:spPr>
-        <p:txBody>
-          <a:bodyPr vert="horz" lIns="91440" tIns="45720" rIns="91440" bIns="45720" rtlCol="0" anchor="ctr"/>
-          <a:lstStyle>
-            <a:lvl1pPr algn="r">
-              <a:defRPr sz="1200">
-                <a:solidFill>
-                  <a:schemeClr val="tx1">
-                    <a:tint val="75000"/>
-                  </a:schemeClr>
-                </a:solidFill>
-              </a:defRPr>
-            </a:lvl1pPr>
-          </a:lstStyle>
-          <a:p>
             <a:fld id="{9BB4EAA5-5468-4546-8153-1EDF0BC937EC}" type="slidenum">
               <a:rPr lang="ru-RU" smtClean="0"/>
               <a:t>‹#›</a:t>
@@ -2648,27 +3460,27 @@
     </p:spTree>
     <p:extLst>
       <p:ext uri="{BB962C8B-B14F-4D97-AF65-F5344CB8AC3E}">
-        <p14:creationId xmlns:p14="http://schemas.microsoft.com/office/powerpoint/2010/main" val="1760574618"/>
+        <p14:creationId xmlns:p14="http://schemas.microsoft.com/office/powerpoint/2010/main" val="540240809"/>
       </p:ext>
     </p:extLst>
   </p:cSld>
   <p:clrMap bg1="lt1" tx1="dk1" bg2="lt2" tx2="dk2" accent1="accent1" accent2="accent2" accent3="accent3" accent4="accent4" accent5="accent5" accent6="accent6" hlink="hlink" folHlink="folHlink"/>
   <p:sldLayoutIdLst>
-    <p:sldLayoutId id="2147483649" r:id="rId1"/>
-    <p:sldLayoutId id="2147483650" r:id="rId2"/>
-    <p:sldLayoutId id="2147483651" r:id="rId3"/>
-    <p:sldLayoutId id="2147483652" r:id="rId4"/>
-    <p:sldLayoutId id="2147483653" r:id="rId5"/>
-    <p:sldLayoutId id="2147483654" r:id="rId6"/>
-    <p:sldLayoutId id="2147483655" r:id="rId7"/>
-    <p:sldLayoutId id="2147483656" r:id="rId8"/>
-    <p:sldLayoutId id="2147483657" r:id="rId9"/>
-    <p:sldLayoutId id="2147483658" r:id="rId10"/>
-    <p:sldLayoutId id="2147483659" r:id="rId11"/>
+    <p:sldLayoutId id="2147483673" r:id="rId1"/>
+    <p:sldLayoutId id="2147483674" r:id="rId2"/>
+    <p:sldLayoutId id="2147483675" r:id="rId3"/>
+    <p:sldLayoutId id="2147483676" r:id="rId4"/>
+    <p:sldLayoutId id="2147483677" r:id="rId5"/>
+    <p:sldLayoutId id="2147483678" r:id="rId6"/>
+    <p:sldLayoutId id="2147483679" r:id="rId7"/>
+    <p:sldLayoutId id="2147483680" r:id="rId8"/>
+    <p:sldLayoutId id="2147483681" r:id="rId9"/>
+    <p:sldLayoutId id="2147483682" r:id="rId10"/>
+    <p:sldLayoutId id="2147483683" r:id="rId11"/>
   </p:sldLayoutIdLst>
   <p:txStyles>
     <p:titleStyle>
-      <a:lvl1pPr algn="l" defTabSz="914400" rtl="0" eaLnBrk="1" latinLnBrk="0" hangingPunct="1">
+      <a:lvl1pPr algn="ctr" defTabSz="914400" rtl="0" eaLnBrk="1" latinLnBrk="0" hangingPunct="1">
         <a:lnSpc>
           <a:spcPct val="90000"/>
         </a:lnSpc>
@@ -2676,9 +3488,9 @@
           <a:spcPct val="0"/>
         </a:spcBef>
         <a:buNone/>
-        <a:defRPr sz="4400" kern="1200">
+        <a:defRPr sz="2800" kern="1200" cap="all" spc="200" baseline="0">
           <a:solidFill>
-            <a:schemeClr val="tx1"/>
+            <a:srgbClr val="262626"/>
           </a:solidFill>
           <a:latin typeface="+mj-lt"/>
           <a:ea typeface="+mj-ea"/>
@@ -2689,104 +3501,137 @@
     <p:bodyStyle>
       <a:lvl1pPr marL="228600" indent="-228600" algn="l" defTabSz="914400" rtl="0" eaLnBrk="1" latinLnBrk="0" hangingPunct="1">
         <a:lnSpc>
-          <a:spcPct val="90000"/>
+          <a:spcPct val="100000"/>
         </a:lnSpc>
         <a:spcBef>
           <a:spcPts val="1000"/>
         </a:spcBef>
+        <a:buClr>
+          <a:schemeClr val="accent2"/>
+        </a:buClr>
         <a:buFont typeface="Arial" panose="020B0604020202020204" pitchFamily="34" charset="0"/>
         <a:buChar char="•"/>
-        <a:defRPr sz="2800" kern="1200">
+        <a:defRPr sz="1800" kern="1200">
           <a:solidFill>
-            <a:schemeClr val="tx1"/>
+            <a:schemeClr val="tx1">
+              <a:lumMod val="85000"/>
+              <a:lumOff val="15000"/>
+            </a:schemeClr>
           </a:solidFill>
           <a:latin typeface="+mn-lt"/>
           <a:ea typeface="+mn-ea"/>
           <a:cs typeface="+mn-cs"/>
         </a:defRPr>
       </a:lvl1pPr>
-      <a:lvl2pPr marL="685800" indent="-228600" algn="l" defTabSz="914400" rtl="0" eaLnBrk="1" latinLnBrk="0" hangingPunct="1">
+      <a:lvl2pPr marL="457200" indent="-228600" algn="l" defTabSz="914400" rtl="0" eaLnBrk="1" latinLnBrk="0" hangingPunct="1">
         <a:lnSpc>
-          <a:spcPct val="90000"/>
+          <a:spcPct val="100000"/>
         </a:lnSpc>
         <a:spcBef>
-          <a:spcPts val="500"/>
+          <a:spcPts val="1000"/>
         </a:spcBef>
+        <a:buClr>
+          <a:schemeClr val="accent2"/>
+        </a:buClr>
         <a:buFont typeface="Arial" panose="020B0604020202020204" pitchFamily="34" charset="0"/>
         <a:buChar char="•"/>
-        <a:defRPr sz="2400" kern="1200">
+        <a:defRPr sz="1600" kern="1200">
           <a:solidFill>
-            <a:schemeClr val="tx1"/>
+            <a:schemeClr val="tx1">
+              <a:lumMod val="85000"/>
+              <a:lumOff val="15000"/>
+            </a:schemeClr>
           </a:solidFill>
           <a:latin typeface="+mn-lt"/>
           <a:ea typeface="+mn-ea"/>
           <a:cs typeface="+mn-cs"/>
         </a:defRPr>
       </a:lvl2pPr>
-      <a:lvl3pPr marL="1143000" indent="-228600" algn="l" defTabSz="914400" rtl="0" eaLnBrk="1" latinLnBrk="0" hangingPunct="1">
+      <a:lvl3pPr marL="685800" indent="-228600" algn="l" defTabSz="914400" rtl="0" eaLnBrk="1" latinLnBrk="0" hangingPunct="1">
         <a:lnSpc>
-          <a:spcPct val="90000"/>
+          <a:spcPct val="100000"/>
         </a:lnSpc>
         <a:spcBef>
-          <a:spcPts val="500"/>
+          <a:spcPts val="1000"/>
         </a:spcBef>
+        <a:buClr>
+          <a:schemeClr val="accent2"/>
+        </a:buClr>
         <a:buFont typeface="Arial" panose="020B0604020202020204" pitchFamily="34" charset="0"/>
         <a:buChar char="•"/>
-        <a:defRPr sz="2000" kern="1200">
+        <a:defRPr sz="1600" kern="1200">
           <a:solidFill>
-            <a:schemeClr val="tx1"/>
+            <a:schemeClr val="tx1">
+              <a:lumMod val="85000"/>
+              <a:lumOff val="15000"/>
+            </a:schemeClr>
           </a:solidFill>
           <a:latin typeface="+mn-lt"/>
           <a:ea typeface="+mn-ea"/>
           <a:cs typeface="+mn-cs"/>
         </a:defRPr>
       </a:lvl3pPr>
-      <a:lvl4pPr marL="1600200" indent="-228600" algn="l" defTabSz="914400" rtl="0" eaLnBrk="1" latinLnBrk="0" hangingPunct="1">
+      <a:lvl4pPr marL="914400" indent="-228600" algn="l" defTabSz="914400" rtl="0" eaLnBrk="1" latinLnBrk="0" hangingPunct="1">
         <a:lnSpc>
-          <a:spcPct val="90000"/>
+          <a:spcPct val="100000"/>
         </a:lnSpc>
         <a:spcBef>
-          <a:spcPts val="500"/>
+          <a:spcPts val="1000"/>
         </a:spcBef>
+        <a:buClr>
+          <a:schemeClr val="accent2"/>
+        </a:buClr>
         <a:buFont typeface="Arial" panose="020B0604020202020204" pitchFamily="34" charset="0"/>
         <a:buChar char="•"/>
-        <a:defRPr sz="1800" kern="1200">
+        <a:defRPr sz="1600" kern="1200">
           <a:solidFill>
-            <a:schemeClr val="tx1"/>
+            <a:schemeClr val="tx1">
+              <a:lumMod val="85000"/>
+              <a:lumOff val="15000"/>
+            </a:schemeClr>
           </a:solidFill>
           <a:latin typeface="+mn-lt"/>
           <a:ea typeface="+mn-ea"/>
           <a:cs typeface="+mn-cs"/>
         </a:defRPr>
       </a:lvl4pPr>
-      <a:lvl5pPr marL="2057400" indent="-228600" algn="l" defTabSz="914400" rtl="0" eaLnBrk="1" latinLnBrk="0" hangingPunct="1">
+      <a:lvl5pPr marL="1143000" indent="-228600" algn="l" defTabSz="914400" rtl="0" eaLnBrk="1" latinLnBrk="0" hangingPunct="1">
         <a:lnSpc>
-          <a:spcPct val="90000"/>
+          <a:spcPct val="100000"/>
         </a:lnSpc>
         <a:spcBef>
-          <a:spcPts val="500"/>
+          <a:spcPts val="1000"/>
         </a:spcBef>
+        <a:buClr>
+          <a:schemeClr val="accent2"/>
+        </a:buClr>
         <a:buFont typeface="Arial" panose="020B0604020202020204" pitchFamily="34" charset="0"/>
         <a:buChar char="•"/>
-        <a:defRPr sz="1800" kern="1200">
+        <a:defRPr sz="1600" kern="1200">
           <a:solidFill>
-            <a:schemeClr val="tx1"/>
+            <a:schemeClr val="tx1">
+              <a:lumMod val="85000"/>
+              <a:lumOff val="15000"/>
+            </a:schemeClr>
           </a:solidFill>
           <a:latin typeface="+mn-lt"/>
           <a:ea typeface="+mn-ea"/>
           <a:cs typeface="+mn-cs"/>
         </a:defRPr>
       </a:lvl5pPr>
-      <a:lvl6pPr marL="2514600" indent="-228600" algn="l" defTabSz="914400" rtl="0" eaLnBrk="1" latinLnBrk="0" hangingPunct="1">
+      <a:lvl6pPr marL="1312863" indent="-228600" algn="l" defTabSz="914400" rtl="0" eaLnBrk="1" latinLnBrk="0" hangingPunct="1">
         <a:lnSpc>
-          <a:spcPct val="90000"/>
+          <a:spcPct val="100000"/>
         </a:lnSpc>
         <a:spcBef>
-          <a:spcPts val="500"/>
+          <a:spcPts val="1000"/>
         </a:spcBef>
+        <a:buClr>
+          <a:schemeClr val="accent2"/>
+        </a:buClr>
         <a:buFont typeface="Arial" panose="020B0604020202020204" pitchFamily="34" charset="0"/>
         <a:buChar char="•"/>
-        <a:defRPr sz="1800" kern="1200">
+        <a:defRPr sz="1600" kern="1200">
           <a:solidFill>
             <a:schemeClr val="tx1"/>
           </a:solidFill>
@@ -2795,16 +3640,19 @@
           <a:cs typeface="+mn-cs"/>
         </a:defRPr>
       </a:lvl6pPr>
-      <a:lvl7pPr marL="2971800" indent="-228600" algn="l" defTabSz="914400" rtl="0" eaLnBrk="1" latinLnBrk="0" hangingPunct="1">
+      <a:lvl7pPr marL="1484313" indent="-228600" algn="l" defTabSz="914400" rtl="0" eaLnBrk="1" latinLnBrk="0" hangingPunct="1">
         <a:lnSpc>
-          <a:spcPct val="90000"/>
+          <a:spcPct val="100000"/>
         </a:lnSpc>
         <a:spcBef>
-          <a:spcPts val="500"/>
+          <a:spcPts val="1000"/>
         </a:spcBef>
+        <a:buClr>
+          <a:schemeClr val="accent2"/>
+        </a:buClr>
         <a:buFont typeface="Arial" panose="020B0604020202020204" pitchFamily="34" charset="0"/>
         <a:buChar char="•"/>
-        <a:defRPr sz="1800" kern="1200">
+        <a:defRPr sz="1600" kern="1200">
           <a:solidFill>
             <a:schemeClr val="tx1"/>
           </a:solidFill>
@@ -2813,16 +3661,19 @@
           <a:cs typeface="+mn-cs"/>
         </a:defRPr>
       </a:lvl7pPr>
-      <a:lvl8pPr marL="3429000" indent="-228600" algn="l" defTabSz="914400" rtl="0" eaLnBrk="1" latinLnBrk="0" hangingPunct="1">
+      <a:lvl8pPr marL="1657350" indent="-228600" algn="l" defTabSz="914400" rtl="0" eaLnBrk="1" latinLnBrk="0" hangingPunct="1">
         <a:lnSpc>
-          <a:spcPct val="90000"/>
+          <a:spcPct val="100000"/>
         </a:lnSpc>
         <a:spcBef>
-          <a:spcPts val="500"/>
+          <a:spcPts val="1000"/>
         </a:spcBef>
+        <a:buClr>
+          <a:schemeClr val="accent2"/>
+        </a:buClr>
         <a:buFont typeface="Arial" panose="020B0604020202020204" pitchFamily="34" charset="0"/>
         <a:buChar char="•"/>
-        <a:defRPr sz="1800" kern="1200">
+        <a:defRPr sz="1600" kern="1200" baseline="0">
           <a:solidFill>
             <a:schemeClr val="tx1"/>
           </a:solidFill>
@@ -2831,16 +3682,19 @@
           <a:cs typeface="+mn-cs"/>
         </a:defRPr>
       </a:lvl8pPr>
-      <a:lvl9pPr marL="3886200" indent="-228600" algn="l" defTabSz="914400" rtl="0" eaLnBrk="1" latinLnBrk="0" hangingPunct="1">
+      <a:lvl9pPr marL="1882775" indent="-228600" algn="l" defTabSz="914400" rtl="0" eaLnBrk="1" latinLnBrk="0" hangingPunct="1">
         <a:lnSpc>
-          <a:spcPct val="90000"/>
+          <a:spcPct val="100000"/>
         </a:lnSpc>
         <a:spcBef>
-          <a:spcPts val="500"/>
+          <a:spcPts val="1000"/>
         </a:spcBef>
+        <a:buClr>
+          <a:schemeClr val="accent2"/>
+        </a:buClr>
         <a:buFont typeface="Arial" panose="020B0604020202020204" pitchFamily="34" charset="0"/>
         <a:buChar char="•"/>
-        <a:defRPr sz="1800" kern="1200">
+        <a:defRPr sz="1600" kern="1200" baseline="0">
           <a:solidFill>
             <a:schemeClr val="tx1"/>
           </a:solidFill>
@@ -2852,7 +3706,7 @@
     </p:bodyStyle>
     <p:otherStyle>
       <a:defPPr>
-        <a:defRPr lang="ru-RU"/>
+        <a:defRPr lang="en-US"/>
       </a:defPPr>
       <a:lvl1pPr marL="0" algn="l" defTabSz="914400" rtl="0" eaLnBrk="1" latinLnBrk="0" hangingPunct="1">
         <a:defRPr sz="1800" kern="1200">
@@ -2976,7 +3830,12 @@
             <p:ph type="title"/>
           </p:nvPr>
         </p:nvSpPr>
-        <p:spPr/>
+        <p:spPr>
+          <a:xfrm>
+            <a:off x="2320346" y="291217"/>
+            <a:ext cx="7729728" cy="1188720"/>
+          </a:xfrm>
+        </p:spPr>
         <p:txBody>
           <a:bodyPr/>
           <a:lstStyle/>
@@ -3001,61 +3860,155 @@
         </p:nvSpPr>
         <p:spPr>
           <a:xfrm>
-            <a:off x="838200" y="1435332"/>
-            <a:ext cx="10515600" cy="5311156"/>
+            <a:off x="927410" y="1680659"/>
+            <a:ext cx="10515600" cy="4920863"/>
           </a:xfrm>
         </p:spPr>
         <p:txBody>
-          <a:bodyPr/>
+          <a:bodyPr>
+            <a:normAutofit/>
+          </a:bodyPr>
           <a:lstStyle/>
           <a:p>
             <a:r>
-              <a:rPr lang="ru-RU" dirty="0" smtClean="0"/>
-              <a:t>Собственная квартира (кладовая, парковочное место)</a:t>
-            </a:r>
-          </a:p>
-          <a:p>
-            <a:r>
-              <a:rPr lang="ru-RU" dirty="0" smtClean="0"/>
-              <a:t>Возможность сделать дизайн-проект с желаемой планировкой и качественной дизайнерской отделкой</a:t>
-            </a:r>
-          </a:p>
-          <a:p>
-            <a:r>
-              <a:rPr lang="ru-RU" dirty="0"/>
-              <a:t>Панорамное остекление с высокими </a:t>
-            </a:r>
-            <a:r>
-              <a:rPr lang="ru-RU" dirty="0" smtClean="0"/>
+              <a:rPr lang="ru-RU" sz="2000" dirty="0"/>
+              <a:t>Постоянное видеонаблюдение и охрана ЖК</a:t>
+            </a:r>
+          </a:p>
+          <a:p>
+            <a:r>
+              <a:rPr lang="ru-RU" sz="2000" dirty="0" smtClean="0"/>
+              <a:t>Собственная </a:t>
+            </a:r>
+            <a:r>
+              <a:rPr lang="ru-RU" sz="2000" dirty="0" smtClean="0"/>
+              <a:t>квартира (кладовая, парковочное место</a:t>
+            </a:r>
+            <a:r>
+              <a:rPr lang="ru-RU" sz="2000" dirty="0" smtClean="0"/>
+              <a:t>)</a:t>
+            </a:r>
+          </a:p>
+          <a:p>
+            <a:r>
+              <a:rPr lang="ru-RU" sz="2000" dirty="0" smtClean="0"/>
+              <a:t>Оптимальное </a:t>
+            </a:r>
+            <a:r>
+              <a:rPr lang="ru-RU" sz="2000" dirty="0"/>
+              <a:t>соотношение цены и качества</a:t>
+            </a:r>
+            <a:endParaRPr lang="ru-RU" sz="2000" dirty="0" smtClean="0"/>
+          </a:p>
+          <a:p>
+            <a:r>
+              <a:rPr lang="ru-RU" sz="2000" dirty="0" smtClean="0"/>
+              <a:t>Уникальный </a:t>
+            </a:r>
+            <a:r>
+              <a:rPr lang="ru-RU" sz="2000" dirty="0"/>
+              <a:t>дизайн </a:t>
+            </a:r>
+            <a:r>
+              <a:rPr lang="ru-RU" sz="2000" dirty="0" smtClean="0"/>
+              <a:t>квартир</a:t>
+            </a:r>
+          </a:p>
+          <a:p>
+            <a:r>
+              <a:rPr lang="ru-RU" sz="2000" dirty="0"/>
+              <a:t> </a:t>
+            </a:r>
+            <a:r>
+              <a:rPr lang="ru-RU" sz="2000" dirty="0" smtClean="0"/>
+              <a:t>Квартиры </a:t>
+            </a:r>
+            <a:r>
+              <a:rPr lang="ru-RU" sz="2000" dirty="0"/>
+              <a:t>с черновой, </a:t>
+            </a:r>
+            <a:r>
+              <a:rPr lang="ru-RU" sz="2000" dirty="0" err="1"/>
+              <a:t>предчистовой</a:t>
+            </a:r>
+            <a:r>
+              <a:rPr lang="ru-RU" sz="2000" dirty="0"/>
+              <a:t> и чистовой отделкой</a:t>
+            </a:r>
+            <a:endParaRPr lang="ru-RU" sz="2000" dirty="0" smtClean="0"/>
+          </a:p>
+          <a:p>
+            <a:r>
+              <a:rPr lang="ru-RU" sz="2000" dirty="0" smtClean="0"/>
+              <a:t>Панорамное </a:t>
+            </a:r>
+            <a:r>
+              <a:rPr lang="ru-RU" sz="2000" dirty="0"/>
+              <a:t>остекление с высокими </a:t>
+            </a:r>
+            <a:r>
+              <a:rPr lang="ru-RU" sz="2000" dirty="0" smtClean="0"/>
               <a:t>окнами </a:t>
             </a:r>
             <a:r>
-              <a:rPr lang="ru-RU" dirty="0"/>
+              <a:rPr lang="ru-RU" sz="2000" dirty="0"/>
               <a:t>визуально увеличивают пространство и наполняют комнату естественным </a:t>
             </a:r>
             <a:r>
-              <a:rPr lang="ru-RU" dirty="0" smtClean="0"/>
+              <a:rPr lang="ru-RU" sz="2000" dirty="0" smtClean="0"/>
               <a:t>светом</a:t>
             </a:r>
           </a:p>
           <a:p>
             <a:r>
-              <a:rPr lang="ru-RU" dirty="0" smtClean="0"/>
-              <a:t>Закрытая территория двора с яблоневым садом, комфортной детской площадкой и общей зоной отдыха</a:t>
-            </a:r>
-          </a:p>
-          <a:p>
-            <a:r>
-              <a:rPr lang="ru-RU" dirty="0" smtClean="0"/>
-              <a:t>Постоянное видеонаблюдение и охрана ЖК</a:t>
-            </a:r>
-          </a:p>
-          <a:p>
-            <a:r>
-              <a:rPr lang="ru-RU" dirty="0" smtClean="0"/>
-              <a:t>Близость к парку, доступность КАД в пяти минутах</a:t>
-            </a:r>
-            <a:endParaRPr lang="ru-RU" dirty="0"/>
+              <a:rPr lang="ru-RU" sz="2000" dirty="0"/>
+              <a:t> </a:t>
+            </a:r>
+            <a:r>
+              <a:rPr lang="ru-RU" sz="2000" dirty="0" smtClean="0"/>
+              <a:t>Помощь с </a:t>
+            </a:r>
+            <a:r>
+              <a:rPr lang="ru-RU" sz="2000" dirty="0"/>
+              <a:t>продажей старой недвижимости</a:t>
+            </a:r>
+            <a:endParaRPr lang="ru-RU" sz="2000" dirty="0" smtClean="0"/>
+          </a:p>
+          <a:p>
+            <a:r>
+              <a:rPr lang="ru-RU" sz="2000" dirty="0" smtClean="0"/>
+              <a:t>Закрытая территория двора с яблоневым садом, комфортной детской площадкой и общей зоной </a:t>
+            </a:r>
+            <a:r>
+              <a:rPr lang="ru-RU" sz="2000" dirty="0" smtClean="0"/>
+              <a:t>отдыха</a:t>
+            </a:r>
+          </a:p>
+          <a:p>
+            <a:r>
+              <a:rPr lang="ru-RU" sz="2000" dirty="0" smtClean="0"/>
+              <a:t>Подземный </a:t>
+            </a:r>
+            <a:r>
+              <a:rPr lang="ru-RU" sz="2000" dirty="0"/>
+              <a:t>и </a:t>
+            </a:r>
+            <a:r>
+              <a:rPr lang="ru-RU" sz="2000" dirty="0" smtClean="0"/>
+              <a:t>наземный паркинг</a:t>
+            </a:r>
+            <a:endParaRPr lang="ru-RU" sz="2000" dirty="0" smtClean="0"/>
+          </a:p>
+          <a:p>
+            <a:r>
+              <a:rPr lang="ru-RU" sz="2000" dirty="0" smtClean="0"/>
+              <a:t>Близость </a:t>
+            </a:r>
+            <a:r>
+              <a:rPr lang="ru-RU" sz="2000" dirty="0" smtClean="0"/>
+              <a:t>к парку, доступность КАД в пяти минутах</a:t>
+            </a:r>
+            <a:endParaRPr lang="ru-RU" sz="2000" dirty="0"/>
           </a:p>
           <a:p>
             <a:endParaRPr lang="ru-RU" dirty="0" smtClean="0"/>
@@ -3108,7 +4061,12 @@
             <p:ph type="title"/>
           </p:nvPr>
         </p:nvSpPr>
-        <p:spPr/>
+        <p:spPr>
+          <a:xfrm>
+            <a:off x="2374243" y="227484"/>
+            <a:ext cx="7729728" cy="1188720"/>
+          </a:xfrm>
+        </p:spPr>
         <p:txBody>
           <a:bodyPr/>
           <a:lstStyle/>
@@ -3121,25 +4079,994 @@
           </a:p>
         </p:txBody>
       </p:sp>
-      <p:sp>
-        <p:nvSpPr>
-          <p:cNvPr id="3" name="Объект 2"/>
-          <p:cNvSpPr>
-            <a:spLocks noGrp="1"/>
-          </p:cNvSpPr>
+      <p:graphicFrame>
+        <p:nvGraphicFramePr>
+          <p:cNvPr id="4" name="Объект 3"/>
+          <p:cNvGraphicFramePr>
+            <a:graphicFrameLocks noGrp="1"/>
+          </p:cNvGraphicFramePr>
           <p:nvPr>
             <p:ph idx="1"/>
-          </p:nvPr>
-        </p:nvSpPr>
-        <p:spPr/>
-        <p:txBody>
-          <a:bodyPr/>
-          <a:lstStyle/>
-          <a:p>
-            <a:endParaRPr lang="ru-RU"/>
-          </a:p>
-        </p:txBody>
-      </p:sp>
+            <p:extLst>
+              <p:ext uri="{D42A27DB-BD31-4B8C-83A1-F6EECF244321}">
+                <p14:modId xmlns:p14="http://schemas.microsoft.com/office/powerpoint/2010/main" val="264527031"/>
+              </p:ext>
+            </p:extLst>
+          </p:nvPr>
+        </p:nvGraphicFramePr>
+        <p:xfrm>
+          <a:off x="624468" y="1501322"/>
+          <a:ext cx="11229278" cy="5260343"/>
+        </p:xfrm>
+        <a:graphic>
+          <a:graphicData uri="http://schemas.openxmlformats.org/drawingml/2006/table">
+            <a:tbl>
+              <a:tblPr>
+                <a:tableStyleId>{0660B408-B3CF-4A94-85FC-2B1E0A45F4A2}</a:tableStyleId>
+              </a:tblPr>
+              <a:tblGrid>
+                <a:gridCol w="2006103">
+                  <a:extLst>
+                    <a:ext uri="{9D8B030D-6E8A-4147-A177-3AD203B41FA5}">
+                      <a16:colId xmlns:a16="http://schemas.microsoft.com/office/drawing/2014/main" val="57415859"/>
+                    </a:ext>
+                  </a:extLst>
+                </a:gridCol>
+                <a:gridCol w="2006103">
+                  <a:extLst>
+                    <a:ext uri="{9D8B030D-6E8A-4147-A177-3AD203B41FA5}">
+                      <a16:colId xmlns:a16="http://schemas.microsoft.com/office/drawing/2014/main" val="3489142097"/>
+                    </a:ext>
+                  </a:extLst>
+                </a:gridCol>
+                <a:gridCol w="2221326">
+                  <a:extLst>
+                    <a:ext uri="{9D8B030D-6E8A-4147-A177-3AD203B41FA5}">
+                      <a16:colId xmlns:a16="http://schemas.microsoft.com/office/drawing/2014/main" val="2390803828"/>
+                    </a:ext>
+                  </a:extLst>
+                </a:gridCol>
+                <a:gridCol w="2610442">
+                  <a:extLst>
+                    <a:ext uri="{9D8B030D-6E8A-4147-A177-3AD203B41FA5}">
+                      <a16:colId xmlns:a16="http://schemas.microsoft.com/office/drawing/2014/main" val="951326885"/>
+                    </a:ext>
+                  </a:extLst>
+                </a:gridCol>
+                <a:gridCol w="2385304">
+                  <a:extLst>
+                    <a:ext uri="{9D8B030D-6E8A-4147-A177-3AD203B41FA5}">
+                      <a16:colId xmlns:a16="http://schemas.microsoft.com/office/drawing/2014/main" val="2508536143"/>
+                    </a:ext>
+                  </a:extLst>
+                </a:gridCol>
+              </a:tblGrid>
+              <a:tr h="2515528">
+                <a:tc rowSpan="2">
+                  <a:txBody>
+                    <a:bodyPr/>
+                    <a:lstStyle/>
+                    <a:p>
+                      <a:pPr marL="36000" algn="l" fontAlgn="t"/>
+                      <a:r>
+                        <a:rPr lang="ru-RU" sz="1200" b="1" u="none" strike="noStrike" dirty="0">
+                          <a:effectLst/>
+                        </a:rPr>
+                        <a:t>Основные партнеры</a:t>
+                      </a:r>
+                      <a:r>
+                        <a:rPr lang="ru-RU" sz="1200" u="none" strike="noStrike" dirty="0">
+                          <a:effectLst/>
+                        </a:rPr>
+                        <a:t/>
+                      </a:r>
+                      <a:br>
+                        <a:rPr lang="ru-RU" sz="1200" u="none" strike="noStrike" dirty="0">
+                          <a:effectLst/>
+                        </a:rPr>
+                      </a:br>
+                      <a:r>
+                        <a:rPr lang="ru-RU" sz="1200" u="none" strike="noStrike" dirty="0">
+                          <a:effectLst/>
+                        </a:rPr>
+                        <a:t>Поставщики стройматериалов и </a:t>
+                      </a:r>
+                      <a:r>
+                        <a:rPr lang="ru-RU" sz="1200" u="none" strike="noStrike" dirty="0" smtClean="0">
+                          <a:effectLst/>
+                        </a:rPr>
+                        <a:t>техники;</a:t>
+                      </a:r>
+                    </a:p>
+                    <a:p>
+                      <a:pPr marL="36000" algn="l" fontAlgn="t"/>
+                      <a:r>
+                        <a:rPr lang="ru-RU" sz="1200" u="none" strike="noStrike" dirty="0" smtClean="0">
+                          <a:effectLst/>
+                        </a:rPr>
+                        <a:t>Проектировочные</a:t>
+                      </a:r>
+                      <a:r>
+                        <a:rPr lang="ru-RU" sz="1200" u="none" strike="noStrike" baseline="0" dirty="0" smtClean="0">
+                          <a:effectLst/>
+                        </a:rPr>
+                        <a:t> </a:t>
+                      </a:r>
+                      <a:r>
+                        <a:rPr lang="ru-RU" sz="1200" u="none" strike="noStrike" dirty="0" smtClean="0">
+                          <a:effectLst/>
+                        </a:rPr>
+                        <a:t>организации;</a:t>
+                      </a:r>
+                    </a:p>
+                    <a:p>
+                      <a:pPr marL="36000" algn="l" fontAlgn="t"/>
+                      <a:r>
+                        <a:rPr lang="ru-RU" sz="1200" u="none" strike="noStrike" dirty="0" smtClean="0">
+                          <a:effectLst/>
+                        </a:rPr>
+                        <a:t>подрядные </a:t>
+                      </a:r>
+                      <a:r>
+                        <a:rPr lang="ru-RU" sz="1200" u="none" strike="noStrike" dirty="0">
+                          <a:effectLst/>
+                        </a:rPr>
+                        <a:t>строительные </a:t>
+                      </a:r>
+                      <a:r>
+                        <a:rPr lang="ru-RU" sz="1200" u="none" strike="noStrike" dirty="0" smtClean="0">
+                          <a:effectLst/>
+                        </a:rPr>
+                        <a:t>организации;</a:t>
+                      </a:r>
+                    </a:p>
+                    <a:p>
+                      <a:pPr marL="36000" algn="l" fontAlgn="t"/>
+                      <a:r>
+                        <a:rPr lang="ru-RU" sz="1200" u="none" strike="noStrike" dirty="0" smtClean="0">
+                          <a:effectLst/>
+                        </a:rPr>
+                        <a:t>Банки;</a:t>
+                      </a:r>
+                    </a:p>
+                    <a:p>
+                      <a:pPr marL="36000" algn="l" fontAlgn="t"/>
+                      <a:r>
+                        <a:rPr lang="ru-RU" sz="1200" u="none" strike="noStrike" dirty="0" smtClean="0">
+                          <a:effectLst/>
+                        </a:rPr>
+                        <a:t>Сотрудничество </a:t>
+                      </a:r>
+                      <a:r>
+                        <a:rPr lang="ru-RU" sz="1200" u="none" strike="noStrike" dirty="0">
+                          <a:effectLst/>
+                        </a:rPr>
+                        <a:t>с дизайнерами интерьеров, архитекторами и строительными </a:t>
+                      </a:r>
+                      <a:r>
+                        <a:rPr lang="ru-RU" sz="1200" u="none" strike="noStrike" dirty="0" smtClean="0">
+                          <a:effectLst/>
+                        </a:rPr>
+                        <a:t>компаниями; </a:t>
+                      </a:r>
+                    </a:p>
+                    <a:p>
+                      <a:pPr marL="36000" algn="l" fontAlgn="t"/>
+                      <a:r>
+                        <a:rPr lang="ru-RU" sz="1200" u="none" strike="noStrike" dirty="0" smtClean="0">
+                          <a:effectLst/>
+                        </a:rPr>
+                        <a:t>агенты </a:t>
+                      </a:r>
+                      <a:r>
+                        <a:rPr lang="ru-RU" sz="1200" u="none" strike="noStrike" dirty="0">
+                          <a:effectLst/>
+                        </a:rPr>
+                        <a:t>по </a:t>
+                      </a:r>
+                      <a:r>
+                        <a:rPr lang="ru-RU" sz="1200" u="none" strike="noStrike" dirty="0" smtClean="0">
+                          <a:effectLst/>
+                        </a:rPr>
+                        <a:t>недвижимости;</a:t>
+                      </a:r>
+                    </a:p>
+                    <a:p>
+                      <a:pPr marL="36000" algn="l" fontAlgn="t"/>
+                      <a:r>
+                        <a:rPr lang="ru-RU" sz="1200" u="none" strike="noStrike" dirty="0" smtClean="0">
+                          <a:effectLst/>
+                        </a:rPr>
+                        <a:t>менеджеры </a:t>
+                      </a:r>
+                      <a:r>
+                        <a:rPr lang="ru-RU" sz="1200" u="none" strike="noStrike" dirty="0">
+                          <a:effectLst/>
+                        </a:rPr>
+                        <a:t>по </a:t>
+                      </a:r>
+                      <a:r>
+                        <a:rPr lang="ru-RU" sz="1200" u="none" strike="noStrike" dirty="0" smtClean="0">
+                          <a:effectLst/>
+                        </a:rPr>
+                        <a:t>маркетингу; </a:t>
+                      </a:r>
+                    </a:p>
+                    <a:p>
+                      <a:pPr marL="36000" algn="l" fontAlgn="t"/>
+                      <a:r>
+                        <a:rPr lang="ru-RU" sz="1200" u="none" strike="noStrike" dirty="0" smtClean="0">
+                          <a:effectLst/>
+                        </a:rPr>
+                        <a:t>рекламные </a:t>
+                      </a:r>
+                      <a:r>
+                        <a:rPr lang="ru-RU" sz="1200" u="none" strike="noStrike" dirty="0" err="1" smtClean="0">
+                          <a:effectLst/>
+                        </a:rPr>
+                        <a:t>агенства</a:t>
+                      </a:r>
+                      <a:r>
+                        <a:rPr lang="ru-RU" sz="1200" u="none" strike="noStrike" dirty="0" smtClean="0">
+                          <a:effectLst/>
+                        </a:rPr>
+                        <a:t>.</a:t>
+                      </a:r>
+                      <a:endParaRPr lang="ru-RU" sz="1200" b="0" i="0" u="none" strike="noStrike" dirty="0">
+                        <a:solidFill>
+                          <a:srgbClr val="000000"/>
+                        </a:solidFill>
+                        <a:effectLst/>
+                        <a:latin typeface="Times New Roman" panose="02020603050405020304" pitchFamily="18" charset="0"/>
+                        <a:cs typeface="Times New Roman" panose="02020603050405020304" pitchFamily="18" charset="0"/>
+                      </a:endParaRPr>
+                    </a:p>
+                  </a:txBody>
+                  <a:tcPr marL="7932" marR="7932" marT="7932" marB="0">
+                    <a:lnL w="12700" cap="flat" cmpd="sng" algn="ctr">
+                      <a:solidFill>
+                        <a:schemeClr val="tx1"/>
+                      </a:solidFill>
+                      <a:prstDash val="solid"/>
+                      <a:round/>
+                      <a:headEnd type="none" w="med" len="med"/>
+                      <a:tailEnd type="none" w="med" len="med"/>
+                    </a:lnL>
+                    <a:lnR w="12700" cap="flat" cmpd="sng" algn="ctr">
+                      <a:solidFill>
+                        <a:schemeClr val="tx1"/>
+                      </a:solidFill>
+                      <a:prstDash val="solid"/>
+                      <a:round/>
+                      <a:headEnd type="none" w="med" len="med"/>
+                      <a:tailEnd type="none" w="med" len="med"/>
+                    </a:lnR>
+                    <a:lnT w="12700" cap="flat" cmpd="sng" algn="ctr">
+                      <a:solidFill>
+                        <a:schemeClr val="tx1"/>
+                      </a:solidFill>
+                      <a:prstDash val="solid"/>
+                      <a:round/>
+                      <a:headEnd type="none" w="med" len="med"/>
+                      <a:tailEnd type="none" w="med" len="med"/>
+                    </a:lnT>
+                    <a:lnB w="12700" cap="flat" cmpd="sng" algn="ctr">
+                      <a:solidFill>
+                        <a:schemeClr val="tx1"/>
+                      </a:solidFill>
+                      <a:prstDash val="solid"/>
+                      <a:round/>
+                      <a:headEnd type="none" w="med" len="med"/>
+                      <a:tailEnd type="none" w="med" len="med"/>
+                    </a:lnB>
+                  </a:tcPr>
+                </a:tc>
+                <a:tc>
+                  <a:txBody>
+                    <a:bodyPr/>
+                    <a:lstStyle/>
+                    <a:p>
+                      <a:pPr marL="36000" algn="l" fontAlgn="t"/>
+                      <a:r>
+                        <a:rPr lang="ru-RU" sz="1200" b="1" u="none" strike="noStrike" dirty="0">
+                          <a:effectLst/>
+                        </a:rPr>
+                        <a:t>Основные направления </a:t>
+                      </a:r>
+                      <a:r>
+                        <a:rPr lang="ru-RU" sz="1200" b="1" u="none" strike="noStrike" dirty="0" smtClean="0">
+                          <a:effectLst/>
+                        </a:rPr>
+                        <a:t>деятельности:</a:t>
+                      </a:r>
+                      <a:r>
+                        <a:rPr lang="ru-RU" sz="1200" u="none" strike="noStrike" dirty="0">
+                          <a:effectLst/>
+                        </a:rPr>
+                        <a:t/>
+                      </a:r>
+                      <a:br>
+                        <a:rPr lang="ru-RU" sz="1200" u="none" strike="noStrike" dirty="0">
+                          <a:effectLst/>
+                        </a:rPr>
+                      </a:br>
+                      <a:r>
+                        <a:rPr lang="ru-RU" sz="1200" u="none" strike="noStrike" dirty="0">
+                          <a:effectLst/>
+                        </a:rPr>
+                        <a:t>Идея жилого здания, </a:t>
+                      </a:r>
+                      <a:r>
+                        <a:rPr lang="ru-RU" sz="1200" u="none" strike="noStrike" dirty="0" smtClean="0">
+                          <a:effectLst/>
+                        </a:rPr>
+                        <a:t>индивидуальные </a:t>
+                      </a:r>
+                      <a:r>
+                        <a:rPr lang="ru-RU" sz="1200" u="none" strike="noStrike" dirty="0">
+                          <a:effectLst/>
+                        </a:rPr>
+                        <a:t>планировки, качество, выгодная цена (индивидуальное предложение по цене) Продажа через сайт застройщика, предложение от партнеров (банков). Прибыль придет после сдачи проекта с </a:t>
+                      </a:r>
+                      <a:r>
+                        <a:rPr lang="ru-RU" sz="1200" u="none" strike="noStrike" dirty="0" err="1">
+                          <a:effectLst/>
+                        </a:rPr>
+                        <a:t>эскроу</a:t>
+                      </a:r>
+                      <a:r>
+                        <a:rPr lang="ru-RU" sz="1200" u="none" strike="noStrike" dirty="0">
+                          <a:effectLst/>
+                        </a:rPr>
+                        <a:t>-счетов. Целевая реклама.</a:t>
+                      </a:r>
+                      <a:endParaRPr lang="ru-RU" sz="1200" b="0" i="0" u="none" strike="noStrike" dirty="0">
+                        <a:solidFill>
+                          <a:srgbClr val="000000"/>
+                        </a:solidFill>
+                        <a:effectLst/>
+                        <a:latin typeface="Times New Roman" panose="02020603050405020304" pitchFamily="18" charset="0"/>
+                        <a:cs typeface="Times New Roman" panose="02020603050405020304" pitchFamily="18" charset="0"/>
+                      </a:endParaRPr>
+                    </a:p>
+                  </a:txBody>
+                  <a:tcPr marL="7932" marR="7932" marT="7932" marB="0">
+                    <a:lnL w="12700" cap="flat" cmpd="sng" algn="ctr">
+                      <a:solidFill>
+                        <a:schemeClr val="tx1"/>
+                      </a:solidFill>
+                      <a:prstDash val="solid"/>
+                      <a:round/>
+                      <a:headEnd type="none" w="med" len="med"/>
+                      <a:tailEnd type="none" w="med" len="med"/>
+                    </a:lnL>
+                    <a:lnR w="12700" cap="flat" cmpd="sng" algn="ctr">
+                      <a:solidFill>
+                        <a:schemeClr val="tx1"/>
+                      </a:solidFill>
+                      <a:prstDash val="solid"/>
+                      <a:round/>
+                      <a:headEnd type="none" w="med" len="med"/>
+                      <a:tailEnd type="none" w="med" len="med"/>
+                    </a:lnR>
+                    <a:lnT w="12700" cap="flat" cmpd="sng" algn="ctr">
+                      <a:solidFill>
+                        <a:schemeClr val="tx1"/>
+                      </a:solidFill>
+                      <a:prstDash val="solid"/>
+                      <a:round/>
+                      <a:headEnd type="none" w="med" len="med"/>
+                      <a:tailEnd type="none" w="med" len="med"/>
+                    </a:lnT>
+                    <a:lnB w="12700" cap="flat" cmpd="sng" algn="ctr">
+                      <a:solidFill>
+                        <a:schemeClr val="tx1"/>
+                      </a:solidFill>
+                      <a:prstDash val="solid"/>
+                      <a:round/>
+                      <a:headEnd type="none" w="med" len="med"/>
+                      <a:tailEnd type="none" w="med" len="med"/>
+                    </a:lnB>
+                  </a:tcPr>
+                </a:tc>
+                <a:tc rowSpan="2">
+                  <a:txBody>
+                    <a:bodyPr/>
+                    <a:lstStyle/>
+                    <a:p>
+                      <a:pPr marL="36000" algn="l" fontAlgn="t"/>
+                      <a:r>
+                        <a:rPr lang="ru-RU" sz="1200" b="1" u="none" strike="noStrike" dirty="0">
+                          <a:effectLst/>
+                        </a:rPr>
+                        <a:t>Предлагаемые преимущества: </a:t>
+                      </a:r>
+                      <a:r>
+                        <a:rPr lang="ru-RU" sz="1200" u="none" strike="noStrike" dirty="0">
+                          <a:effectLst/>
+                        </a:rPr>
+                        <a:t>Безопасность: видеонаблюдение, охрана. </a:t>
+                      </a:r>
+                      <a:r>
+                        <a:rPr lang="ru-RU" sz="1200" u="none" strike="noStrike" dirty="0" smtClean="0">
+                          <a:effectLst/>
+                        </a:rPr>
+                        <a:t>качество</a:t>
+                      </a:r>
+                      <a:r>
+                        <a:rPr lang="ru-RU" sz="1200" u="none" strike="noStrike" dirty="0">
+                          <a:effectLst/>
+                        </a:rPr>
+                        <a:t>, соблюдение сроков, соотношение цены и качества, уникальный дизайн квартиры, наличие 2-х лифтов в </a:t>
+                      </a:r>
+                      <a:r>
+                        <a:rPr lang="ru-RU" sz="1200" u="none" strike="noStrike" dirty="0" err="1">
+                          <a:effectLst/>
+                        </a:rPr>
+                        <a:t>т.ч</a:t>
+                      </a:r>
+                      <a:r>
+                        <a:rPr lang="ru-RU" sz="1200" u="none" strike="noStrike" dirty="0">
+                          <a:effectLst/>
+                        </a:rPr>
+                        <a:t>. грузовой. Помогаем клиенту решить проблему с получением средств на покупку, проблему с жильем. Предоставление выбора планировок квартир из их многообразия.</a:t>
+                      </a:r>
+                      <a:br>
+                        <a:rPr lang="ru-RU" sz="1200" u="none" strike="noStrike" dirty="0">
+                          <a:effectLst/>
+                        </a:rPr>
+                      </a:br>
+                      <a:r>
+                        <a:rPr lang="ru-RU" sz="1200" u="none" strike="noStrike" dirty="0">
+                          <a:effectLst/>
+                        </a:rPr>
+                        <a:t>Пакеты услуг: квартира с черновой, </a:t>
+                      </a:r>
+                      <a:r>
+                        <a:rPr lang="ru-RU" sz="1200" u="none" strike="noStrike" dirty="0" err="1">
+                          <a:effectLst/>
+                        </a:rPr>
+                        <a:t>предчистовой</a:t>
+                      </a:r>
+                      <a:r>
+                        <a:rPr lang="ru-RU" sz="1200" u="none" strike="noStrike" dirty="0">
+                          <a:effectLst/>
+                        </a:rPr>
+                        <a:t>, чистовой отделкой. Помощь с продажей старой недвижимости. Подземный и наземный паркинг.</a:t>
+                      </a:r>
+                      <a:endParaRPr lang="ru-RU" sz="1200" b="0" i="0" u="none" strike="noStrike" dirty="0">
+                        <a:solidFill>
+                          <a:srgbClr val="000000"/>
+                        </a:solidFill>
+                        <a:effectLst/>
+                        <a:latin typeface="Times New Roman" panose="02020603050405020304" pitchFamily="18" charset="0"/>
+                        <a:cs typeface="Times New Roman" panose="02020603050405020304" pitchFamily="18" charset="0"/>
+                      </a:endParaRPr>
+                    </a:p>
+                  </a:txBody>
+                  <a:tcPr marL="7932" marR="7932" marT="7932" marB="0">
+                    <a:lnL w="12700" cap="flat" cmpd="sng" algn="ctr">
+                      <a:solidFill>
+                        <a:schemeClr val="tx1"/>
+                      </a:solidFill>
+                      <a:prstDash val="solid"/>
+                      <a:round/>
+                      <a:headEnd type="none" w="med" len="med"/>
+                      <a:tailEnd type="none" w="med" len="med"/>
+                    </a:lnL>
+                    <a:lnR w="12700" cap="flat" cmpd="sng" algn="ctr">
+                      <a:solidFill>
+                        <a:schemeClr val="tx1"/>
+                      </a:solidFill>
+                      <a:prstDash val="solid"/>
+                      <a:round/>
+                      <a:headEnd type="none" w="med" len="med"/>
+                      <a:tailEnd type="none" w="med" len="med"/>
+                    </a:lnR>
+                    <a:lnT w="12700" cap="flat" cmpd="sng" algn="ctr">
+                      <a:solidFill>
+                        <a:schemeClr val="tx1"/>
+                      </a:solidFill>
+                      <a:prstDash val="solid"/>
+                      <a:round/>
+                      <a:headEnd type="none" w="med" len="med"/>
+                      <a:tailEnd type="none" w="med" len="med"/>
+                    </a:lnT>
+                    <a:lnB w="12700" cap="flat" cmpd="sng" algn="ctr">
+                      <a:solidFill>
+                        <a:schemeClr val="tx1"/>
+                      </a:solidFill>
+                      <a:prstDash val="solid"/>
+                      <a:round/>
+                      <a:headEnd type="none" w="med" len="med"/>
+                      <a:tailEnd type="none" w="med" len="med"/>
+                    </a:lnB>
+                  </a:tcPr>
+                </a:tc>
+                <a:tc rowSpan="2">
+                  <a:txBody>
+                    <a:bodyPr/>
+                    <a:lstStyle/>
+                    <a:p>
+                      <a:pPr marL="36000" algn="l" fontAlgn="t"/>
+                      <a:r>
+                        <a:rPr lang="ru-RU" sz="1200" b="1" u="none" strike="noStrike" dirty="0">
+                          <a:effectLst/>
+                        </a:rPr>
+                        <a:t>Отношения с клиентами</a:t>
+                      </a:r>
+                      <a:r>
+                        <a:rPr lang="ru-RU" sz="1200" u="none" strike="noStrike" dirty="0">
+                          <a:effectLst/>
+                        </a:rPr>
+                        <a:t/>
+                      </a:r>
+                      <a:br>
+                        <a:rPr lang="ru-RU" sz="1200" u="none" strike="noStrike" dirty="0">
+                          <a:effectLst/>
+                        </a:rPr>
+                      </a:br>
+                      <a:r>
+                        <a:rPr lang="ru-RU" sz="1200" u="none" strike="noStrike" dirty="0">
+                          <a:effectLst/>
+                        </a:rPr>
+                        <a:t>Отношения с клиентами доброжелательное, помощь при возникновении вопросов, претензий, пожеланий. Цена взаимодействия с клиентом - содержание менеджера по продажам. Регулярная организация мероприятий и собраний для жильцов , чтобы создать атмосферу взаимодействия и поддержки между жильцами.</a:t>
+                      </a:r>
+                      <a:endParaRPr lang="ru-RU" sz="1200" b="0" i="0" u="none" strike="noStrike" dirty="0">
+                        <a:solidFill>
+                          <a:srgbClr val="000000"/>
+                        </a:solidFill>
+                        <a:effectLst/>
+                        <a:latin typeface="Times New Roman" panose="02020603050405020304" pitchFamily="18" charset="0"/>
+                        <a:cs typeface="Times New Roman" panose="02020603050405020304" pitchFamily="18" charset="0"/>
+                      </a:endParaRPr>
+                    </a:p>
+                  </a:txBody>
+                  <a:tcPr marL="7932" marR="7932" marT="7932" marB="0">
+                    <a:lnL w="12700" cap="flat" cmpd="sng" algn="ctr">
+                      <a:solidFill>
+                        <a:schemeClr val="tx1"/>
+                      </a:solidFill>
+                      <a:prstDash val="solid"/>
+                      <a:round/>
+                      <a:headEnd type="none" w="med" len="med"/>
+                      <a:tailEnd type="none" w="med" len="med"/>
+                    </a:lnL>
+                    <a:lnR w="12700" cap="flat" cmpd="sng" algn="ctr">
+                      <a:solidFill>
+                        <a:schemeClr val="tx1"/>
+                      </a:solidFill>
+                      <a:prstDash val="solid"/>
+                      <a:round/>
+                      <a:headEnd type="none" w="med" len="med"/>
+                      <a:tailEnd type="none" w="med" len="med"/>
+                    </a:lnR>
+                    <a:lnT w="12700" cap="flat" cmpd="sng" algn="ctr">
+                      <a:solidFill>
+                        <a:schemeClr val="tx1"/>
+                      </a:solidFill>
+                      <a:prstDash val="solid"/>
+                      <a:round/>
+                      <a:headEnd type="none" w="med" len="med"/>
+                      <a:tailEnd type="none" w="med" len="med"/>
+                    </a:lnT>
+                    <a:lnB w="12700" cap="flat" cmpd="sng" algn="ctr">
+                      <a:solidFill>
+                        <a:schemeClr val="tx1"/>
+                      </a:solidFill>
+                      <a:prstDash val="solid"/>
+                      <a:round/>
+                      <a:headEnd type="none" w="med" len="med"/>
+                      <a:tailEnd type="none" w="med" len="med"/>
+                    </a:lnB>
+                  </a:tcPr>
+                </a:tc>
+                <a:tc rowSpan="2">
+                  <a:txBody>
+                    <a:bodyPr/>
+                    <a:lstStyle/>
+                    <a:p>
+                      <a:pPr marL="36000" algn="l" fontAlgn="t"/>
+                      <a:r>
+                        <a:rPr lang="ru-RU" sz="1200" b="1" u="none" strike="noStrike" dirty="0">
+                          <a:effectLst/>
+                        </a:rPr>
+                        <a:t>Сегменты клиентов</a:t>
+                      </a:r>
+                      <a:br>
+                        <a:rPr lang="ru-RU" sz="1200" b="1" u="none" strike="noStrike" dirty="0">
+                          <a:effectLst/>
+                        </a:rPr>
+                      </a:br>
+                      <a:r>
+                        <a:rPr lang="ru-RU" sz="1200" u="none" strike="noStrike" dirty="0">
+                          <a:effectLst/>
+                        </a:rPr>
+                        <a:t>Клиенты - люди всех возрастов, (семьи без детей или с 1 ребенком), однако преимущественно молодые люди. </a:t>
+                      </a:r>
+                      <a:endParaRPr lang="ru-RU" sz="1200" b="0" i="0" u="none" strike="noStrike" dirty="0">
+                        <a:solidFill>
+                          <a:srgbClr val="000000"/>
+                        </a:solidFill>
+                        <a:effectLst/>
+                        <a:latin typeface="Times New Roman" panose="02020603050405020304" pitchFamily="18" charset="0"/>
+                        <a:cs typeface="Times New Roman" panose="02020603050405020304" pitchFamily="18" charset="0"/>
+                      </a:endParaRPr>
+                    </a:p>
+                  </a:txBody>
+                  <a:tcPr marL="7932" marR="7932" marT="7932" marB="0">
+                    <a:lnL w="12700" cap="flat" cmpd="sng" algn="ctr">
+                      <a:solidFill>
+                        <a:schemeClr val="tx1"/>
+                      </a:solidFill>
+                      <a:prstDash val="solid"/>
+                      <a:round/>
+                      <a:headEnd type="none" w="med" len="med"/>
+                      <a:tailEnd type="none" w="med" len="med"/>
+                    </a:lnL>
+                    <a:lnR w="12700" cap="flat" cmpd="sng" algn="ctr">
+                      <a:solidFill>
+                        <a:schemeClr val="tx1"/>
+                      </a:solidFill>
+                      <a:prstDash val="solid"/>
+                      <a:round/>
+                      <a:headEnd type="none" w="med" len="med"/>
+                      <a:tailEnd type="none" w="med" len="med"/>
+                    </a:lnR>
+                    <a:lnT w="12700" cap="flat" cmpd="sng" algn="ctr">
+                      <a:solidFill>
+                        <a:schemeClr val="tx1"/>
+                      </a:solidFill>
+                      <a:prstDash val="solid"/>
+                      <a:round/>
+                      <a:headEnd type="none" w="med" len="med"/>
+                      <a:tailEnd type="none" w="med" len="med"/>
+                    </a:lnT>
+                    <a:lnB w="12700" cap="flat" cmpd="sng" algn="ctr">
+                      <a:solidFill>
+                        <a:schemeClr val="tx1"/>
+                      </a:solidFill>
+                      <a:prstDash val="solid"/>
+                      <a:round/>
+                      <a:headEnd type="none" w="med" len="med"/>
+                      <a:tailEnd type="none" w="med" len="med"/>
+                    </a:lnB>
+                  </a:tcPr>
+                </a:tc>
+                <a:extLst>
+                  <a:ext uri="{0D108BD9-81ED-4DB2-BD59-A6C34878D82A}">
+                    <a16:rowId xmlns:a16="http://schemas.microsoft.com/office/drawing/2014/main" val="333090062"/>
+                  </a:ext>
+                </a:extLst>
+              </a:tr>
+              <a:tr h="1680183">
+                <a:tc vMerge="1">
+                  <a:txBody>
+                    <a:bodyPr/>
+                    <a:lstStyle/>
+                    <a:p>
+                      <a:endParaRPr lang="ru-RU"/>
+                    </a:p>
+                  </a:txBody>
+                  <a:tcPr/>
+                </a:tc>
+                <a:tc>
+                  <a:txBody>
+                    <a:bodyPr/>
+                    <a:lstStyle/>
+                    <a:p>
+                      <a:pPr marL="36000" algn="l" fontAlgn="t"/>
+                      <a:r>
+                        <a:rPr lang="ru-RU" sz="1200" b="1" u="none" strike="noStrike" dirty="0">
+                          <a:effectLst/>
+                        </a:rPr>
+                        <a:t>Основные ресурсы </a:t>
+                      </a:r>
+                      <a:r>
+                        <a:rPr lang="ru-RU" sz="1200" u="none" strike="noStrike" dirty="0">
+                          <a:effectLst/>
+                        </a:rPr>
+                        <a:t>Строительная техника, стройматериалы, рабочая сила, (в том числе строители, разработчики, контролеры), логистика, земельный участок, бюджет, время</a:t>
+                      </a:r>
+                      <a:br>
+                        <a:rPr lang="ru-RU" sz="1200" u="none" strike="noStrike" dirty="0">
+                          <a:effectLst/>
+                        </a:rPr>
+                      </a:br>
+                      <a:endParaRPr lang="ru-RU" sz="1200" b="0" i="0" u="none" strike="noStrike" dirty="0">
+                        <a:solidFill>
+                          <a:srgbClr val="000000"/>
+                        </a:solidFill>
+                        <a:effectLst/>
+                        <a:latin typeface="Times New Roman" panose="02020603050405020304" pitchFamily="18" charset="0"/>
+                        <a:cs typeface="Times New Roman" panose="02020603050405020304" pitchFamily="18" charset="0"/>
+                      </a:endParaRPr>
+                    </a:p>
+                  </a:txBody>
+                  <a:tcPr marL="7932" marR="7932" marT="7932" marB="0">
+                    <a:lnL w="12700" cap="flat" cmpd="sng" algn="ctr">
+                      <a:solidFill>
+                        <a:schemeClr val="tx1"/>
+                      </a:solidFill>
+                      <a:prstDash val="solid"/>
+                      <a:round/>
+                      <a:headEnd type="none" w="med" len="med"/>
+                      <a:tailEnd type="none" w="med" len="med"/>
+                    </a:lnL>
+                    <a:lnR w="12700" cap="flat" cmpd="sng" algn="ctr">
+                      <a:solidFill>
+                        <a:schemeClr val="tx1"/>
+                      </a:solidFill>
+                      <a:prstDash val="solid"/>
+                      <a:round/>
+                      <a:headEnd type="none" w="med" len="med"/>
+                      <a:tailEnd type="none" w="med" len="med"/>
+                    </a:lnR>
+                    <a:lnT w="12700" cap="flat" cmpd="sng" algn="ctr">
+                      <a:solidFill>
+                        <a:schemeClr val="tx1"/>
+                      </a:solidFill>
+                      <a:prstDash val="solid"/>
+                      <a:round/>
+                      <a:headEnd type="none" w="med" len="med"/>
+                      <a:tailEnd type="none" w="med" len="med"/>
+                    </a:lnT>
+                    <a:lnB w="12700" cap="flat" cmpd="sng" algn="ctr">
+                      <a:solidFill>
+                        <a:schemeClr val="tx1"/>
+                      </a:solidFill>
+                      <a:prstDash val="solid"/>
+                      <a:round/>
+                      <a:headEnd type="none" w="med" len="med"/>
+                      <a:tailEnd type="none" w="med" len="med"/>
+                    </a:lnB>
+                  </a:tcPr>
+                </a:tc>
+                <a:tc vMerge="1">
+                  <a:txBody>
+                    <a:bodyPr/>
+                    <a:lstStyle/>
+                    <a:p>
+                      <a:endParaRPr lang="ru-RU"/>
+                    </a:p>
+                  </a:txBody>
+                  <a:tcPr/>
+                </a:tc>
+                <a:tc vMerge="1">
+                  <a:txBody>
+                    <a:bodyPr/>
+                    <a:lstStyle/>
+                    <a:p>
+                      <a:endParaRPr lang="ru-RU"/>
+                    </a:p>
+                  </a:txBody>
+                  <a:tcPr/>
+                </a:tc>
+                <a:tc vMerge="1">
+                  <a:txBody>
+                    <a:bodyPr/>
+                    <a:lstStyle/>
+                    <a:p>
+                      <a:endParaRPr lang="ru-RU"/>
+                    </a:p>
+                  </a:txBody>
+                  <a:tcPr/>
+                </a:tc>
+                <a:extLst>
+                  <a:ext uri="{0D108BD9-81ED-4DB2-BD59-A6C34878D82A}">
+                    <a16:rowId xmlns:a16="http://schemas.microsoft.com/office/drawing/2014/main" val="2033577681"/>
+                  </a:ext>
+                </a:extLst>
+              </a:tr>
+              <a:tr h="1011908">
+                <a:tc gridSpan="3">
+                  <a:txBody>
+                    <a:bodyPr/>
+                    <a:lstStyle/>
+                    <a:p>
+                      <a:pPr marL="36000" algn="l" fontAlgn="t"/>
+                      <a:r>
+                        <a:rPr lang="ru-RU" sz="1200" b="1" u="none" strike="noStrike" dirty="0">
+                          <a:effectLst/>
+                        </a:rPr>
+                        <a:t>Структура расходов</a:t>
+                      </a:r>
+                      <a:r>
+                        <a:rPr lang="ru-RU" sz="1200" u="none" strike="noStrike" dirty="0">
+                          <a:effectLst/>
+                        </a:rPr>
+                        <a:t/>
+                      </a:r>
+                      <a:br>
+                        <a:rPr lang="ru-RU" sz="1200" u="none" strike="noStrike" dirty="0">
+                          <a:effectLst/>
+                        </a:rPr>
+                      </a:br>
+                      <a:r>
+                        <a:rPr lang="ru-RU" sz="1200" u="none" strike="noStrike" dirty="0">
+                          <a:effectLst/>
+                        </a:rPr>
+                        <a:t>Расходы на строительные материалы, сотрудников, информационное обеспечение, логистику, земельный участок, технику, реклама.</a:t>
+                      </a:r>
+                      <a:endParaRPr lang="ru-RU" sz="1200" b="0" i="0" u="none" strike="noStrike" dirty="0">
+                        <a:solidFill>
+                          <a:srgbClr val="000000"/>
+                        </a:solidFill>
+                        <a:effectLst/>
+                        <a:latin typeface="Times New Roman" panose="02020603050405020304" pitchFamily="18" charset="0"/>
+                        <a:cs typeface="Times New Roman" panose="02020603050405020304" pitchFamily="18" charset="0"/>
+                      </a:endParaRPr>
+                    </a:p>
+                  </a:txBody>
+                  <a:tcPr marL="7932" marR="7932" marT="7932" marB="0">
+                    <a:lnL w="12700" cap="flat" cmpd="sng" algn="ctr">
+                      <a:solidFill>
+                        <a:schemeClr val="tx1"/>
+                      </a:solidFill>
+                      <a:prstDash val="solid"/>
+                      <a:round/>
+                      <a:headEnd type="none" w="med" len="med"/>
+                      <a:tailEnd type="none" w="med" len="med"/>
+                    </a:lnL>
+                    <a:lnR w="12700" cap="flat" cmpd="sng" algn="ctr">
+                      <a:solidFill>
+                        <a:schemeClr val="tx1"/>
+                      </a:solidFill>
+                      <a:prstDash val="solid"/>
+                      <a:round/>
+                      <a:headEnd type="none" w="med" len="med"/>
+                      <a:tailEnd type="none" w="med" len="med"/>
+                    </a:lnR>
+                    <a:lnT w="12700" cap="flat" cmpd="sng" algn="ctr">
+                      <a:solidFill>
+                        <a:schemeClr val="tx1"/>
+                      </a:solidFill>
+                      <a:prstDash val="solid"/>
+                      <a:round/>
+                      <a:headEnd type="none" w="med" len="med"/>
+                      <a:tailEnd type="none" w="med" len="med"/>
+                    </a:lnT>
+                    <a:lnB w="12700" cap="flat" cmpd="sng" algn="ctr">
+                      <a:solidFill>
+                        <a:schemeClr val="tx1"/>
+                      </a:solidFill>
+                      <a:prstDash val="solid"/>
+                      <a:round/>
+                      <a:headEnd type="none" w="med" len="med"/>
+                      <a:tailEnd type="none" w="med" len="med"/>
+                    </a:lnB>
+                  </a:tcPr>
+                </a:tc>
+                <a:tc hMerge="1">
+                  <a:txBody>
+                    <a:bodyPr/>
+                    <a:lstStyle/>
+                    <a:p>
+                      <a:endParaRPr lang="ru-RU"/>
+                    </a:p>
+                  </a:txBody>
+                  <a:tcPr/>
+                </a:tc>
+                <a:tc hMerge="1">
+                  <a:txBody>
+                    <a:bodyPr/>
+                    <a:lstStyle/>
+                    <a:p>
+                      <a:endParaRPr lang="ru-RU"/>
+                    </a:p>
+                  </a:txBody>
+                  <a:tcPr/>
+                </a:tc>
+                <a:tc gridSpan="2">
+                  <a:txBody>
+                    <a:bodyPr/>
+                    <a:lstStyle/>
+                    <a:p>
+                      <a:pPr marL="36000" algn="l" fontAlgn="t"/>
+                      <a:r>
+                        <a:rPr lang="ru-RU" sz="1200" b="1" u="none" strike="noStrike" dirty="0">
+                          <a:effectLst/>
+                        </a:rPr>
+                        <a:t>Потоки выручки</a:t>
+                      </a:r>
+                      <a:r>
+                        <a:rPr lang="ru-RU" sz="1200" u="none" strike="noStrike" dirty="0">
+                          <a:effectLst/>
+                        </a:rPr>
+                        <a:t/>
+                      </a:r>
+                      <a:br>
+                        <a:rPr lang="ru-RU" sz="1200" u="none" strike="noStrike" dirty="0">
+                          <a:effectLst/>
+                        </a:rPr>
+                      </a:br>
+                      <a:r>
+                        <a:rPr lang="ru-RU" sz="1200" u="none" strike="noStrike" dirty="0">
+                          <a:effectLst/>
+                        </a:rPr>
+                        <a:t>Прибыль </a:t>
+                      </a:r>
+                      <a:r>
+                        <a:rPr lang="ru-RU" sz="1200" u="none" strike="noStrike" dirty="0" smtClean="0">
+                          <a:effectLst/>
+                        </a:rPr>
+                        <a:t>от </a:t>
+                      </a:r>
+                      <a:r>
+                        <a:rPr lang="ru-RU" sz="1200" u="none" strike="noStrike" dirty="0">
+                          <a:effectLst/>
+                        </a:rPr>
+                        <a:t>продажи квартир. Цена квартир будет зависеть от площади, этажа и выбранной отделки. Сдача в аренду коммерческих помещений на первом этаже. Предоставление дополнительных услуг для жильцов (например, уборка, консьерж-сервис и т. д.).</a:t>
+                      </a:r>
+                      <a:endParaRPr lang="ru-RU" sz="1200" b="0" i="0" u="none" strike="noStrike" dirty="0">
+                        <a:solidFill>
+                          <a:srgbClr val="000000"/>
+                        </a:solidFill>
+                        <a:effectLst/>
+                        <a:latin typeface="Times New Roman" panose="02020603050405020304" pitchFamily="18" charset="0"/>
+                        <a:cs typeface="Times New Roman" panose="02020603050405020304" pitchFamily="18" charset="0"/>
+                      </a:endParaRPr>
+                    </a:p>
+                  </a:txBody>
+                  <a:tcPr marL="7932" marR="7932" marT="7932" marB="0">
+                    <a:lnL w="12700" cap="flat" cmpd="sng" algn="ctr">
+                      <a:solidFill>
+                        <a:schemeClr val="tx1"/>
+                      </a:solidFill>
+                      <a:prstDash val="solid"/>
+                      <a:round/>
+                      <a:headEnd type="none" w="med" len="med"/>
+                      <a:tailEnd type="none" w="med" len="med"/>
+                    </a:lnL>
+                    <a:lnR w="12700" cap="flat" cmpd="sng" algn="ctr">
+                      <a:solidFill>
+                        <a:schemeClr val="tx1"/>
+                      </a:solidFill>
+                      <a:prstDash val="solid"/>
+                      <a:round/>
+                      <a:headEnd type="none" w="med" len="med"/>
+                      <a:tailEnd type="none" w="med" len="med"/>
+                    </a:lnR>
+                    <a:lnT w="12700" cap="flat" cmpd="sng" algn="ctr">
+                      <a:solidFill>
+                        <a:schemeClr val="tx1"/>
+                      </a:solidFill>
+                      <a:prstDash val="solid"/>
+                      <a:round/>
+                      <a:headEnd type="none" w="med" len="med"/>
+                      <a:tailEnd type="none" w="med" len="med"/>
+                    </a:lnT>
+                    <a:lnB w="12700" cap="flat" cmpd="sng" algn="ctr">
+                      <a:solidFill>
+                        <a:schemeClr val="tx1"/>
+                      </a:solidFill>
+                      <a:prstDash val="solid"/>
+                      <a:round/>
+                      <a:headEnd type="none" w="med" len="med"/>
+                      <a:tailEnd type="none" w="med" len="med"/>
+                    </a:lnB>
+                  </a:tcPr>
+                </a:tc>
+                <a:tc hMerge="1">
+                  <a:txBody>
+                    <a:bodyPr/>
+                    <a:lstStyle/>
+                    <a:p>
+                      <a:endParaRPr lang="ru-RU"/>
+                    </a:p>
+                  </a:txBody>
+                  <a:tcPr/>
+                </a:tc>
+                <a:extLst>
+                  <a:ext uri="{0D108BD9-81ED-4DB2-BD59-A6C34878D82A}">
+                    <a16:rowId xmlns:a16="http://schemas.microsoft.com/office/drawing/2014/main" val="530682151"/>
+                  </a:ext>
+                </a:extLst>
+              </a:tr>
+            </a:tbl>
+          </a:graphicData>
+        </a:graphic>
+      </p:graphicFrame>
     </p:spTree>
     <p:extLst>
       <p:ext uri="{BB962C8B-B14F-4D97-AF65-F5344CB8AC3E}">
@@ -3150,6 +5077,13 @@
   <p:clrMapOvr>
     <a:masterClrMapping/>
   </p:clrMapOvr>
+  <p:timing>
+    <p:tnLst>
+      <p:par>
+        <p:cTn id="1" dur="indefinite" restart="never" nodeType="tmRoot"/>
+      </p:par>
+    </p:tnLst>
+  </p:timing>
 </p:sld>
 </file>
 
@@ -3180,14 +5114,27 @@
             <p:ph type="title"/>
           </p:nvPr>
         </p:nvSpPr>
-        <p:spPr/>
+        <p:spPr>
+          <a:xfrm>
+            <a:off x="2231136" y="273317"/>
+            <a:ext cx="7729728" cy="1188720"/>
+          </a:xfrm>
+        </p:spPr>
         <p:txBody>
           <a:bodyPr/>
           <a:lstStyle/>
           <a:p>
             <a:r>
-              <a:rPr lang="ru-RU" dirty="0" err="1" smtClean="0"/>
-              <a:t>Лендинг</a:t>
+              <a:rPr lang="ru-RU" dirty="0" smtClean="0"/>
+              <a:t>ЖК </a:t>
+            </a:r>
+            <a:r>
+              <a:rPr lang="ru-RU" dirty="0"/>
+              <a:t>“АВИАТОР</a:t>
+            </a:r>
+            <a:r>
+              <a:rPr lang="ru-RU" dirty="0" smtClean="0"/>
+              <a:t>”</a:t>
             </a:r>
             <a:endParaRPr lang="ru-RU" dirty="0"/>
           </a:p>
@@ -3208,10 +5155,106 @@
           <a:bodyPr/>
           <a:lstStyle/>
           <a:p>
-            <a:endParaRPr lang="ru-RU"/>
-          </a:p>
-        </p:txBody>
-      </p:sp>
+            <a:endParaRPr lang="ru-RU" dirty="0"/>
+          </a:p>
+        </p:txBody>
+      </p:sp>
+      <p:pic>
+        <p:nvPicPr>
+          <p:cNvPr id="5" name="Рисунок 4"/>
+          <p:cNvPicPr>
+            <a:picLocks noChangeAspect="1"/>
+          </p:cNvPicPr>
+          <p:nvPr/>
+        </p:nvPicPr>
+        <p:blipFill>
+          <a:blip r:embed="rId3"/>
+          <a:stretch>
+            <a:fillRect/>
+          </a:stretch>
+        </p:blipFill>
+        <p:spPr>
+          <a:xfrm>
+            <a:off x="517585" y="1603179"/>
+            <a:ext cx="4937394" cy="2585856"/>
+          </a:xfrm>
+          <a:prstGeom prst="rect">
+            <a:avLst/>
+          </a:prstGeom>
+        </p:spPr>
+      </p:pic>
+      <p:pic>
+        <p:nvPicPr>
+          <p:cNvPr id="6" name="Рисунок 5"/>
+          <p:cNvPicPr>
+            <a:picLocks noChangeAspect="1"/>
+          </p:cNvPicPr>
+          <p:nvPr/>
+        </p:nvPicPr>
+        <p:blipFill>
+          <a:blip r:embed="rId4"/>
+          <a:stretch>
+            <a:fillRect/>
+          </a:stretch>
+        </p:blipFill>
+        <p:spPr>
+          <a:xfrm>
+            <a:off x="6392161" y="1600359"/>
+            <a:ext cx="4836206" cy="2585856"/>
+          </a:xfrm>
+          <a:prstGeom prst="rect">
+            <a:avLst/>
+          </a:prstGeom>
+        </p:spPr>
+      </p:pic>
+      <p:pic>
+        <p:nvPicPr>
+          <p:cNvPr id="8" name="Рисунок 7"/>
+          <p:cNvPicPr>
+            <a:picLocks noChangeAspect="1"/>
+          </p:cNvPicPr>
+          <p:nvPr/>
+        </p:nvPicPr>
+        <p:blipFill>
+          <a:blip r:embed="rId5"/>
+          <a:stretch>
+            <a:fillRect/>
+          </a:stretch>
+        </p:blipFill>
+        <p:spPr>
+          <a:xfrm>
+            <a:off x="6392161" y="4254687"/>
+            <a:ext cx="4836206" cy="2553582"/>
+          </a:xfrm>
+          <a:prstGeom prst="rect">
+            <a:avLst/>
+          </a:prstGeom>
+        </p:spPr>
+      </p:pic>
+      <p:pic>
+        <p:nvPicPr>
+          <p:cNvPr id="9" name="Рисунок 8"/>
+          <p:cNvPicPr>
+            <a:picLocks noChangeAspect="1"/>
+          </p:cNvPicPr>
+          <p:nvPr/>
+        </p:nvPicPr>
+        <p:blipFill>
+          <a:blip r:embed="rId6"/>
+          <a:stretch>
+            <a:fillRect/>
+          </a:stretch>
+        </p:blipFill>
+        <p:spPr>
+          <a:xfrm>
+            <a:off x="560620" y="4254688"/>
+            <a:ext cx="4894359" cy="2553582"/>
+          </a:xfrm>
+          <a:prstGeom prst="rect">
+            <a:avLst/>
+          </a:prstGeom>
+        </p:spPr>
+      </p:pic>
     </p:spTree>
     <p:extLst>
       <p:ext uri="{BB962C8B-B14F-4D97-AF65-F5344CB8AC3E}">
@@ -3222,10 +5265,277 @@
   <p:clrMapOvr>
     <a:masterClrMapping/>
   </p:clrMapOvr>
+  <p:timing>
+    <p:tnLst>
+      <p:par>
+        <p:cTn id="1" dur="indefinite" restart="never" nodeType="tmRoot"/>
+      </p:par>
+    </p:tnLst>
+  </p:timing>
 </p:sld>
 </file>
 
 <file path=ppt/theme/theme1.xml><?xml version="1.0" encoding="utf-8"?>
+<a:theme xmlns:a="http://schemas.openxmlformats.org/drawingml/2006/main" name="Parcel">
+  <a:themeElements>
+    <a:clrScheme name="Parcel">
+      <a:dk1>
+        <a:srgbClr val="000000"/>
+      </a:dk1>
+      <a:lt1>
+        <a:srgbClr val="FFFFFF"/>
+      </a:lt1>
+      <a:dk2>
+        <a:srgbClr val="4A5356"/>
+      </a:dk2>
+      <a:lt2>
+        <a:srgbClr val="E8E3CE"/>
+      </a:lt2>
+      <a:accent1>
+        <a:srgbClr val="F6A21D"/>
+      </a:accent1>
+      <a:accent2>
+        <a:srgbClr val="9BAFB5"/>
+      </a:accent2>
+      <a:accent3>
+        <a:srgbClr val="C96731"/>
+      </a:accent3>
+      <a:accent4>
+        <a:srgbClr val="9CA383"/>
+      </a:accent4>
+      <a:accent5>
+        <a:srgbClr val="87795D"/>
+      </a:accent5>
+      <a:accent6>
+        <a:srgbClr val="A0988C"/>
+      </a:accent6>
+      <a:hlink>
+        <a:srgbClr val="00B0F0"/>
+      </a:hlink>
+      <a:folHlink>
+        <a:srgbClr val="738F97"/>
+      </a:folHlink>
+    </a:clrScheme>
+    <a:fontScheme name="Parcel">
+      <a:majorFont>
+        <a:latin typeface="Gill Sans MT" panose="020B0502020104020203"/>
+        <a:ea typeface=""/>
+        <a:cs typeface=""/>
+        <a:font script="Grek" typeface="Corbel"/>
+        <a:font script="Cyrl" typeface="Corbel"/>
+        <a:font script="Jpan" typeface="HGｺﾞｼｯｸE"/>
+        <a:font script="Hang" typeface="휴먼매직체"/>
+        <a:font script="Hans" typeface="华文中宋"/>
+        <a:font script="Hant" typeface="微軟正黑體"/>
+        <a:font script="Arab" typeface="Majalla UI"/>
+        <a:font script="Hebr" typeface="Arial"/>
+        <a:font script="Thai" typeface="Cordia New"/>
+        <a:font script="Ethi" typeface="Nyala"/>
+        <a:font script="Beng" typeface="Vrinda"/>
+        <a:font script="Gujr" typeface="Shruti"/>
+        <a:font script="Khmr" typeface="DaunPenh"/>
+        <a:font script="Knda" typeface="Tunga"/>
+        <a:font script="Guru" typeface="Raavi"/>
+        <a:font script="Cans" typeface="Euphemia"/>
+        <a:font script="Cher" typeface="Plantagenet Cherokee"/>
+        <a:font script="Yiii" typeface="Microsoft Yi Baiti"/>
+        <a:font script="Tibt" typeface="Microsoft Himalaya"/>
+        <a:font script="Thaa" typeface="MV Boli"/>
+        <a:font script="Deva" typeface="Mangal"/>
+        <a:font script="Telu" typeface="Gautami"/>
+        <a:font script="Taml" typeface="Latha"/>
+        <a:font script="Syrc" typeface="Estrangelo Edessa"/>
+        <a:font script="Orya" typeface="Kalinga"/>
+        <a:font script="Mlym" typeface="Kartika"/>
+        <a:font script="Laoo" typeface="DokChampa"/>
+        <a:font script="Sinh" typeface="Iskoola Pota"/>
+        <a:font script="Mong" typeface="Mongolian Baiti"/>
+        <a:font script="Viet" typeface="Tahoma"/>
+        <a:font script="Uigh" typeface="Microsoft Uighur"/>
+        <a:font script="Geor" typeface="Sylfaen"/>
+      </a:majorFont>
+      <a:minorFont>
+        <a:latin typeface="Gill Sans MT" panose="020B0502020104020203"/>
+        <a:ea typeface=""/>
+        <a:cs typeface=""/>
+        <a:font script="Grek" typeface="Corbel"/>
+        <a:font script="Cyrl" typeface="Corbel"/>
+        <a:font script="Jpan" typeface="HGｺﾞｼｯｸE"/>
+        <a:font script="Hang" typeface="휴먼매직체"/>
+        <a:font script="Hans" typeface="华文中宋"/>
+        <a:font script="Hant" typeface="微軟正黑體"/>
+        <a:font script="Arab" typeface="Majalla UI"/>
+        <a:font script="Hebr" typeface="Arial"/>
+        <a:font script="Thai" typeface="Cordia New"/>
+        <a:font script="Ethi" typeface="Nyala"/>
+        <a:font script="Beng" typeface="Vrinda"/>
+        <a:font script="Gujr" typeface="Shruti"/>
+        <a:font script="Khmr" typeface="DaunPenh"/>
+        <a:font script="Knda" typeface="Tunga"/>
+        <a:font script="Guru" typeface="Raavi"/>
+        <a:font script="Cans" typeface="Euphemia"/>
+        <a:font script="Cher" typeface="Plantagenet Cherokee"/>
+        <a:font script="Yiii" typeface="Microsoft Yi Baiti"/>
+        <a:font script="Tibt" typeface="Microsoft Himalaya"/>
+        <a:font script="Thaa" typeface="MV Boli"/>
+        <a:font script="Deva" typeface="Mangal"/>
+        <a:font script="Telu" typeface="Gautami"/>
+        <a:font script="Taml" typeface="Latha"/>
+        <a:font script="Syrc" typeface="Estrangelo Edessa"/>
+        <a:font script="Orya" typeface="Kalinga"/>
+        <a:font script="Mlym" typeface="Kartika"/>
+        <a:font script="Laoo" typeface="DokChampa"/>
+        <a:font script="Sinh" typeface="Iskoola Pota"/>
+        <a:font script="Mong" typeface="Mongolian Baiti"/>
+        <a:font script="Viet" typeface="Tahoma"/>
+        <a:font script="Uigh" typeface="Microsoft Uighur"/>
+        <a:font script="Geor" typeface="Sylfaen"/>
+      </a:minorFont>
+    </a:fontScheme>
+    <a:fmtScheme name="Parcel">
+      <a:fillStyleLst>
+        <a:solidFill>
+          <a:schemeClr val="phClr"/>
+        </a:solidFill>
+        <a:gradFill rotWithShape="1">
+          <a:gsLst>
+            <a:gs pos="0">
+              <a:schemeClr val="phClr">
+                <a:tint val="80000"/>
+                <a:satMod val="107000"/>
+                <a:lumMod val="103000"/>
+              </a:schemeClr>
+            </a:gs>
+            <a:gs pos="100000">
+              <a:schemeClr val="phClr">
+                <a:tint val="82000"/>
+                <a:satMod val="109000"/>
+                <a:lumMod val="103000"/>
+              </a:schemeClr>
+            </a:gs>
+          </a:gsLst>
+          <a:lin ang="5400000" scaled="0"/>
+        </a:gradFill>
+        <a:gradFill rotWithShape="1">
+          <a:gsLst>
+            <a:gs pos="0">
+              <a:schemeClr val="phClr">
+                <a:tint val="97000"/>
+                <a:satMod val="100000"/>
+                <a:lumMod val="102000"/>
+              </a:schemeClr>
+            </a:gs>
+            <a:gs pos="50000">
+              <a:schemeClr val="phClr">
+                <a:shade val="100000"/>
+                <a:satMod val="103000"/>
+                <a:lumMod val="100000"/>
+              </a:schemeClr>
+            </a:gs>
+            <a:gs pos="100000">
+              <a:schemeClr val="phClr">
+                <a:shade val="93000"/>
+                <a:satMod val="110000"/>
+                <a:lumMod val="99000"/>
+              </a:schemeClr>
+            </a:gs>
+          </a:gsLst>
+          <a:lin ang="5400000" scaled="0"/>
+        </a:gradFill>
+      </a:fillStyleLst>
+      <a:lnStyleLst>
+        <a:ln w="6350" cap="flat" cmpd="sng" algn="ctr">
+          <a:solidFill>
+            <a:schemeClr val="phClr"/>
+          </a:solidFill>
+          <a:prstDash val="solid"/>
+        </a:ln>
+        <a:ln w="12700" cap="flat" cmpd="sng" algn="ctr">
+          <a:solidFill>
+            <a:schemeClr val="phClr"/>
+          </a:solidFill>
+          <a:prstDash val="solid"/>
+        </a:ln>
+        <a:ln w="31750" cap="flat" cmpd="sng" algn="ctr">
+          <a:solidFill>
+            <a:schemeClr val="phClr"/>
+          </a:solidFill>
+          <a:prstDash val="solid"/>
+        </a:ln>
+      </a:lnStyleLst>
+      <a:effectStyleLst>
+        <a:effectStyle>
+          <a:effectLst/>
+        </a:effectStyle>
+        <a:effectStyle>
+          <a:effectLst/>
+        </a:effectStyle>
+        <a:effectStyle>
+          <a:effectLst>
+            <a:outerShdw blurRad="55880" dist="15240" dir="5400000" algn="ctr" rotWithShape="0">
+              <a:srgbClr val="000000">
+                <a:alpha val="45000"/>
+              </a:srgbClr>
+            </a:outerShdw>
+          </a:effectLst>
+          <a:scene3d>
+            <a:camera prst="orthographicFront">
+              <a:rot lat="0" lon="0" rev="0"/>
+            </a:camera>
+            <a:lightRig rig="brightRoom" dir="tl"/>
+          </a:scene3d>
+          <a:sp3d prstMaterial="dkEdge">
+            <a:bevelT w="0" h="0"/>
+          </a:sp3d>
+        </a:effectStyle>
+      </a:effectStyleLst>
+      <a:bgFillStyleLst>
+        <a:solidFill>
+          <a:schemeClr val="phClr"/>
+        </a:solidFill>
+        <a:solidFill>
+          <a:schemeClr val="phClr">
+            <a:tint val="95000"/>
+            <a:satMod val="170000"/>
+          </a:schemeClr>
+        </a:solidFill>
+        <a:gradFill rotWithShape="1">
+          <a:gsLst>
+            <a:gs pos="0">
+              <a:schemeClr val="phClr">
+                <a:tint val="97000"/>
+                <a:shade val="100000"/>
+                <a:satMod val="185000"/>
+                <a:lumMod val="120000"/>
+              </a:schemeClr>
+            </a:gs>
+            <a:gs pos="100000">
+              <a:schemeClr val="phClr">
+                <a:tint val="96000"/>
+                <a:shade val="95000"/>
+                <a:satMod val="215000"/>
+                <a:lumMod val="80000"/>
+              </a:schemeClr>
+            </a:gs>
+          </a:gsLst>
+          <a:path path="circle">
+            <a:fillToRect l="50000" t="55000" r="125000" b="100000"/>
+          </a:path>
+        </a:gradFill>
+      </a:bgFillStyleLst>
+    </a:fmtScheme>
+  </a:themeElements>
+  <a:objectDefaults/>
+  <a:extraClrSchemeLst/>
+  <a:extLst>
+    <a:ext uri="{05A4C25C-085E-4340-85A3-A5531E510DB2}">
+      <thm15:themeFamily xmlns:thm15="http://schemas.microsoft.com/office/thememl/2012/main" name="Parcel" id="{8BEC4385-4EB9-4D53-BFB5-0EA123736B6D}" vid="{4DB32801-28C0-48B0-8C1D-A9A58613615A}"/>
+    </a:ext>
+  </a:extLst>
+</a:theme>
+</file>
+
+<file path=ppt/theme/theme2.xml><?xml version="1.0" encoding="utf-8"?>
 <a:theme xmlns:a="http://schemas.openxmlformats.org/drawingml/2006/main" name="Тема Office">
   <a:themeElements>
     <a:clrScheme name="Стандартная">

--- a/Бизнес-планирование в строительстве/Ценностное предложение.pptx
+++ b/Бизнес-планирование в строительстве/Ценностное предложение.pptx
@@ -5,12 +5,13 @@
     <p:sldMasterId id="2147483672" r:id="rId1"/>
   </p:sldMasterIdLst>
   <p:notesMasterIdLst>
-    <p:notesMasterId r:id="rId5"/>
+    <p:notesMasterId r:id="rId6"/>
   </p:notesMasterIdLst>
   <p:sldIdLst>
     <p:sldId id="256" r:id="rId2"/>
     <p:sldId id="257" r:id="rId3"/>
-    <p:sldId id="258" r:id="rId4"/>
+    <p:sldId id="259" r:id="rId4"/>
+    <p:sldId id="258" r:id="rId5"/>
   </p:sldIdLst>
   <p:sldSz cx="12192000" cy="6858000"/>
   <p:notesSz cx="6858000" cy="9144000"/>
@@ -199,7 +200,7 @@
           <a:p>
             <a:fld id="{F6D070A1-298A-43D6-A0AF-9A8B4E18F4DE}" type="datetimeFigureOut">
               <a:rPr lang="ru-RU" smtClean="0"/>
-              <a:t>03.10.2023</a:t>
+              <a:t>08.10.2023</a:t>
             </a:fld>
             <a:endParaRPr lang="ru-RU"/>
           </a:p>
@@ -616,7 +617,7 @@
           <a:p>
             <a:fld id="{373B8171-AA41-4730-8425-56C9328181B3}" type="slidenum">
               <a:rPr lang="ru-RU" smtClean="0"/>
-              <a:t>3</a:t>
+              <a:t>4</a:t>
             </a:fld>
             <a:endParaRPr lang="ru-RU"/>
           </a:p>
@@ -798,7 +799,7 @@
           <a:p>
             <a:fld id="{8DD1138F-4AFD-4355-8AE6-1C212826FCBF}" type="datetimeFigureOut">
               <a:rPr lang="ru-RU" smtClean="0"/>
-              <a:t>03.10.2023</a:t>
+              <a:t>08.10.2023</a:t>
             </a:fld>
             <a:endParaRPr lang="ru-RU"/>
           </a:p>
@@ -968,7 +969,7 @@
           <a:p>
             <a:fld id="{8DD1138F-4AFD-4355-8AE6-1C212826FCBF}" type="datetimeFigureOut">
               <a:rPr lang="ru-RU" smtClean="0"/>
-              <a:t>03.10.2023</a:t>
+              <a:t>08.10.2023</a:t>
             </a:fld>
             <a:endParaRPr lang="ru-RU"/>
           </a:p>
@@ -1148,7 +1149,7 @@
           <a:p>
             <a:fld id="{8DD1138F-4AFD-4355-8AE6-1C212826FCBF}" type="datetimeFigureOut">
               <a:rPr lang="ru-RU" smtClean="0"/>
-              <a:t>03.10.2023</a:t>
+              <a:t>08.10.2023</a:t>
             </a:fld>
             <a:endParaRPr lang="ru-RU"/>
           </a:p>
@@ -1318,7 +1319,7 @@
           <a:p>
             <a:fld id="{8DD1138F-4AFD-4355-8AE6-1C212826FCBF}" type="datetimeFigureOut">
               <a:rPr lang="ru-RU" smtClean="0"/>
-              <a:t>03.10.2023</a:t>
+              <a:t>08.10.2023</a:t>
             </a:fld>
             <a:endParaRPr lang="ru-RU"/>
           </a:p>
@@ -1586,7 +1587,7 @@
           <a:p>
             <a:fld id="{8DD1138F-4AFD-4355-8AE6-1C212826FCBF}" type="datetimeFigureOut">
               <a:rPr lang="ru-RU" smtClean="0"/>
-              <a:t>03.10.2023</a:t>
+              <a:t>08.10.2023</a:t>
             </a:fld>
             <a:endParaRPr lang="ru-RU"/>
           </a:p>
@@ -1818,7 +1819,7 @@
           <a:p>
             <a:fld id="{8DD1138F-4AFD-4355-8AE6-1C212826FCBF}" type="datetimeFigureOut">
               <a:rPr lang="ru-RU" smtClean="0"/>
-              <a:t>03.10.2023</a:t>
+              <a:t>08.10.2023</a:t>
             </a:fld>
             <a:endParaRPr lang="ru-RU"/>
           </a:p>
@@ -2177,7 +2178,7 @@
           <a:p>
             <a:fld id="{8DD1138F-4AFD-4355-8AE6-1C212826FCBF}" type="datetimeFigureOut">
               <a:rPr lang="ru-RU" smtClean="0"/>
-              <a:t>03.10.2023</a:t>
+              <a:t>08.10.2023</a:t>
             </a:fld>
             <a:endParaRPr lang="ru-RU"/>
           </a:p>
@@ -2318,7 +2319,7 @@
           <a:p>
             <a:fld id="{8DD1138F-4AFD-4355-8AE6-1C212826FCBF}" type="datetimeFigureOut">
               <a:rPr lang="ru-RU" smtClean="0"/>
-              <a:t>03.10.2023</a:t>
+              <a:t>08.10.2023</a:t>
             </a:fld>
             <a:endParaRPr lang="ru-RU"/>
           </a:p>
@@ -2413,7 +2414,7 @@
           <a:p>
             <a:fld id="{8DD1138F-4AFD-4355-8AE6-1C212826FCBF}" type="datetimeFigureOut">
               <a:rPr lang="ru-RU" smtClean="0"/>
-              <a:t>03.10.2023</a:t>
+              <a:t>08.10.2023</a:t>
             </a:fld>
             <a:endParaRPr lang="ru-RU"/>
           </a:p>
@@ -2770,7 +2771,7 @@
           <a:p>
             <a:fld id="{8DD1138F-4AFD-4355-8AE6-1C212826FCBF}" type="datetimeFigureOut">
               <a:rPr lang="ru-RU" smtClean="0"/>
-              <a:t>03.10.2023</a:t>
+              <a:t>08.10.2023</a:t>
             </a:fld>
             <a:endParaRPr lang="ru-RU"/>
           </a:p>
@@ -3127,7 +3128,7 @@
           <a:p>
             <a:fld id="{8DD1138F-4AFD-4355-8AE6-1C212826FCBF}" type="datetimeFigureOut">
               <a:rPr lang="ru-RU" smtClean="0"/>
-              <a:t>03.10.2023</a:t>
+              <a:t>08.10.2023</a:t>
             </a:fld>
             <a:endParaRPr lang="ru-RU"/>
           </a:p>
@@ -3368,7 +3369,7 @@
           <a:p>
             <a:fld id="{8DD1138F-4AFD-4355-8AE6-1C212826FCBF}" type="datetimeFigureOut">
               <a:rPr lang="ru-RU" smtClean="0"/>
-              <a:t>03.10.2023</a:t>
+              <a:t>08.10.2023</a:t>
             </a:fld>
             <a:endParaRPr lang="ru-RU"/>
           </a:p>
@@ -3841,10 +3842,16 @@
           <a:lstStyle/>
           <a:p>
             <a:r>
-              <a:rPr lang="ru-RU" dirty="0" smtClean="0"/>
+              <a:rPr lang="ru-RU" dirty="0" smtClean="0">
+                <a:latin typeface="Times New Roman" panose="02020603050405020304" pitchFamily="18" charset="0"/>
+                <a:cs typeface="Times New Roman" panose="02020603050405020304" pitchFamily="18" charset="0"/>
+              </a:rPr>
               <a:t>Ценностное предложение</a:t>
             </a:r>
-            <a:endParaRPr lang="ru-RU" dirty="0"/>
+            <a:endParaRPr lang="ru-RU" dirty="0">
+              <a:latin typeface="Times New Roman" panose="02020603050405020304" pitchFamily="18" charset="0"/>
+              <a:cs typeface="Times New Roman" panose="02020603050405020304" pitchFamily="18" charset="0"/>
+            </a:endParaRPr>
           </a:p>
         </p:txBody>
       </p:sp>
@@ -3860,8 +3867,8 @@
         </p:nvSpPr>
         <p:spPr>
           <a:xfrm>
-            <a:off x="927410" y="1680659"/>
-            <a:ext cx="10515600" cy="4920863"/>
+            <a:off x="556953" y="1620982"/>
+            <a:ext cx="11421687" cy="5045826"/>
           </a:xfrm>
         </p:spPr>
         <p:txBody>
@@ -3871,153 +3878,266 @@
           <a:lstStyle/>
           <a:p>
             <a:r>
-              <a:rPr lang="ru-RU" sz="2000" dirty="0"/>
-              <a:t>Постоянное видеонаблюдение и охрана ЖК</a:t>
-            </a:r>
-          </a:p>
-          <a:p>
-            <a:r>
-              <a:rPr lang="ru-RU" sz="2000" dirty="0" smtClean="0"/>
-              <a:t>Собственная </a:t>
-            </a:r>
-            <a:r>
-              <a:rPr lang="ru-RU" sz="2000" dirty="0" smtClean="0"/>
-              <a:t>квартира (кладовая, парковочное место</a:t>
-            </a:r>
-            <a:r>
-              <a:rPr lang="ru-RU" sz="2000" dirty="0" smtClean="0"/>
-              <a:t>)</a:t>
-            </a:r>
-          </a:p>
-          <a:p>
-            <a:r>
-              <a:rPr lang="ru-RU" sz="2000" dirty="0" smtClean="0"/>
+              <a:rPr lang="ru-RU" sz="2000" dirty="0" smtClean="0">
+                <a:latin typeface="Times New Roman" panose="02020603050405020304" pitchFamily="18" charset="0"/>
+                <a:cs typeface="Times New Roman" panose="02020603050405020304" pitchFamily="18" charset="0"/>
+              </a:rPr>
+              <a:t>Продажа: Квартира, кладовая</a:t>
+            </a:r>
+            <a:r>
+              <a:rPr lang="ru-RU" sz="2000" dirty="0">
+                <a:latin typeface="Times New Roman" panose="02020603050405020304" pitchFamily="18" charset="0"/>
+                <a:cs typeface="Times New Roman" panose="02020603050405020304" pitchFamily="18" charset="0"/>
+              </a:rPr>
+              <a:t>, парковочное </a:t>
+            </a:r>
+            <a:r>
+              <a:rPr lang="ru-RU" sz="2000" dirty="0" smtClean="0">
+                <a:latin typeface="Times New Roman" panose="02020603050405020304" pitchFamily="18" charset="0"/>
+                <a:cs typeface="Times New Roman" panose="02020603050405020304" pitchFamily="18" charset="0"/>
+              </a:rPr>
+              <a:t>место; Сдача в аренду: нежилые помещения 1 этажа</a:t>
+            </a:r>
+            <a:endParaRPr lang="ru-RU" sz="2000" dirty="0">
+              <a:latin typeface="Times New Roman" panose="02020603050405020304" pitchFamily="18" charset="0"/>
+              <a:cs typeface="Times New Roman" panose="02020603050405020304" pitchFamily="18" charset="0"/>
+            </a:endParaRPr>
+          </a:p>
+          <a:p>
+            <a:r>
+              <a:rPr lang="ru-RU" sz="2000" dirty="0" smtClean="0">
+                <a:latin typeface="Times New Roman" panose="02020603050405020304" pitchFamily="18" charset="0"/>
+                <a:cs typeface="Times New Roman" panose="02020603050405020304" pitchFamily="18" charset="0"/>
+              </a:rPr>
+              <a:t>Постоянное </a:t>
+            </a:r>
+            <a:r>
+              <a:rPr lang="ru-RU" sz="2000" dirty="0">
+                <a:latin typeface="Times New Roman" panose="02020603050405020304" pitchFamily="18" charset="0"/>
+                <a:cs typeface="Times New Roman" panose="02020603050405020304" pitchFamily="18" charset="0"/>
+              </a:rPr>
+              <a:t>видеонаблюдение и охрана ЖК</a:t>
+            </a:r>
+          </a:p>
+          <a:p>
+            <a:r>
+              <a:rPr lang="ru-RU" sz="2000" dirty="0" smtClean="0">
+                <a:latin typeface="Times New Roman" panose="02020603050405020304" pitchFamily="18" charset="0"/>
+                <a:cs typeface="Times New Roman" panose="02020603050405020304" pitchFamily="18" charset="0"/>
+              </a:rPr>
               <a:t>Оптимальное </a:t>
             </a:r>
             <a:r>
-              <a:rPr lang="ru-RU" sz="2000" dirty="0"/>
+              <a:rPr lang="ru-RU" sz="2000" dirty="0">
+                <a:latin typeface="Times New Roman" panose="02020603050405020304" pitchFamily="18" charset="0"/>
+                <a:cs typeface="Times New Roman" panose="02020603050405020304" pitchFamily="18" charset="0"/>
+              </a:rPr>
               <a:t>соотношение цены и качества</a:t>
             </a:r>
-            <a:endParaRPr lang="ru-RU" sz="2000" dirty="0" smtClean="0"/>
-          </a:p>
-          <a:p>
-            <a:r>
-              <a:rPr lang="ru-RU" sz="2000" dirty="0" smtClean="0"/>
-              <a:t>Уникальный </a:t>
-            </a:r>
-            <a:r>
-              <a:rPr lang="ru-RU" sz="2000" dirty="0"/>
-              <a:t>дизайн </a:t>
-            </a:r>
-            <a:r>
-              <a:rPr lang="ru-RU" sz="2000" dirty="0" smtClean="0"/>
-              <a:t>квартир</a:t>
-            </a:r>
-          </a:p>
-          <a:p>
-            <a:r>
-              <a:rPr lang="ru-RU" sz="2000" dirty="0"/>
+            <a:endParaRPr lang="ru-RU" sz="2000" dirty="0" smtClean="0">
+              <a:latin typeface="Times New Roman" panose="02020603050405020304" pitchFamily="18" charset="0"/>
+              <a:cs typeface="Times New Roman" panose="02020603050405020304" pitchFamily="18" charset="0"/>
+            </a:endParaRPr>
+          </a:p>
+          <a:p>
+            <a:r>
+              <a:rPr lang="ru-RU" sz="2000" dirty="0" smtClean="0">
+                <a:latin typeface="Times New Roman" panose="02020603050405020304" pitchFamily="18" charset="0"/>
+                <a:cs typeface="Times New Roman" panose="02020603050405020304" pitchFamily="18" charset="0"/>
+              </a:rPr>
+              <a:t>Квартиры </a:t>
+            </a:r>
+            <a:r>
+              <a:rPr lang="ru-RU" sz="2000" dirty="0">
+                <a:latin typeface="Times New Roman" panose="02020603050405020304" pitchFamily="18" charset="0"/>
+                <a:cs typeface="Times New Roman" panose="02020603050405020304" pitchFamily="18" charset="0"/>
+              </a:rPr>
+              <a:t>с черновой, </a:t>
+            </a:r>
+            <a:r>
+              <a:rPr lang="ru-RU" sz="2000" dirty="0" err="1">
+                <a:latin typeface="Times New Roman" panose="02020603050405020304" pitchFamily="18" charset="0"/>
+                <a:cs typeface="Times New Roman" panose="02020603050405020304" pitchFamily="18" charset="0"/>
+              </a:rPr>
+              <a:t>предчистовой</a:t>
+            </a:r>
+            <a:r>
+              <a:rPr lang="ru-RU" sz="2000" dirty="0">
+                <a:latin typeface="Times New Roman" panose="02020603050405020304" pitchFamily="18" charset="0"/>
+                <a:cs typeface="Times New Roman" panose="02020603050405020304" pitchFamily="18" charset="0"/>
+              </a:rPr>
+              <a:t> и чистовой </a:t>
+            </a:r>
+            <a:r>
+              <a:rPr lang="ru-RU" sz="2000" dirty="0" smtClean="0">
+                <a:latin typeface="Times New Roman" panose="02020603050405020304" pitchFamily="18" charset="0"/>
+                <a:cs typeface="Times New Roman" panose="02020603050405020304" pitchFamily="18" charset="0"/>
+              </a:rPr>
+              <a:t>отделкой</a:t>
+            </a:r>
+            <a:r>
+              <a:rPr lang="en-US" sz="2000" dirty="0" smtClean="0">
+                <a:latin typeface="Times New Roman" panose="02020603050405020304" pitchFamily="18" charset="0"/>
+                <a:cs typeface="Times New Roman" panose="02020603050405020304" pitchFamily="18" charset="0"/>
+              </a:rPr>
+              <a:t>, </a:t>
+            </a:r>
+            <a:r>
+              <a:rPr lang="ru-RU" sz="2000" dirty="0" smtClean="0">
+                <a:latin typeface="Times New Roman" panose="02020603050405020304" pitchFamily="18" charset="0"/>
+                <a:cs typeface="Times New Roman" panose="02020603050405020304" pitchFamily="18" charset="0"/>
+              </a:rPr>
+              <a:t>с желаемой конфигурацией комнат</a:t>
+            </a:r>
+          </a:p>
+          <a:p>
+            <a:r>
+              <a:rPr lang="ru-RU" sz="2000" dirty="0" smtClean="0">
+                <a:latin typeface="Times New Roman" panose="02020603050405020304" pitchFamily="18" charset="0"/>
+                <a:cs typeface="Times New Roman" panose="02020603050405020304" pitchFamily="18" charset="0"/>
+              </a:rPr>
+              <a:t>Панорамное </a:t>
+            </a:r>
+            <a:r>
+              <a:rPr lang="ru-RU" sz="2000" dirty="0">
+                <a:latin typeface="Times New Roman" panose="02020603050405020304" pitchFamily="18" charset="0"/>
+                <a:cs typeface="Times New Roman" panose="02020603050405020304" pitchFamily="18" charset="0"/>
+              </a:rPr>
+              <a:t>остекление с высокими </a:t>
+            </a:r>
+            <a:r>
+              <a:rPr lang="ru-RU" sz="2000" dirty="0" smtClean="0">
+                <a:latin typeface="Times New Roman" panose="02020603050405020304" pitchFamily="18" charset="0"/>
+                <a:cs typeface="Times New Roman" panose="02020603050405020304" pitchFamily="18" charset="0"/>
+              </a:rPr>
+              <a:t>окнами </a:t>
+            </a:r>
+            <a:r>
+              <a:rPr lang="ru-RU" sz="2000" dirty="0">
+                <a:latin typeface="Times New Roman" panose="02020603050405020304" pitchFamily="18" charset="0"/>
+                <a:cs typeface="Times New Roman" panose="02020603050405020304" pitchFamily="18" charset="0"/>
+              </a:rPr>
+              <a:t>визуально </a:t>
+            </a:r>
+            <a:r>
+              <a:rPr lang="ru-RU" sz="2000" dirty="0" smtClean="0">
+                <a:latin typeface="Times New Roman" panose="02020603050405020304" pitchFamily="18" charset="0"/>
+                <a:cs typeface="Times New Roman" panose="02020603050405020304" pitchFamily="18" charset="0"/>
+              </a:rPr>
+              <a:t>увеличивающими </a:t>
+            </a:r>
+            <a:r>
+              <a:rPr lang="ru-RU" sz="2000" dirty="0">
+                <a:latin typeface="Times New Roman" panose="02020603050405020304" pitchFamily="18" charset="0"/>
+                <a:cs typeface="Times New Roman" panose="02020603050405020304" pitchFamily="18" charset="0"/>
+              </a:rPr>
+              <a:t>пространство и </a:t>
+            </a:r>
+            <a:r>
+              <a:rPr lang="ru-RU" sz="2000" dirty="0" smtClean="0">
+                <a:latin typeface="Times New Roman" panose="02020603050405020304" pitchFamily="18" charset="0"/>
+                <a:cs typeface="Times New Roman" panose="02020603050405020304" pitchFamily="18" charset="0"/>
+              </a:rPr>
+              <a:t>наполняющими </a:t>
+            </a:r>
+            <a:r>
+              <a:rPr lang="ru-RU" sz="2000" dirty="0">
+                <a:latin typeface="Times New Roman" panose="02020603050405020304" pitchFamily="18" charset="0"/>
+                <a:cs typeface="Times New Roman" panose="02020603050405020304" pitchFamily="18" charset="0"/>
+              </a:rPr>
+              <a:t>комнату естественным </a:t>
+            </a:r>
+            <a:r>
+              <a:rPr lang="ru-RU" sz="2000" dirty="0" smtClean="0">
+                <a:latin typeface="Times New Roman" panose="02020603050405020304" pitchFamily="18" charset="0"/>
+                <a:cs typeface="Times New Roman" panose="02020603050405020304" pitchFamily="18" charset="0"/>
+              </a:rPr>
+              <a:t>светом</a:t>
+            </a:r>
+          </a:p>
+          <a:p>
+            <a:r>
+              <a:rPr lang="ru-RU" sz="2000" dirty="0">
+                <a:latin typeface="Times New Roman" panose="02020603050405020304" pitchFamily="18" charset="0"/>
+                <a:cs typeface="Times New Roman" panose="02020603050405020304" pitchFamily="18" charset="0"/>
+              </a:rPr>
               <a:t> </a:t>
             </a:r>
             <a:r>
-              <a:rPr lang="ru-RU" sz="2000" dirty="0" smtClean="0"/>
-              <a:t>Квартиры </a:t>
-            </a:r>
-            <a:r>
-              <a:rPr lang="ru-RU" sz="2000" dirty="0"/>
-              <a:t>с черновой, </a:t>
-            </a:r>
-            <a:r>
-              <a:rPr lang="ru-RU" sz="2000" dirty="0" err="1"/>
-              <a:t>предчистовой</a:t>
-            </a:r>
-            <a:r>
-              <a:rPr lang="ru-RU" sz="2000" dirty="0"/>
-              <a:t> и чистовой отделкой</a:t>
-            </a:r>
-            <a:endParaRPr lang="ru-RU" sz="2000" dirty="0" smtClean="0"/>
-          </a:p>
-          <a:p>
-            <a:r>
-              <a:rPr lang="ru-RU" sz="2000" dirty="0" smtClean="0"/>
-              <a:t>Панорамное </a:t>
-            </a:r>
-            <a:r>
-              <a:rPr lang="ru-RU" sz="2000" dirty="0"/>
-              <a:t>остекление с высокими </a:t>
-            </a:r>
-            <a:r>
-              <a:rPr lang="ru-RU" sz="2000" dirty="0" smtClean="0"/>
-              <a:t>окнами </a:t>
-            </a:r>
-            <a:r>
-              <a:rPr lang="ru-RU" sz="2000" dirty="0"/>
-              <a:t>визуально увеличивают пространство и наполняют комнату естественным </a:t>
-            </a:r>
-            <a:r>
-              <a:rPr lang="ru-RU" sz="2000" dirty="0" smtClean="0"/>
-              <a:t>светом</a:t>
-            </a:r>
-          </a:p>
-          <a:p>
-            <a:r>
-              <a:rPr lang="ru-RU" sz="2000" dirty="0"/>
-              <a:t> </a:t>
-            </a:r>
-            <a:r>
-              <a:rPr lang="ru-RU" sz="2000" dirty="0" smtClean="0"/>
+              <a:rPr lang="ru-RU" sz="2000" dirty="0" smtClean="0">
+                <a:latin typeface="Times New Roman" panose="02020603050405020304" pitchFamily="18" charset="0"/>
+                <a:cs typeface="Times New Roman" panose="02020603050405020304" pitchFamily="18" charset="0"/>
+              </a:rPr>
               <a:t>Помощь с </a:t>
             </a:r>
             <a:r>
-              <a:rPr lang="ru-RU" sz="2000" dirty="0"/>
-              <a:t>продажей старой недвижимости</a:t>
-            </a:r>
-            <a:endParaRPr lang="ru-RU" sz="2000" dirty="0" smtClean="0"/>
-          </a:p>
-          <a:p>
-            <a:r>
-              <a:rPr lang="ru-RU" sz="2000" dirty="0" smtClean="0"/>
-              <a:t>Закрытая территория двора с яблоневым садом, комфортной детской площадкой и общей зоной </a:t>
-            </a:r>
-            <a:r>
-              <a:rPr lang="ru-RU" sz="2000" dirty="0" smtClean="0"/>
-              <a:t>отдыха</a:t>
-            </a:r>
-          </a:p>
-          <a:p>
-            <a:r>
-              <a:rPr lang="ru-RU" sz="2000" dirty="0" smtClean="0"/>
-              <a:t>Подземный </a:t>
-            </a:r>
-            <a:r>
-              <a:rPr lang="ru-RU" sz="2000" dirty="0"/>
+              <a:rPr lang="ru-RU" sz="2000" dirty="0">
+                <a:latin typeface="Times New Roman" panose="02020603050405020304" pitchFamily="18" charset="0"/>
+                <a:cs typeface="Times New Roman" panose="02020603050405020304" pitchFamily="18" charset="0"/>
+              </a:rPr>
+              <a:t>продажей старой </a:t>
+            </a:r>
+            <a:r>
+              <a:rPr lang="ru-RU" sz="2000" dirty="0" smtClean="0">
+                <a:latin typeface="Times New Roman" panose="02020603050405020304" pitchFamily="18" charset="0"/>
+                <a:cs typeface="Times New Roman" panose="02020603050405020304" pitchFamily="18" charset="0"/>
+              </a:rPr>
+              <a:t>недвижимости </a:t>
+            </a:r>
+            <a:r>
+              <a:rPr lang="en-US" sz="2000" dirty="0" smtClean="0">
+                <a:latin typeface="Times New Roman" panose="02020603050405020304" pitchFamily="18" charset="0"/>
+                <a:cs typeface="Times New Roman" panose="02020603050405020304" pitchFamily="18" charset="0"/>
+              </a:rPr>
+              <a:t>(trade-in)</a:t>
+            </a:r>
+            <a:endParaRPr lang="ru-RU" sz="2000" dirty="0" smtClean="0">
+              <a:latin typeface="Times New Roman" panose="02020603050405020304" pitchFamily="18" charset="0"/>
+              <a:cs typeface="Times New Roman" panose="02020603050405020304" pitchFamily="18" charset="0"/>
+            </a:endParaRPr>
+          </a:p>
+          <a:p>
+            <a:r>
+              <a:rPr lang="ru-RU" sz="2000" dirty="0" smtClean="0">
+                <a:latin typeface="Times New Roman" panose="02020603050405020304" pitchFamily="18" charset="0"/>
+                <a:cs typeface="Times New Roman" panose="02020603050405020304" pitchFamily="18" charset="0"/>
+              </a:rPr>
+              <a:t>Закрытая территория двора с яблоневым садом, комфортной детской площадкой и общей зоной отдыха</a:t>
+            </a:r>
+          </a:p>
+          <a:p>
+            <a:r>
+              <a:rPr lang="ru-RU" sz="2000" dirty="0" smtClean="0">
+                <a:latin typeface="Times New Roman" panose="02020603050405020304" pitchFamily="18" charset="0"/>
+                <a:cs typeface="Times New Roman" panose="02020603050405020304" pitchFamily="18" charset="0"/>
+              </a:rPr>
+              <a:t>Близость </a:t>
+            </a:r>
+            <a:r>
+              <a:rPr lang="ru-RU" sz="2000" dirty="0" smtClean="0">
+                <a:latin typeface="Times New Roman" panose="02020603050405020304" pitchFamily="18" charset="0"/>
+                <a:cs typeface="Times New Roman" panose="02020603050405020304" pitchFamily="18" charset="0"/>
+              </a:rPr>
+              <a:t>к парку, детскому саду </a:t>
+            </a:r>
+            <a:r>
+              <a:rPr lang="ru-RU" sz="2000" dirty="0">
+                <a:latin typeface="Times New Roman" panose="02020603050405020304" pitchFamily="18" charset="0"/>
+                <a:cs typeface="Times New Roman" panose="02020603050405020304" pitchFamily="18" charset="0"/>
+              </a:rPr>
               <a:t>и </a:t>
             </a:r>
             <a:r>
-              <a:rPr lang="ru-RU" sz="2000" dirty="0" smtClean="0"/>
-              <a:t>наземный паркинг</a:t>
-            </a:r>
-            <a:endParaRPr lang="ru-RU" sz="2000" dirty="0" smtClean="0"/>
-          </a:p>
-          <a:p>
-            <a:r>
-              <a:rPr lang="ru-RU" sz="2000" dirty="0" smtClean="0"/>
-              <a:t>Близость </a:t>
-            </a:r>
-            <a:r>
-              <a:rPr lang="ru-RU" sz="2000" dirty="0" smtClean="0"/>
-              <a:t>к парку, доступность КАД в пяти минутах</a:t>
-            </a:r>
-            <a:endParaRPr lang="ru-RU" sz="2000" dirty="0"/>
-          </a:p>
-          <a:p>
-            <a:endParaRPr lang="ru-RU" dirty="0" smtClean="0"/>
-          </a:p>
-          <a:p>
-            <a:endParaRPr lang="ru-RU" dirty="0" smtClean="0"/>
-          </a:p>
-          <a:p>
-            <a:endParaRPr lang="ru-RU" dirty="0"/>
+              <a:rPr lang="ru-RU" sz="2000" dirty="0" smtClean="0">
+                <a:latin typeface="Times New Roman" panose="02020603050405020304" pitchFamily="18" charset="0"/>
+                <a:cs typeface="Times New Roman" panose="02020603050405020304" pitchFamily="18" charset="0"/>
+              </a:rPr>
+              <a:t>школе, доступность КАД в пяти минутах</a:t>
+            </a:r>
+            <a:endParaRPr lang="ru-RU" dirty="0">
+              <a:latin typeface="Times New Roman" panose="02020603050405020304" pitchFamily="18" charset="0"/>
+              <a:cs typeface="Times New Roman" panose="02020603050405020304" pitchFamily="18" charset="0"/>
+            </a:endParaRPr>
           </a:p>
         </p:txBody>
       </p:sp>
@@ -4063,7 +4183,7 @@
         </p:nvSpPr>
         <p:spPr>
           <a:xfrm>
-            <a:off x="2374243" y="227484"/>
+            <a:off x="2382556" y="152670"/>
             <a:ext cx="7729728" cy="1188720"/>
           </a:xfrm>
         </p:spPr>
@@ -4072,10 +4192,16 @@
           <a:lstStyle/>
           <a:p>
             <a:r>
-              <a:rPr lang="ru-RU" dirty="0" smtClean="0"/>
+              <a:rPr lang="ru-RU" dirty="0" smtClean="0">
+                <a:latin typeface="Times New Roman" panose="02020603050405020304" pitchFamily="18" charset="0"/>
+                <a:cs typeface="Times New Roman" panose="02020603050405020304" pitchFamily="18" charset="0"/>
+              </a:rPr>
               <a:t>Бизнес-модель</a:t>
             </a:r>
-            <a:endParaRPr lang="ru-RU" dirty="0"/>
+            <a:endParaRPr lang="ru-RU" dirty="0">
+              <a:latin typeface="Times New Roman" panose="02020603050405020304" pitchFamily="18" charset="0"/>
+              <a:cs typeface="Times New Roman" panose="02020603050405020304" pitchFamily="18" charset="0"/>
+            </a:endParaRPr>
           </a:p>
         </p:txBody>
       </p:sp>
@@ -4089,14 +4215,14 @@
             <p:ph idx="1"/>
             <p:extLst>
               <p:ext uri="{D42A27DB-BD31-4B8C-83A1-F6EECF244321}">
-                <p14:modId xmlns:p14="http://schemas.microsoft.com/office/powerpoint/2010/main" val="264527031"/>
+                <p14:modId xmlns:p14="http://schemas.microsoft.com/office/powerpoint/2010/main" val="480898528"/>
               </p:ext>
             </p:extLst>
           </p:nvPr>
         </p:nvGraphicFramePr>
         <p:xfrm>
-          <a:off x="624468" y="1501322"/>
-          <a:ext cx="11229278" cy="5260343"/>
+          <a:off x="499777" y="1416202"/>
+          <a:ext cx="11229278" cy="5358174"/>
         </p:xfrm>
         <a:graphic>
           <a:graphicData uri="http://schemas.openxmlformats.org/drawingml/2006/table">
@@ -4119,14 +4245,14 @@
                     </a:ext>
                   </a:extLst>
                 </a:gridCol>
-                <a:gridCol w="2221326">
+                <a:gridCol w="2163137">
                   <a:extLst>
                     <a:ext uri="{9D8B030D-6E8A-4147-A177-3AD203B41FA5}">
                       <a16:colId xmlns:a16="http://schemas.microsoft.com/office/drawing/2014/main" val="2390803828"/>
                     </a:ext>
                   </a:extLst>
                 </a:gridCol>
-                <a:gridCol w="2610442">
+                <a:gridCol w="2668631">
                   <a:extLst>
                     <a:ext uri="{9D8B030D-6E8A-4147-A177-3AD203B41FA5}">
                       <a16:colId xmlns:a16="http://schemas.microsoft.com/office/drawing/2014/main" val="951326885"/>
@@ -4141,7 +4267,7 @@
                   </a:extLst>
                 </a:gridCol>
               </a:tblGrid>
-              <a:tr h="2515528">
+              <a:tr h="2762880">
                 <a:tc rowSpan="2">
                   <a:txBody>
                     <a:bodyPr/>
@@ -4151,29 +4277,39 @@
                       <a:r>
                         <a:rPr lang="ru-RU" sz="1200" b="1" u="none" strike="noStrike" dirty="0">
                           <a:effectLst/>
+                          <a:latin typeface="Times New Roman" panose="02020603050405020304" pitchFamily="18" charset="0"/>
+                          <a:cs typeface="Times New Roman" panose="02020603050405020304" pitchFamily="18" charset="0"/>
                         </a:rPr>
                         <a:t>Основные партнеры</a:t>
                       </a:r>
                       <a:r>
                         <a:rPr lang="ru-RU" sz="1200" u="none" strike="noStrike" dirty="0">
                           <a:effectLst/>
+                          <a:latin typeface="Times New Roman" panose="02020603050405020304" pitchFamily="18" charset="0"/>
+                          <a:cs typeface="Times New Roman" panose="02020603050405020304" pitchFamily="18" charset="0"/>
                         </a:rPr>
                         <a:t/>
                       </a:r>
                       <a:br>
                         <a:rPr lang="ru-RU" sz="1200" u="none" strike="noStrike" dirty="0">
                           <a:effectLst/>
+                          <a:latin typeface="Times New Roman" panose="02020603050405020304" pitchFamily="18" charset="0"/>
+                          <a:cs typeface="Times New Roman" panose="02020603050405020304" pitchFamily="18" charset="0"/>
                         </a:rPr>
                       </a:br>
                       <a:r>
                         <a:rPr lang="ru-RU" sz="1200" u="none" strike="noStrike" dirty="0">
                           <a:effectLst/>
+                          <a:latin typeface="Times New Roman" panose="02020603050405020304" pitchFamily="18" charset="0"/>
+                          <a:cs typeface="Times New Roman" panose="02020603050405020304" pitchFamily="18" charset="0"/>
                         </a:rPr>
                         <a:t>Поставщики стройматериалов и </a:t>
                       </a:r>
                       <a:r>
                         <a:rPr lang="ru-RU" sz="1200" u="none" strike="noStrike" dirty="0" smtClean="0">
                           <a:effectLst/>
+                          <a:latin typeface="Times New Roman" panose="02020603050405020304" pitchFamily="18" charset="0"/>
+                          <a:cs typeface="Times New Roman" panose="02020603050405020304" pitchFamily="18" charset="0"/>
                         </a:rPr>
                         <a:t>техники;</a:t>
                       </a:r>
@@ -4183,18 +4319,24 @@
                       <a:r>
                         <a:rPr lang="ru-RU" sz="1200" u="none" strike="noStrike" dirty="0" smtClean="0">
                           <a:effectLst/>
+                          <a:latin typeface="Times New Roman" panose="02020603050405020304" pitchFamily="18" charset="0"/>
+                          <a:cs typeface="Times New Roman" panose="02020603050405020304" pitchFamily="18" charset="0"/>
                         </a:rPr>
                         <a:t>Проектировочные</a:t>
                       </a:r>
                       <a:r>
                         <a:rPr lang="ru-RU" sz="1200" u="none" strike="noStrike" baseline="0" dirty="0" smtClean="0">
                           <a:effectLst/>
+                          <a:latin typeface="Times New Roman" panose="02020603050405020304" pitchFamily="18" charset="0"/>
+                          <a:cs typeface="Times New Roman" panose="02020603050405020304" pitchFamily="18" charset="0"/>
                         </a:rPr>
                         <a:t> </a:t>
                       </a:r>
                       <a:r>
                         <a:rPr lang="ru-RU" sz="1200" u="none" strike="noStrike" dirty="0" smtClean="0">
                           <a:effectLst/>
+                          <a:latin typeface="Times New Roman" panose="02020603050405020304" pitchFamily="18" charset="0"/>
+                          <a:cs typeface="Times New Roman" panose="02020603050405020304" pitchFamily="18" charset="0"/>
                         </a:rPr>
                         <a:t>организации;</a:t>
                       </a:r>
@@ -4204,18 +4346,24 @@
                       <a:r>
                         <a:rPr lang="ru-RU" sz="1200" u="none" strike="noStrike" dirty="0" smtClean="0">
                           <a:effectLst/>
+                          <a:latin typeface="Times New Roman" panose="02020603050405020304" pitchFamily="18" charset="0"/>
+                          <a:cs typeface="Times New Roman" panose="02020603050405020304" pitchFamily="18" charset="0"/>
                         </a:rPr>
                         <a:t>подрядные </a:t>
                       </a:r>
                       <a:r>
                         <a:rPr lang="ru-RU" sz="1200" u="none" strike="noStrike" dirty="0">
                           <a:effectLst/>
+                          <a:latin typeface="Times New Roman" panose="02020603050405020304" pitchFamily="18" charset="0"/>
+                          <a:cs typeface="Times New Roman" panose="02020603050405020304" pitchFamily="18" charset="0"/>
                         </a:rPr>
                         <a:t>строительные </a:t>
                       </a:r>
                       <a:r>
                         <a:rPr lang="ru-RU" sz="1200" u="none" strike="noStrike" dirty="0" smtClean="0">
                           <a:effectLst/>
+                          <a:latin typeface="Times New Roman" panose="02020603050405020304" pitchFamily="18" charset="0"/>
+                          <a:cs typeface="Times New Roman" panose="02020603050405020304" pitchFamily="18" charset="0"/>
                         </a:rPr>
                         <a:t>организации;</a:t>
                       </a:r>
@@ -4225,6 +4373,8 @@
                       <a:r>
                         <a:rPr lang="ru-RU" sz="1200" u="none" strike="noStrike" dirty="0" smtClean="0">
                           <a:effectLst/>
+                          <a:latin typeface="Times New Roman" panose="02020603050405020304" pitchFamily="18" charset="0"/>
+                          <a:cs typeface="Times New Roman" panose="02020603050405020304" pitchFamily="18" charset="0"/>
                         </a:rPr>
                         <a:t>Банки;</a:t>
                       </a:r>
@@ -4234,18 +4384,24 @@
                       <a:r>
                         <a:rPr lang="ru-RU" sz="1200" u="none" strike="noStrike" dirty="0" smtClean="0">
                           <a:effectLst/>
+                          <a:latin typeface="Times New Roman" panose="02020603050405020304" pitchFamily="18" charset="0"/>
+                          <a:cs typeface="Times New Roman" panose="02020603050405020304" pitchFamily="18" charset="0"/>
                         </a:rPr>
                         <a:t>Сотрудничество </a:t>
                       </a:r>
                       <a:r>
                         <a:rPr lang="ru-RU" sz="1200" u="none" strike="noStrike" dirty="0">
                           <a:effectLst/>
+                          <a:latin typeface="Times New Roman" panose="02020603050405020304" pitchFamily="18" charset="0"/>
+                          <a:cs typeface="Times New Roman" panose="02020603050405020304" pitchFamily="18" charset="0"/>
                         </a:rPr>
                         <a:t>с дизайнерами интерьеров, архитекторами и строительными </a:t>
                       </a:r>
                       <a:r>
                         <a:rPr lang="ru-RU" sz="1200" u="none" strike="noStrike" dirty="0" smtClean="0">
                           <a:effectLst/>
+                          <a:latin typeface="Times New Roman" panose="02020603050405020304" pitchFamily="18" charset="0"/>
+                          <a:cs typeface="Times New Roman" panose="02020603050405020304" pitchFamily="18" charset="0"/>
                         </a:rPr>
                         <a:t>компаниями; </a:t>
                       </a:r>
@@ -4255,18 +4411,24 @@
                       <a:r>
                         <a:rPr lang="ru-RU" sz="1200" u="none" strike="noStrike" dirty="0" smtClean="0">
                           <a:effectLst/>
+                          <a:latin typeface="Times New Roman" panose="02020603050405020304" pitchFamily="18" charset="0"/>
+                          <a:cs typeface="Times New Roman" panose="02020603050405020304" pitchFamily="18" charset="0"/>
                         </a:rPr>
                         <a:t>агенты </a:t>
                       </a:r>
                       <a:r>
                         <a:rPr lang="ru-RU" sz="1200" u="none" strike="noStrike" dirty="0">
                           <a:effectLst/>
+                          <a:latin typeface="Times New Roman" panose="02020603050405020304" pitchFamily="18" charset="0"/>
+                          <a:cs typeface="Times New Roman" panose="02020603050405020304" pitchFamily="18" charset="0"/>
                         </a:rPr>
                         <a:t>по </a:t>
                       </a:r>
                       <a:r>
                         <a:rPr lang="ru-RU" sz="1200" u="none" strike="noStrike" dirty="0" smtClean="0">
                           <a:effectLst/>
+                          <a:latin typeface="Times New Roman" panose="02020603050405020304" pitchFamily="18" charset="0"/>
+                          <a:cs typeface="Times New Roman" panose="02020603050405020304" pitchFamily="18" charset="0"/>
                         </a:rPr>
                         <a:t>недвижимости;</a:t>
                       </a:r>
@@ -4276,18 +4438,24 @@
                       <a:r>
                         <a:rPr lang="ru-RU" sz="1200" u="none" strike="noStrike" dirty="0" smtClean="0">
                           <a:effectLst/>
+                          <a:latin typeface="Times New Roman" panose="02020603050405020304" pitchFamily="18" charset="0"/>
+                          <a:cs typeface="Times New Roman" panose="02020603050405020304" pitchFamily="18" charset="0"/>
                         </a:rPr>
                         <a:t>менеджеры </a:t>
                       </a:r>
                       <a:r>
                         <a:rPr lang="ru-RU" sz="1200" u="none" strike="noStrike" dirty="0">
                           <a:effectLst/>
+                          <a:latin typeface="Times New Roman" panose="02020603050405020304" pitchFamily="18" charset="0"/>
+                          <a:cs typeface="Times New Roman" panose="02020603050405020304" pitchFamily="18" charset="0"/>
                         </a:rPr>
                         <a:t>по </a:t>
                       </a:r>
                       <a:r>
                         <a:rPr lang="ru-RU" sz="1200" u="none" strike="noStrike" dirty="0" smtClean="0">
                           <a:effectLst/>
+                          <a:latin typeface="Times New Roman" panose="02020603050405020304" pitchFamily="18" charset="0"/>
+                          <a:cs typeface="Times New Roman" panose="02020603050405020304" pitchFamily="18" charset="0"/>
                         </a:rPr>
                         <a:t>маркетингу; </a:t>
                       </a:r>
@@ -4297,18 +4465,24 @@
                       <a:r>
                         <a:rPr lang="ru-RU" sz="1200" u="none" strike="noStrike" dirty="0" smtClean="0">
                           <a:effectLst/>
+                          <a:latin typeface="Times New Roman" panose="02020603050405020304" pitchFamily="18" charset="0"/>
+                          <a:cs typeface="Times New Roman" panose="02020603050405020304" pitchFamily="18" charset="0"/>
                         </a:rPr>
                         <a:t>рекламные </a:t>
                       </a:r>
                       <a:r>
                         <a:rPr lang="ru-RU" sz="1200" u="none" strike="noStrike" dirty="0" err="1" smtClean="0">
                           <a:effectLst/>
+                          <a:latin typeface="Times New Roman" panose="02020603050405020304" pitchFamily="18" charset="0"/>
+                          <a:cs typeface="Times New Roman" panose="02020603050405020304" pitchFamily="18" charset="0"/>
                         </a:rPr>
                         <a:t>агенства</a:t>
                       </a:r>
                       <a:r>
                         <a:rPr lang="ru-RU" sz="1200" u="none" strike="noStrike" dirty="0" smtClean="0">
                           <a:effectLst/>
+                          <a:latin typeface="Times New Roman" panose="02020603050405020304" pitchFamily="18" charset="0"/>
+                          <a:cs typeface="Times New Roman" panose="02020603050405020304" pitchFamily="18" charset="0"/>
                         </a:rPr>
                         <a:t>.</a:t>
                       </a:r>
@@ -4370,56 +4544,166 @@
                       <a:r>
                         <a:rPr lang="ru-RU" sz="1200" b="1" u="none" strike="noStrike" dirty="0">
                           <a:effectLst/>
+                          <a:latin typeface="Times New Roman" panose="02020603050405020304" pitchFamily="18" charset="0"/>
+                          <a:cs typeface="Times New Roman" panose="02020603050405020304" pitchFamily="18" charset="0"/>
                         </a:rPr>
                         <a:t>Основные направления </a:t>
                       </a:r>
                       <a:r>
                         <a:rPr lang="ru-RU" sz="1200" b="1" u="none" strike="noStrike" dirty="0" smtClean="0">
                           <a:effectLst/>
+                          <a:latin typeface="Times New Roman" panose="02020603050405020304" pitchFamily="18" charset="0"/>
+                          <a:cs typeface="Times New Roman" panose="02020603050405020304" pitchFamily="18" charset="0"/>
                         </a:rPr>
                         <a:t>деятельности:</a:t>
                       </a:r>
                       <a:r>
                         <a:rPr lang="ru-RU" sz="1200" u="none" strike="noStrike" dirty="0">
                           <a:effectLst/>
+                          <a:latin typeface="Times New Roman" panose="02020603050405020304" pitchFamily="18" charset="0"/>
+                          <a:cs typeface="Times New Roman" panose="02020603050405020304" pitchFamily="18" charset="0"/>
                         </a:rPr>
                         <a:t/>
                       </a:r>
                       <a:br>
                         <a:rPr lang="ru-RU" sz="1200" u="none" strike="noStrike" dirty="0">
                           <a:effectLst/>
+                          <a:latin typeface="Times New Roman" panose="02020603050405020304" pitchFamily="18" charset="0"/>
+                          <a:cs typeface="Times New Roman" panose="02020603050405020304" pitchFamily="18" charset="0"/>
                         </a:rPr>
                       </a:br>
                       <a:r>
+                        <a:rPr lang="ru-RU" sz="1200" u="none" strike="noStrike" dirty="0" smtClean="0">
+                          <a:effectLst/>
+                          <a:latin typeface="Times New Roman" panose="02020603050405020304" pitchFamily="18" charset="0"/>
+                          <a:cs typeface="Times New Roman" panose="02020603050405020304" pitchFamily="18" charset="0"/>
+                        </a:rPr>
+                        <a:t>Строительство </a:t>
+                      </a:r>
+                      <a:r>
                         <a:rPr lang="ru-RU" sz="1200" u="none" strike="noStrike" dirty="0">
                           <a:effectLst/>
-                        </a:rPr>
-                        <a:t>Идея жилого здания, </a:t>
+                          <a:latin typeface="Times New Roman" panose="02020603050405020304" pitchFamily="18" charset="0"/>
+                          <a:cs typeface="Times New Roman" panose="02020603050405020304" pitchFamily="18" charset="0"/>
+                        </a:rPr>
+                        <a:t>жилого </a:t>
                       </a:r>
                       <a:r>
                         <a:rPr lang="ru-RU" sz="1200" u="none" strike="noStrike" dirty="0" smtClean="0">
                           <a:effectLst/>
-                        </a:rPr>
-                        <a:t>индивидуальные </a:t>
+                          <a:latin typeface="Times New Roman" panose="02020603050405020304" pitchFamily="18" charset="0"/>
+                          <a:cs typeface="Times New Roman" panose="02020603050405020304" pitchFamily="18" charset="0"/>
+                        </a:rPr>
+                        <a:t>здания.</a:t>
+                      </a:r>
+                      <a:endParaRPr lang="ru-RU" sz="1200" u="none" strike="noStrike" baseline="0" dirty="0" smtClean="0">
+                        <a:effectLst/>
+                        <a:latin typeface="Times New Roman" panose="02020603050405020304" pitchFamily="18" charset="0"/>
+                        <a:cs typeface="Times New Roman" panose="02020603050405020304" pitchFamily="18" charset="0"/>
+                      </a:endParaRPr>
+                    </a:p>
+                    <a:p>
+                      <a:pPr marL="36000" algn="l" fontAlgn="t"/>
+                      <a:r>
+                        <a:rPr lang="ru-RU" sz="1200" u="none" strike="noStrike" dirty="0" smtClean="0">
+                          <a:effectLst/>
+                          <a:latin typeface="Times New Roman" panose="02020603050405020304" pitchFamily="18" charset="0"/>
+                          <a:cs typeface="Times New Roman" panose="02020603050405020304" pitchFamily="18" charset="0"/>
+                        </a:rPr>
+                        <a:t>Продажа жилых помещений,</a:t>
+                      </a:r>
+                      <a:r>
+                        <a:rPr lang="ru-RU" sz="1200" u="none" strike="noStrike" baseline="0" dirty="0" smtClean="0">
+                          <a:effectLst/>
+                          <a:latin typeface="Times New Roman" panose="02020603050405020304" pitchFamily="18" charset="0"/>
+                          <a:cs typeface="Times New Roman" panose="02020603050405020304" pitchFamily="18" charset="0"/>
+                        </a:rPr>
+                        <a:t> кладовых, парковочных мест</a:t>
+                      </a:r>
+                      <a:r>
+                        <a:rPr lang="ru-RU" sz="1200" u="none" strike="noStrike" dirty="0" smtClean="0">
+                          <a:effectLst/>
+                          <a:latin typeface="Times New Roman" panose="02020603050405020304" pitchFamily="18" charset="0"/>
+                          <a:cs typeface="Times New Roman" panose="02020603050405020304" pitchFamily="18" charset="0"/>
+                        </a:rPr>
+                        <a:t> </a:t>
                       </a:r>
                       <a:r>
                         <a:rPr lang="ru-RU" sz="1200" u="none" strike="noStrike" dirty="0">
                           <a:effectLst/>
-                        </a:rPr>
-                        <a:t>планировки, качество, выгодная цена (индивидуальное предложение по цене) Продажа через сайт застройщика, предложение от партнеров (банков). Прибыль придет после сдачи проекта с </a:t>
-                      </a:r>
-                      <a:r>
-                        <a:rPr lang="ru-RU" sz="1200" u="none" strike="noStrike" dirty="0" err="1">
-                          <a:effectLst/>
-                        </a:rPr>
-                        <a:t>эскроу</a:t>
-                      </a:r>
-                      <a:r>
-                        <a:rPr lang="ru-RU" sz="1200" u="none" strike="noStrike" dirty="0">
-                          <a:effectLst/>
-                        </a:rPr>
-                        <a:t>-счетов. Целевая реклама.</a:t>
-                      </a:r>
+                          <a:latin typeface="Times New Roman" panose="02020603050405020304" pitchFamily="18" charset="0"/>
+                          <a:cs typeface="Times New Roman" panose="02020603050405020304" pitchFamily="18" charset="0"/>
+                        </a:rPr>
+                        <a:t>через сайт </a:t>
+                      </a:r>
+                      <a:r>
+                        <a:rPr lang="ru-RU" sz="1200" u="none" strike="noStrike" dirty="0" smtClean="0">
+                          <a:effectLst/>
+                          <a:latin typeface="Times New Roman" panose="02020603050405020304" pitchFamily="18" charset="0"/>
+                          <a:cs typeface="Times New Roman" panose="02020603050405020304" pitchFamily="18" charset="0"/>
+                        </a:rPr>
+                        <a:t>застройщика и в отделе</a:t>
+                      </a:r>
+                      <a:r>
+                        <a:rPr lang="ru-RU" sz="1200" u="none" strike="noStrike" baseline="0" dirty="0" smtClean="0">
+                          <a:effectLst/>
+                          <a:latin typeface="Times New Roman" panose="02020603050405020304" pitchFamily="18" charset="0"/>
+                          <a:cs typeface="Times New Roman" panose="02020603050405020304" pitchFamily="18" charset="0"/>
+                        </a:rPr>
+                        <a:t> продаж</a:t>
+                      </a:r>
+                      <a:r>
+                        <a:rPr lang="ru-RU" sz="1200" u="none" strike="noStrike" dirty="0" smtClean="0">
+                          <a:effectLst/>
+                          <a:latin typeface="Times New Roman" panose="02020603050405020304" pitchFamily="18" charset="0"/>
+                          <a:cs typeface="Times New Roman" panose="02020603050405020304" pitchFamily="18" charset="0"/>
+                        </a:rPr>
+                        <a:t>. </a:t>
+                      </a:r>
+                    </a:p>
+                    <a:p>
+                      <a:pPr marL="36000" algn="l" fontAlgn="t"/>
+                      <a:r>
+                        <a:rPr lang="ru-RU" sz="1200" u="none" strike="noStrike" dirty="0" smtClean="0">
+                          <a:effectLst/>
+                          <a:latin typeface="Times New Roman" panose="02020603050405020304" pitchFamily="18" charset="0"/>
+                          <a:cs typeface="Times New Roman" panose="02020603050405020304" pitchFamily="18" charset="0"/>
+                        </a:rPr>
+                        <a:t>Целевая реклама.</a:t>
+                      </a:r>
+                    </a:p>
+                    <a:p>
+                      <a:pPr marL="36000" algn="l" fontAlgn="t"/>
+                      <a:r>
+                        <a:rPr lang="ru-RU" sz="1200" u="none" strike="noStrike" dirty="0" smtClean="0">
+                          <a:effectLst/>
+                          <a:latin typeface="Times New Roman" panose="02020603050405020304" pitchFamily="18" charset="0"/>
+                          <a:cs typeface="Times New Roman" panose="02020603050405020304" pitchFamily="18" charset="0"/>
+                        </a:rPr>
+                        <a:t>Предоставляем услуги</a:t>
+                      </a:r>
+                      <a:r>
+                        <a:rPr lang="ru-RU" sz="1200" u="none" strike="noStrike" baseline="0" dirty="0" smtClean="0">
+                          <a:effectLst/>
+                          <a:latin typeface="Times New Roman" panose="02020603050405020304" pitchFamily="18" charset="0"/>
+                          <a:cs typeface="Times New Roman" panose="02020603050405020304" pitchFamily="18" charset="0"/>
+                        </a:rPr>
+                        <a:t> ЖКХ.</a:t>
+                      </a:r>
+                    </a:p>
+                    <a:p>
+                      <a:pPr marL="36000" algn="l" fontAlgn="t"/>
+                      <a:r>
+                        <a:rPr lang="ru-RU" sz="1200" u="none" strike="noStrike" baseline="0" dirty="0" smtClean="0">
+                          <a:effectLst/>
+                          <a:latin typeface="Times New Roman" panose="02020603050405020304" pitchFamily="18" charset="0"/>
+                          <a:cs typeface="Times New Roman" panose="02020603050405020304" pitchFamily="18" charset="0"/>
+                        </a:rPr>
+                        <a:t>Сдача в аренду нежилых помещений.</a:t>
+                      </a:r>
+                    </a:p>
+                    <a:p>
+                      <a:pPr marL="36000" algn="l" fontAlgn="t"/>
                       <a:endParaRPr lang="ru-RU" sz="1200" b="0" i="0" u="none" strike="noStrike" dirty="0">
                         <a:solidFill>
                           <a:srgbClr val="000000"/>
@@ -4478,61 +4762,252 @@
                       <a:r>
                         <a:rPr lang="ru-RU" sz="1200" b="1" u="none" strike="noStrike" dirty="0">
                           <a:effectLst/>
+                          <a:latin typeface="Times New Roman" panose="02020603050405020304" pitchFamily="18" charset="0"/>
+                          <a:cs typeface="Times New Roman" panose="02020603050405020304" pitchFamily="18" charset="0"/>
                         </a:rPr>
                         <a:t>Предлагаемые преимущества: </a:t>
                       </a:r>
+                      <a:endParaRPr lang="ru-RU" sz="1200" b="1" u="none" strike="noStrike" dirty="0" smtClean="0">
+                        <a:effectLst/>
+                        <a:latin typeface="Times New Roman" panose="02020603050405020304" pitchFamily="18" charset="0"/>
+                        <a:cs typeface="Times New Roman" panose="02020603050405020304" pitchFamily="18" charset="0"/>
+                      </a:endParaRPr>
+                    </a:p>
+                    <a:p>
+                      <a:pPr marL="36000" algn="l" fontAlgn="t"/>
+                      <a:r>
+                        <a:rPr lang="ru-RU" sz="1200" u="none" strike="noStrike" dirty="0" smtClean="0">
+                          <a:effectLst/>
+                          <a:latin typeface="Times New Roman" panose="02020603050405020304" pitchFamily="18" charset="0"/>
+                          <a:cs typeface="Times New Roman" panose="02020603050405020304" pitchFamily="18" charset="0"/>
+                        </a:rPr>
+                        <a:t>Безопасность</a:t>
+                      </a:r>
                       <a:r>
                         <a:rPr lang="ru-RU" sz="1200" u="none" strike="noStrike" dirty="0">
                           <a:effectLst/>
-                        </a:rPr>
-                        <a:t>Безопасность: видеонаблюдение, охрана. </a:t>
+                          <a:latin typeface="Times New Roman" panose="02020603050405020304" pitchFamily="18" charset="0"/>
+                          <a:cs typeface="Times New Roman" panose="02020603050405020304" pitchFamily="18" charset="0"/>
+                        </a:rPr>
+                        <a:t>: видеонаблюдение, охрана. </a:t>
                       </a:r>
                       <a:r>
                         <a:rPr lang="ru-RU" sz="1200" u="none" strike="noStrike" dirty="0" smtClean="0">
                           <a:effectLst/>
+                          <a:latin typeface="Times New Roman" panose="02020603050405020304" pitchFamily="18" charset="0"/>
+                          <a:cs typeface="Times New Roman" panose="02020603050405020304" pitchFamily="18" charset="0"/>
                         </a:rPr>
                         <a:t>качество</a:t>
                       </a:r>
                       <a:r>
                         <a:rPr lang="ru-RU" sz="1200" u="none" strike="noStrike" dirty="0">
                           <a:effectLst/>
-                        </a:rPr>
-                        <a:t>, соблюдение сроков, соотношение цены и качества, уникальный дизайн квартиры, наличие 2-х лифтов в </a:t>
+                          <a:latin typeface="Times New Roman" panose="02020603050405020304" pitchFamily="18" charset="0"/>
+                          <a:cs typeface="Times New Roman" panose="02020603050405020304" pitchFamily="18" charset="0"/>
+                        </a:rPr>
+                        <a:t>, </a:t>
+                      </a:r>
+                      <a:endParaRPr lang="ru-RU" sz="1200" u="none" strike="noStrike" dirty="0" smtClean="0">
+                        <a:effectLst/>
+                        <a:latin typeface="Times New Roman" panose="02020603050405020304" pitchFamily="18" charset="0"/>
+                        <a:cs typeface="Times New Roman" panose="02020603050405020304" pitchFamily="18" charset="0"/>
+                      </a:endParaRPr>
+                    </a:p>
+                    <a:p>
+                      <a:pPr marL="36000" algn="l" fontAlgn="t"/>
+                      <a:r>
+                        <a:rPr lang="ru-RU" sz="1200" u="none" strike="noStrike" dirty="0" smtClean="0">
+                          <a:effectLst/>
+                          <a:latin typeface="Times New Roman" panose="02020603050405020304" pitchFamily="18" charset="0"/>
+                          <a:cs typeface="Times New Roman" panose="02020603050405020304" pitchFamily="18" charset="0"/>
+                        </a:rPr>
+                        <a:t>соблюдение </a:t>
+                      </a:r>
+                      <a:r>
+                        <a:rPr lang="ru-RU" sz="1200" u="none" strike="noStrike" dirty="0">
+                          <a:effectLst/>
+                          <a:latin typeface="Times New Roman" panose="02020603050405020304" pitchFamily="18" charset="0"/>
+                          <a:cs typeface="Times New Roman" panose="02020603050405020304" pitchFamily="18" charset="0"/>
+                        </a:rPr>
+                        <a:t>сроков, соотношение цены и качества, уникальный дизайн квартиры</a:t>
+                      </a:r>
+                      <a:r>
+                        <a:rPr lang="ru-RU" sz="1200" u="none" strike="noStrike" dirty="0" smtClean="0">
+                          <a:effectLst/>
+                          <a:latin typeface="Times New Roman" panose="02020603050405020304" pitchFamily="18" charset="0"/>
+                          <a:cs typeface="Times New Roman" panose="02020603050405020304" pitchFamily="18" charset="0"/>
+                        </a:rPr>
+                        <a:t>,</a:t>
+                      </a:r>
+                    </a:p>
+                    <a:p>
+                      <a:pPr marL="36000" algn="l" fontAlgn="t"/>
+                      <a:r>
+                        <a:rPr lang="ru-RU" sz="1200" u="none" strike="noStrike" dirty="0" smtClean="0">
+                          <a:effectLst/>
+                          <a:latin typeface="Times New Roman" panose="02020603050405020304" pitchFamily="18" charset="0"/>
+                          <a:cs typeface="Times New Roman" panose="02020603050405020304" pitchFamily="18" charset="0"/>
+                        </a:rPr>
+                        <a:t>наличие </a:t>
+                      </a:r>
+                      <a:r>
+                        <a:rPr lang="ru-RU" sz="1200" u="none" strike="noStrike" dirty="0">
+                          <a:effectLst/>
+                          <a:latin typeface="Times New Roman" panose="02020603050405020304" pitchFamily="18" charset="0"/>
+                          <a:cs typeface="Times New Roman" panose="02020603050405020304" pitchFamily="18" charset="0"/>
+                        </a:rPr>
+                        <a:t>2-х лифтов в </a:t>
                       </a:r>
                       <a:r>
                         <a:rPr lang="ru-RU" sz="1200" u="none" strike="noStrike" dirty="0" err="1">
                           <a:effectLst/>
+                          <a:latin typeface="Times New Roman" panose="02020603050405020304" pitchFamily="18" charset="0"/>
+                          <a:cs typeface="Times New Roman" panose="02020603050405020304" pitchFamily="18" charset="0"/>
                         </a:rPr>
                         <a:t>т.ч</a:t>
                       </a:r>
                       <a:r>
                         <a:rPr lang="ru-RU" sz="1200" u="none" strike="noStrike" dirty="0">
                           <a:effectLst/>
-                        </a:rPr>
-                        <a:t>. грузовой. Помогаем клиенту решить проблему с получением средств на покупку, проблему с жильем. Предоставление выбора планировок квартир из их многообразия.</a:t>
+                          <a:latin typeface="Times New Roman" panose="02020603050405020304" pitchFamily="18" charset="0"/>
+                          <a:cs typeface="Times New Roman" panose="02020603050405020304" pitchFamily="18" charset="0"/>
+                        </a:rPr>
+                        <a:t>. грузовой. </a:t>
+                      </a:r>
+                      <a:endParaRPr lang="ru-RU" sz="1200" u="none" strike="noStrike" dirty="0" smtClean="0">
+                        <a:effectLst/>
+                        <a:latin typeface="Times New Roman" panose="02020603050405020304" pitchFamily="18" charset="0"/>
+                        <a:cs typeface="Times New Roman" panose="02020603050405020304" pitchFamily="18" charset="0"/>
+                      </a:endParaRPr>
+                    </a:p>
+                    <a:p>
+                      <a:pPr marL="36000" algn="l" fontAlgn="t"/>
+                      <a:r>
+                        <a:rPr lang="ru-RU" sz="1200" u="none" strike="noStrike" dirty="0" smtClean="0">
+                          <a:effectLst/>
+                          <a:latin typeface="Times New Roman" panose="02020603050405020304" pitchFamily="18" charset="0"/>
+                          <a:cs typeface="Times New Roman" panose="02020603050405020304" pitchFamily="18" charset="0"/>
+                        </a:rPr>
+                        <a:t>Помощь</a:t>
+                      </a:r>
+                      <a:r>
+                        <a:rPr lang="ru-RU" sz="1200" u="none" strike="noStrike" baseline="0" dirty="0" smtClean="0">
+                          <a:effectLst/>
+                          <a:latin typeface="Times New Roman" panose="02020603050405020304" pitchFamily="18" charset="0"/>
+                          <a:cs typeface="Times New Roman" panose="02020603050405020304" pitchFamily="18" charset="0"/>
+                        </a:rPr>
+                        <a:t> в </a:t>
+                      </a:r>
+                      <a:r>
+                        <a:rPr lang="ru-RU" sz="1200" u="none" strike="noStrike" dirty="0" smtClean="0">
+                          <a:effectLst/>
+                          <a:latin typeface="Times New Roman" panose="02020603050405020304" pitchFamily="18" charset="0"/>
+                          <a:cs typeface="Times New Roman" panose="02020603050405020304" pitchFamily="18" charset="0"/>
+                        </a:rPr>
+                        <a:t>решении проблем </a:t>
+                      </a:r>
+                      <a:r>
+                        <a:rPr lang="ru-RU" sz="1200" u="none" strike="noStrike" dirty="0">
+                          <a:effectLst/>
+                          <a:latin typeface="Times New Roman" panose="02020603050405020304" pitchFamily="18" charset="0"/>
+                          <a:cs typeface="Times New Roman" panose="02020603050405020304" pitchFamily="18" charset="0"/>
+                        </a:rPr>
+                        <a:t>с получением средств на покупку, </a:t>
+                      </a:r>
+                      <a:r>
+                        <a:rPr lang="ru-RU" sz="1200" u="none" strike="noStrike" dirty="0" smtClean="0">
+                          <a:effectLst/>
+                          <a:latin typeface="Times New Roman" panose="02020603050405020304" pitchFamily="18" charset="0"/>
+                          <a:cs typeface="Times New Roman" panose="02020603050405020304" pitchFamily="18" charset="0"/>
+                        </a:rPr>
+                        <a:t>проблем </a:t>
+                      </a:r>
+                      <a:r>
+                        <a:rPr lang="ru-RU" sz="1200" u="none" strike="noStrike" dirty="0">
+                          <a:effectLst/>
+                          <a:latin typeface="Times New Roman" panose="02020603050405020304" pitchFamily="18" charset="0"/>
+                          <a:cs typeface="Times New Roman" panose="02020603050405020304" pitchFamily="18" charset="0"/>
+                        </a:rPr>
+                        <a:t>с жильем. Предоставление выбора планировок квартир из их многообразия.</a:t>
                       </a:r>
                       <a:br>
                         <a:rPr lang="ru-RU" sz="1200" u="none" strike="noStrike" dirty="0">
                           <a:effectLst/>
+                          <a:latin typeface="Times New Roman" panose="02020603050405020304" pitchFamily="18" charset="0"/>
+                          <a:cs typeface="Times New Roman" panose="02020603050405020304" pitchFamily="18" charset="0"/>
                         </a:rPr>
                       </a:br>
                       <a:r>
                         <a:rPr lang="ru-RU" sz="1200" u="none" strike="noStrike" dirty="0">
                           <a:effectLst/>
+                          <a:latin typeface="Times New Roman" panose="02020603050405020304" pitchFamily="18" charset="0"/>
+                          <a:cs typeface="Times New Roman" panose="02020603050405020304" pitchFamily="18" charset="0"/>
                         </a:rPr>
                         <a:t>Пакеты услуг: квартира с черновой, </a:t>
                       </a:r>
                       <a:r>
                         <a:rPr lang="ru-RU" sz="1200" u="none" strike="noStrike" dirty="0" err="1">
                           <a:effectLst/>
+                          <a:latin typeface="Times New Roman" panose="02020603050405020304" pitchFamily="18" charset="0"/>
+                          <a:cs typeface="Times New Roman" panose="02020603050405020304" pitchFamily="18" charset="0"/>
                         </a:rPr>
                         <a:t>предчистовой</a:t>
                       </a:r>
                       <a:r>
                         <a:rPr lang="ru-RU" sz="1200" u="none" strike="noStrike" dirty="0">
                           <a:effectLst/>
-                        </a:rPr>
-                        <a:t>, чистовой отделкой. Помощь с продажей старой недвижимости. Подземный и наземный паркинг.</a:t>
+                          <a:latin typeface="Times New Roman" panose="02020603050405020304" pitchFamily="18" charset="0"/>
+                          <a:cs typeface="Times New Roman" panose="02020603050405020304" pitchFamily="18" charset="0"/>
+                        </a:rPr>
+                        <a:t>, чистовой отделкой. </a:t>
+                      </a:r>
+                      <a:endParaRPr lang="ru-RU" sz="1200" u="none" strike="noStrike" dirty="0" smtClean="0">
+                        <a:effectLst/>
+                        <a:latin typeface="Times New Roman" panose="02020603050405020304" pitchFamily="18" charset="0"/>
+                        <a:cs typeface="Times New Roman" panose="02020603050405020304" pitchFamily="18" charset="0"/>
+                      </a:endParaRPr>
+                    </a:p>
+                    <a:p>
+                      <a:pPr marL="36000" algn="l" fontAlgn="t"/>
+                      <a:r>
+                        <a:rPr lang="ru-RU" sz="1200" u="none" strike="noStrike" dirty="0" smtClean="0">
+                          <a:effectLst/>
+                          <a:latin typeface="Times New Roman" panose="02020603050405020304" pitchFamily="18" charset="0"/>
+                          <a:cs typeface="Times New Roman" panose="02020603050405020304" pitchFamily="18" charset="0"/>
+                        </a:rPr>
+                        <a:t>Помощь </a:t>
+                      </a:r>
+                      <a:r>
+                        <a:rPr lang="ru-RU" sz="1200" u="none" strike="noStrike" dirty="0">
+                          <a:effectLst/>
+                          <a:latin typeface="Times New Roman" panose="02020603050405020304" pitchFamily="18" charset="0"/>
+                          <a:cs typeface="Times New Roman" panose="02020603050405020304" pitchFamily="18" charset="0"/>
+                        </a:rPr>
+                        <a:t>с продажей старой недвижимости. </a:t>
+                      </a:r>
+                      <a:endParaRPr lang="ru-RU" sz="1200" u="none" strike="noStrike" dirty="0" smtClean="0">
+                        <a:effectLst/>
+                        <a:latin typeface="Times New Roman" panose="02020603050405020304" pitchFamily="18" charset="0"/>
+                        <a:cs typeface="Times New Roman" panose="02020603050405020304" pitchFamily="18" charset="0"/>
+                      </a:endParaRPr>
+                    </a:p>
+                    <a:p>
+                      <a:pPr marL="36000" algn="l" fontAlgn="t"/>
+                      <a:r>
+                        <a:rPr lang="ru-RU" sz="1200" u="none" strike="noStrike" dirty="0" smtClean="0">
+                          <a:effectLst/>
+                          <a:latin typeface="Times New Roman" panose="02020603050405020304" pitchFamily="18" charset="0"/>
+                          <a:cs typeface="Times New Roman" panose="02020603050405020304" pitchFamily="18" charset="0"/>
+                        </a:rPr>
+                        <a:t>Подземный </a:t>
+                      </a:r>
+                      <a:r>
+                        <a:rPr lang="ru-RU" sz="1200" u="none" strike="noStrike" dirty="0">
+                          <a:effectLst/>
+                          <a:latin typeface="Times New Roman" panose="02020603050405020304" pitchFamily="18" charset="0"/>
+                          <a:cs typeface="Times New Roman" panose="02020603050405020304" pitchFamily="18" charset="0"/>
+                        </a:rPr>
+                        <a:t>и наземный паркинг.</a:t>
                       </a:r>
                       <a:endParaRPr lang="ru-RU" sz="1200" b="0" i="0" u="none" strike="noStrike" dirty="0">
                         <a:solidFill>
@@ -4592,25 +5067,100 @@
                       <a:r>
                         <a:rPr lang="ru-RU" sz="1200" b="1" u="none" strike="noStrike" dirty="0">
                           <a:effectLst/>
+                          <a:latin typeface="Times New Roman" panose="02020603050405020304" pitchFamily="18" charset="0"/>
+                          <a:cs typeface="Times New Roman" panose="02020603050405020304" pitchFamily="18" charset="0"/>
                         </a:rPr>
                         <a:t>Отношения с клиентами</a:t>
                       </a:r>
                       <a:r>
                         <a:rPr lang="ru-RU" sz="1200" u="none" strike="noStrike" dirty="0">
                           <a:effectLst/>
+                          <a:latin typeface="Times New Roman" panose="02020603050405020304" pitchFamily="18" charset="0"/>
+                          <a:cs typeface="Times New Roman" panose="02020603050405020304" pitchFamily="18" charset="0"/>
                         </a:rPr>
                         <a:t/>
                       </a:r>
                       <a:br>
                         <a:rPr lang="ru-RU" sz="1200" u="none" strike="noStrike" dirty="0">
                           <a:effectLst/>
+                          <a:latin typeface="Times New Roman" panose="02020603050405020304" pitchFamily="18" charset="0"/>
+                          <a:cs typeface="Times New Roman" panose="02020603050405020304" pitchFamily="18" charset="0"/>
                         </a:rPr>
                       </a:br>
                       <a:r>
+                        <a:rPr lang="ru-RU" sz="1200" u="none" strike="noStrike" dirty="0" smtClean="0">
+                          <a:effectLst/>
+                          <a:latin typeface="Times New Roman" panose="02020603050405020304" pitchFamily="18" charset="0"/>
+                          <a:cs typeface="Times New Roman" panose="02020603050405020304" pitchFamily="18" charset="0"/>
+                        </a:rPr>
+                        <a:t>Индивидуальный подход к клиентам. </a:t>
+                      </a:r>
+                    </a:p>
+                    <a:p>
+                      <a:pPr marL="36000" algn="l" fontAlgn="t"/>
+                      <a:r>
+                        <a:rPr lang="ru-RU" sz="1200" u="none" strike="noStrike" dirty="0" smtClean="0">
+                          <a:effectLst/>
+                          <a:latin typeface="Times New Roman" panose="02020603050405020304" pitchFamily="18" charset="0"/>
+                          <a:cs typeface="Times New Roman" panose="02020603050405020304" pitchFamily="18" charset="0"/>
+                        </a:rPr>
+                        <a:t>Помощь </a:t>
+                      </a:r>
+                      <a:r>
                         <a:rPr lang="ru-RU" sz="1200" u="none" strike="noStrike" dirty="0">
                           <a:effectLst/>
-                        </a:rPr>
-                        <a:t>Отношения с клиентами доброжелательное, помощь при возникновении вопросов, претензий, пожеланий. Цена взаимодействия с клиентом - содержание менеджера по продажам. Регулярная организация мероприятий и собраний для жильцов , чтобы создать атмосферу взаимодействия и поддержки между жильцами.</a:t>
+                          <a:latin typeface="Times New Roman" panose="02020603050405020304" pitchFamily="18" charset="0"/>
+                          <a:cs typeface="Times New Roman" panose="02020603050405020304" pitchFamily="18" charset="0"/>
+                        </a:rPr>
+                        <a:t>при возникновении вопросов, претензий, </a:t>
+                      </a:r>
+                      <a:r>
+                        <a:rPr lang="ru-RU" sz="1200" u="none" strike="noStrike" dirty="0" smtClean="0">
+                          <a:effectLst/>
+                          <a:latin typeface="Times New Roman" panose="02020603050405020304" pitchFamily="18" charset="0"/>
+                          <a:cs typeface="Times New Roman" panose="02020603050405020304" pitchFamily="18" charset="0"/>
+                        </a:rPr>
+                        <a:t>пожеланий</a:t>
+                      </a:r>
+                      <a:r>
+                        <a:rPr lang="ru-RU" sz="1200" u="none" strike="noStrike" baseline="0" dirty="0" smtClean="0">
+                          <a:effectLst/>
+                          <a:latin typeface="Times New Roman" panose="02020603050405020304" pitchFamily="18" charset="0"/>
+                          <a:cs typeface="Times New Roman" panose="02020603050405020304" pitchFamily="18" charset="0"/>
+                        </a:rPr>
+                        <a:t> в отделе продаж.</a:t>
+                      </a:r>
+                      <a:endParaRPr lang="ru-RU" sz="1200" u="none" strike="noStrike" dirty="0" smtClean="0">
+                        <a:effectLst/>
+                        <a:latin typeface="Times New Roman" panose="02020603050405020304" pitchFamily="18" charset="0"/>
+                        <a:cs typeface="Times New Roman" panose="02020603050405020304" pitchFamily="18" charset="0"/>
+                      </a:endParaRPr>
+                    </a:p>
+                    <a:p>
+                      <a:pPr marL="36000" algn="l" fontAlgn="t"/>
+                      <a:r>
+                        <a:rPr lang="ru-RU" sz="1200" u="none" strike="noStrike" dirty="0" smtClean="0">
+                          <a:effectLst/>
+                          <a:latin typeface="Times New Roman" panose="02020603050405020304" pitchFamily="18" charset="0"/>
+                          <a:cs typeface="Times New Roman" panose="02020603050405020304" pitchFamily="18" charset="0"/>
+                        </a:rPr>
+                        <a:t>Регулярная </a:t>
+                      </a:r>
+                      <a:r>
+                        <a:rPr lang="ru-RU" sz="1200" u="none" strike="noStrike" dirty="0">
+                          <a:effectLst/>
+                          <a:latin typeface="Times New Roman" panose="02020603050405020304" pitchFamily="18" charset="0"/>
+                          <a:cs typeface="Times New Roman" panose="02020603050405020304" pitchFamily="18" charset="0"/>
+                        </a:rPr>
+                        <a:t>организация мероприятий и собраний для </a:t>
+                      </a:r>
+                      <a:r>
+                        <a:rPr lang="ru-RU" sz="1200" u="none" strike="noStrike" dirty="0" smtClean="0">
+                          <a:effectLst/>
+                          <a:latin typeface="Times New Roman" panose="02020603050405020304" pitchFamily="18" charset="0"/>
+                          <a:cs typeface="Times New Roman" panose="02020603050405020304" pitchFamily="18" charset="0"/>
+                        </a:rPr>
+                        <a:t>жильцов.</a:t>
                       </a:r>
                       <a:endParaRPr lang="ru-RU" sz="1200" b="0" i="0" u="none" strike="noStrike" dirty="0">
                         <a:solidFill>
@@ -4670,19 +5220,47 @@
                       <a:r>
                         <a:rPr lang="ru-RU" sz="1200" b="1" u="none" strike="noStrike" dirty="0">
                           <a:effectLst/>
+                          <a:latin typeface="Times New Roman" panose="02020603050405020304" pitchFamily="18" charset="0"/>
+                          <a:cs typeface="Times New Roman" panose="02020603050405020304" pitchFamily="18" charset="0"/>
                         </a:rPr>
                         <a:t>Сегменты клиентов</a:t>
                       </a:r>
                       <a:br>
                         <a:rPr lang="ru-RU" sz="1200" b="1" u="none" strike="noStrike" dirty="0">
                           <a:effectLst/>
+                          <a:latin typeface="Times New Roman" panose="02020603050405020304" pitchFamily="18" charset="0"/>
+                          <a:cs typeface="Times New Roman" panose="02020603050405020304" pitchFamily="18" charset="0"/>
                         </a:rPr>
                       </a:br>
                       <a:r>
-                        <a:rPr lang="ru-RU" sz="1200" u="none" strike="noStrike" dirty="0">
-                          <a:effectLst/>
-                        </a:rPr>
-                        <a:t>Клиенты - люди всех возрастов, (семьи без детей или с 1 ребенком), однако преимущественно молодые люди. </a:t>
+                        <a:rPr lang="ru-RU" sz="1200" b="0" u="none" strike="noStrike" dirty="0" smtClean="0">
+                          <a:effectLst/>
+                          <a:latin typeface="Times New Roman" panose="02020603050405020304" pitchFamily="18" charset="0"/>
+                          <a:cs typeface="Times New Roman" panose="02020603050405020304" pitchFamily="18" charset="0"/>
+                        </a:rPr>
+                        <a:t>Продукт направлен на все</a:t>
+                      </a:r>
+                      <a:r>
+                        <a:rPr lang="ru-RU" sz="1200" b="0" u="none" strike="noStrike" baseline="0" dirty="0" smtClean="0">
+                          <a:effectLst/>
+                          <a:latin typeface="Times New Roman" panose="02020603050405020304" pitchFamily="18" charset="0"/>
+                          <a:cs typeface="Times New Roman" panose="02020603050405020304" pitchFamily="18" charset="0"/>
+                        </a:rPr>
+                        <a:t> слои населения. </a:t>
+                      </a:r>
+                    </a:p>
+                    <a:p>
+                      <a:pPr marL="36000" algn="l" fontAlgn="t"/>
+                      <a:r>
+                        <a:rPr lang="ru-RU" sz="1200" b="0" i="0" u="none" strike="noStrike" baseline="0" dirty="0" smtClean="0">
+                          <a:solidFill>
+                            <a:srgbClr val="000000"/>
+                          </a:solidFill>
+                          <a:effectLst/>
+                          <a:latin typeface="Times New Roman" panose="02020603050405020304" pitchFamily="18" charset="0"/>
+                          <a:cs typeface="Times New Roman" panose="02020603050405020304" pitchFamily="18" charset="0"/>
+                        </a:rPr>
+                        <a:t>Основные клиенты – семьи без детей, либо с одним ребенком.</a:t>
                       </a:r>
                       <a:endParaRPr lang="ru-RU" sz="1200" b="0" i="0" u="none" strike="noStrike" dirty="0">
                         <a:solidFill>
@@ -4739,7 +5317,7 @@
                   </a:ext>
                 </a:extLst>
               </a:tr>
-              <a:tr h="1680183">
+              <a:tr h="1440322">
                 <a:tc vMerge="1">
                   <a:txBody>
                     <a:bodyPr/>
@@ -4759,18 +5337,24 @@
                       <a:r>
                         <a:rPr lang="ru-RU" sz="1200" b="1" u="none" strike="noStrike" dirty="0">
                           <a:effectLst/>
+                          <a:latin typeface="Times New Roman" panose="02020603050405020304" pitchFamily="18" charset="0"/>
+                          <a:cs typeface="Times New Roman" panose="02020603050405020304" pitchFamily="18" charset="0"/>
                         </a:rPr>
                         <a:t>Основные ресурсы </a:t>
                       </a:r>
                       <a:r>
                         <a:rPr lang="ru-RU" sz="1200" u="none" strike="noStrike" dirty="0">
                           <a:effectLst/>
+                          <a:latin typeface="Times New Roman" panose="02020603050405020304" pitchFamily="18" charset="0"/>
+                          <a:cs typeface="Times New Roman" panose="02020603050405020304" pitchFamily="18" charset="0"/>
                         </a:rPr>
                         <a:t>Строительная техника, стройматериалы, рабочая сила, (в том числе строители, разработчики, контролеры), логистика, земельный участок, бюджет, время</a:t>
                       </a:r>
                       <a:br>
                         <a:rPr lang="ru-RU" sz="1200" u="none" strike="noStrike" dirty="0">
                           <a:effectLst/>
+                          <a:latin typeface="Times New Roman" panose="02020603050405020304" pitchFamily="18" charset="0"/>
+                          <a:cs typeface="Times New Roman" panose="02020603050405020304" pitchFamily="18" charset="0"/>
                         </a:rPr>
                       </a:br>
                       <a:endParaRPr lang="ru-RU" sz="1200" b="0" i="0" u="none" strike="noStrike" dirty="0">
@@ -4858,7 +5442,7 @@
                   </a:ext>
                 </a:extLst>
               </a:tr>
-              <a:tr h="1011908">
+              <a:tr h="1124322">
                 <a:tc gridSpan="3">
                   <a:txBody>
                     <a:bodyPr/>
@@ -4868,23 +5452,31 @@
                       <a:r>
                         <a:rPr lang="ru-RU" sz="1200" b="1" u="none" strike="noStrike" dirty="0">
                           <a:effectLst/>
+                          <a:latin typeface="Times New Roman" panose="02020603050405020304" pitchFamily="18" charset="0"/>
+                          <a:cs typeface="Times New Roman" panose="02020603050405020304" pitchFamily="18" charset="0"/>
                         </a:rPr>
                         <a:t>Структура расходов</a:t>
                       </a:r>
                       <a:r>
                         <a:rPr lang="ru-RU" sz="1200" u="none" strike="noStrike" dirty="0">
                           <a:effectLst/>
+                          <a:latin typeface="Times New Roman" panose="02020603050405020304" pitchFamily="18" charset="0"/>
+                          <a:cs typeface="Times New Roman" panose="02020603050405020304" pitchFamily="18" charset="0"/>
                         </a:rPr>
                         <a:t/>
                       </a:r>
                       <a:br>
                         <a:rPr lang="ru-RU" sz="1200" u="none" strike="noStrike" dirty="0">
                           <a:effectLst/>
+                          <a:latin typeface="Times New Roman" panose="02020603050405020304" pitchFamily="18" charset="0"/>
+                          <a:cs typeface="Times New Roman" panose="02020603050405020304" pitchFamily="18" charset="0"/>
                         </a:rPr>
                       </a:br>
                       <a:r>
                         <a:rPr lang="ru-RU" sz="1200" u="none" strike="noStrike" dirty="0">
                           <a:effectLst/>
+                          <a:latin typeface="Times New Roman" panose="02020603050405020304" pitchFamily="18" charset="0"/>
+                          <a:cs typeface="Times New Roman" panose="02020603050405020304" pitchFamily="18" charset="0"/>
                         </a:rPr>
                         <a:t>Расходы на строительные материалы, сотрудников, информационное обеспечение, логистику, земельный участок, технику, реклама.</a:t>
                       </a:r>
@@ -4966,37 +5558,105 @@
                       <a:r>
                         <a:rPr lang="ru-RU" sz="1200" b="1" u="none" strike="noStrike" dirty="0">
                           <a:effectLst/>
+                          <a:latin typeface="Times New Roman" panose="02020603050405020304" pitchFamily="18" charset="0"/>
+                          <a:cs typeface="Times New Roman" panose="02020603050405020304" pitchFamily="18" charset="0"/>
                         </a:rPr>
                         <a:t>Потоки выручки</a:t>
                       </a:r>
                       <a:r>
                         <a:rPr lang="ru-RU" sz="1200" u="none" strike="noStrike" dirty="0">
                           <a:effectLst/>
+                          <a:latin typeface="Times New Roman" panose="02020603050405020304" pitchFamily="18" charset="0"/>
+                          <a:cs typeface="Times New Roman" panose="02020603050405020304" pitchFamily="18" charset="0"/>
                         </a:rPr>
                         <a:t/>
                       </a:r>
                       <a:br>
                         <a:rPr lang="ru-RU" sz="1200" u="none" strike="noStrike" dirty="0">
                           <a:effectLst/>
+                          <a:latin typeface="Times New Roman" panose="02020603050405020304" pitchFamily="18" charset="0"/>
+                          <a:cs typeface="Times New Roman" panose="02020603050405020304" pitchFamily="18" charset="0"/>
                         </a:rPr>
                       </a:br>
                       <a:r>
                         <a:rPr lang="ru-RU" sz="1200" u="none" strike="noStrike" dirty="0">
                           <a:effectLst/>
+                          <a:latin typeface="Times New Roman" panose="02020603050405020304" pitchFamily="18" charset="0"/>
+                          <a:cs typeface="Times New Roman" panose="02020603050405020304" pitchFamily="18" charset="0"/>
                         </a:rPr>
                         <a:t>Прибыль </a:t>
                       </a:r>
                       <a:r>
                         <a:rPr lang="ru-RU" sz="1200" u="none" strike="noStrike" dirty="0" smtClean="0">
                           <a:effectLst/>
+                          <a:latin typeface="Times New Roman" panose="02020603050405020304" pitchFamily="18" charset="0"/>
+                          <a:cs typeface="Times New Roman" panose="02020603050405020304" pitchFamily="18" charset="0"/>
                         </a:rPr>
                         <a:t>от </a:t>
                       </a:r>
                       <a:r>
                         <a:rPr lang="ru-RU" sz="1200" u="none" strike="noStrike" dirty="0">
                           <a:effectLst/>
-                        </a:rPr>
-                        <a:t>продажи квартир. Цена квартир будет зависеть от площади, этажа и выбранной отделки. Сдача в аренду коммерческих помещений на первом этаже. Предоставление дополнительных услуг для жильцов (например, уборка, консьерж-сервис и т. д.).</a:t>
+                          <a:latin typeface="Times New Roman" panose="02020603050405020304" pitchFamily="18" charset="0"/>
+                          <a:cs typeface="Times New Roman" panose="02020603050405020304" pitchFamily="18" charset="0"/>
+                        </a:rPr>
+                        <a:t>продажи </a:t>
+                      </a:r>
+                      <a:r>
+                        <a:rPr lang="ru-RU" sz="1200" u="none" strike="noStrike" dirty="0" smtClean="0">
+                          <a:effectLst/>
+                          <a:latin typeface="Times New Roman" panose="02020603050405020304" pitchFamily="18" charset="0"/>
+                          <a:cs typeface="Times New Roman" panose="02020603050405020304" pitchFamily="18" charset="0"/>
+                        </a:rPr>
+                        <a:t>квартир, кладовых и парковочных</a:t>
+                      </a:r>
+                      <a:r>
+                        <a:rPr lang="ru-RU" sz="1200" u="none" strike="noStrike" baseline="0" dirty="0" smtClean="0">
+                          <a:effectLst/>
+                          <a:latin typeface="Times New Roman" panose="02020603050405020304" pitchFamily="18" charset="0"/>
+                          <a:cs typeface="Times New Roman" panose="02020603050405020304" pitchFamily="18" charset="0"/>
+                        </a:rPr>
+                        <a:t> мест</a:t>
+                      </a:r>
+                      <a:r>
+                        <a:rPr lang="ru-RU" sz="1200" u="none" strike="noStrike" dirty="0" smtClean="0">
+                          <a:effectLst/>
+                          <a:latin typeface="Times New Roman" panose="02020603050405020304" pitchFamily="18" charset="0"/>
+                          <a:cs typeface="Times New Roman" panose="02020603050405020304" pitchFamily="18" charset="0"/>
+                        </a:rPr>
+                        <a:t>. </a:t>
+                      </a:r>
+                      <a:r>
+                        <a:rPr lang="ru-RU" sz="1200" u="none" strike="noStrike" dirty="0">
+                          <a:effectLst/>
+                          <a:latin typeface="Times New Roman" panose="02020603050405020304" pitchFamily="18" charset="0"/>
+                          <a:cs typeface="Times New Roman" panose="02020603050405020304" pitchFamily="18" charset="0"/>
+                        </a:rPr>
+                        <a:t>Цена квартир будет зависеть от площади, этажа и выбранной отделки. Сдача в аренду коммерческих помещений на первом этаже. Предоставление дополнительных услуг для жильцов (например, уборка, консьерж-сервис и т. д</a:t>
+                      </a:r>
+                      <a:r>
+                        <a:rPr lang="ru-RU" sz="1200" u="none" strike="noStrike" dirty="0" smtClean="0">
+                          <a:effectLst/>
+                          <a:latin typeface="Times New Roman" panose="02020603050405020304" pitchFamily="18" charset="0"/>
+                          <a:cs typeface="Times New Roman" panose="02020603050405020304" pitchFamily="18" charset="0"/>
+                        </a:rPr>
+                        <a:t>.). Прибыль придет после сдачи проекта с </a:t>
+                      </a:r>
+                      <a:r>
+                        <a:rPr lang="ru-RU" sz="1200" u="none" strike="noStrike" dirty="0" err="1" smtClean="0">
+                          <a:effectLst/>
+                          <a:latin typeface="Times New Roman" panose="02020603050405020304" pitchFamily="18" charset="0"/>
+                          <a:cs typeface="Times New Roman" panose="02020603050405020304" pitchFamily="18" charset="0"/>
+                        </a:rPr>
+                        <a:t>эскроу</a:t>
+                      </a:r>
+                      <a:r>
+                        <a:rPr lang="ru-RU" sz="1200" u="none" strike="noStrike" dirty="0" smtClean="0">
+                          <a:effectLst/>
+                          <a:latin typeface="Times New Roman" panose="02020603050405020304" pitchFamily="18" charset="0"/>
+                          <a:cs typeface="Times New Roman" panose="02020603050405020304" pitchFamily="18" charset="0"/>
+                        </a:rPr>
+                        <a:t>-счетов. </a:t>
                       </a:r>
                       <a:endParaRPr lang="ru-RU" sz="1200" b="0" i="0" u="none" strike="noStrike" dirty="0">
                         <a:solidFill>
@@ -5104,6 +5764,1092 @@
           <a:chExt cx="0" cy="0"/>
         </a:xfrm>
       </p:grpSpPr>
+      <p:graphicFrame>
+        <p:nvGraphicFramePr>
+          <p:cNvPr id="5" name="Таблица 4"/>
+          <p:cNvGraphicFramePr>
+            <a:graphicFrameLocks noGrp="1"/>
+          </p:cNvGraphicFramePr>
+          <p:nvPr>
+            <p:extLst>
+              <p:ext uri="{D42A27DB-BD31-4B8C-83A1-F6EECF244321}">
+                <p14:modId xmlns:p14="http://schemas.microsoft.com/office/powerpoint/2010/main" val="1166252350"/>
+              </p:ext>
+            </p:extLst>
+          </p:nvPr>
+        </p:nvGraphicFramePr>
+        <p:xfrm>
+          <a:off x="615142" y="1571102"/>
+          <a:ext cx="4688378" cy="4134201"/>
+        </p:xfrm>
+        <a:graphic>
+          <a:graphicData uri="http://schemas.openxmlformats.org/drawingml/2006/table">
+            <a:tbl>
+              <a:tblPr firstRow="1" bandRow="1">
+                <a:tableStyleId>{2D5ABB26-0587-4C30-8999-92F81FD0307C}</a:tableStyleId>
+              </a:tblPr>
+              <a:tblGrid>
+                <a:gridCol w="2344189">
+                  <a:extLst>
+                    <a:ext uri="{9D8B030D-6E8A-4147-A177-3AD203B41FA5}">
+                      <a16:colId xmlns:a16="http://schemas.microsoft.com/office/drawing/2014/main" val="2591959479"/>
+                    </a:ext>
+                  </a:extLst>
+                </a:gridCol>
+                <a:gridCol w="2344189">
+                  <a:extLst>
+                    <a:ext uri="{9D8B030D-6E8A-4147-A177-3AD203B41FA5}">
+                      <a16:colId xmlns:a16="http://schemas.microsoft.com/office/drawing/2014/main" val="1908515197"/>
+                    </a:ext>
+                  </a:extLst>
+                </a:gridCol>
+              </a:tblGrid>
+              <a:tr h="332511">
+                <a:tc>
+                  <a:txBody>
+                    <a:bodyPr/>
+                    <a:lstStyle/>
+                    <a:p>
+                      <a:pPr algn="ctr"/>
+                      <a:r>
+                        <a:rPr lang="ru-RU" sz="1400" dirty="0" err="1" smtClean="0">
+                          <a:latin typeface="Times New Roman" panose="02020603050405020304" pitchFamily="18" charset="0"/>
+                          <a:cs typeface="Times New Roman" panose="02020603050405020304" pitchFamily="18" charset="0"/>
+                        </a:rPr>
+                        <a:t>Выгодогенераторы</a:t>
+                      </a:r>
+                      <a:endParaRPr lang="ru-RU" sz="1400" dirty="0">
+                        <a:latin typeface="Times New Roman" panose="02020603050405020304" pitchFamily="18" charset="0"/>
+                        <a:cs typeface="Times New Roman" panose="02020603050405020304" pitchFamily="18" charset="0"/>
+                      </a:endParaRPr>
+                    </a:p>
+                  </a:txBody>
+                  <a:tcPr>
+                    <a:lnL w="12700" cap="flat" cmpd="sng" algn="ctr">
+                      <a:solidFill>
+                        <a:schemeClr val="tx1"/>
+                      </a:solidFill>
+                      <a:prstDash val="solid"/>
+                      <a:round/>
+                      <a:headEnd type="none" w="med" len="med"/>
+                      <a:tailEnd type="none" w="med" len="med"/>
+                    </a:lnL>
+                    <a:lnR w="12700" cap="flat" cmpd="sng" algn="ctr">
+                      <a:solidFill>
+                        <a:schemeClr val="tx1"/>
+                      </a:solidFill>
+                      <a:prstDash val="solid"/>
+                      <a:round/>
+                      <a:headEnd type="none" w="med" len="med"/>
+                      <a:tailEnd type="none" w="med" len="med"/>
+                    </a:lnR>
+                    <a:lnT w="12700" cap="flat" cmpd="sng" algn="ctr">
+                      <a:solidFill>
+                        <a:schemeClr val="tx1"/>
+                      </a:solidFill>
+                      <a:prstDash val="solid"/>
+                      <a:round/>
+                      <a:headEnd type="none" w="med" len="med"/>
+                      <a:tailEnd type="none" w="med" len="med"/>
+                    </a:lnT>
+                    <a:lnB w="12700" cap="flat" cmpd="sng" algn="ctr">
+                      <a:solidFill>
+                        <a:schemeClr val="tx1"/>
+                      </a:solidFill>
+                      <a:prstDash val="solid"/>
+                      <a:round/>
+                      <a:headEnd type="none" w="med" len="med"/>
+                      <a:tailEnd type="none" w="med" len="med"/>
+                    </a:lnB>
+                  </a:tcPr>
+                </a:tc>
+                <a:tc>
+                  <a:txBody>
+                    <a:bodyPr/>
+                    <a:lstStyle/>
+                    <a:p>
+                      <a:pPr algn="ctr"/>
+                      <a:r>
+                        <a:rPr lang="ru-RU" sz="1400" dirty="0" smtClean="0">
+                          <a:latin typeface="Times New Roman" panose="02020603050405020304" pitchFamily="18" charset="0"/>
+                          <a:cs typeface="Times New Roman" panose="02020603050405020304" pitchFamily="18" charset="0"/>
+                        </a:rPr>
+                        <a:t>Продукт/сервис</a:t>
+                      </a:r>
+                      <a:endParaRPr lang="ru-RU" sz="1400" dirty="0">
+                        <a:latin typeface="Times New Roman" panose="02020603050405020304" pitchFamily="18" charset="0"/>
+                        <a:cs typeface="Times New Roman" panose="02020603050405020304" pitchFamily="18" charset="0"/>
+                      </a:endParaRPr>
+                    </a:p>
+                  </a:txBody>
+                  <a:tcPr>
+                    <a:lnL w="12700" cap="flat" cmpd="sng" algn="ctr">
+                      <a:solidFill>
+                        <a:schemeClr val="tx1"/>
+                      </a:solidFill>
+                      <a:prstDash val="solid"/>
+                      <a:round/>
+                      <a:headEnd type="none" w="med" len="med"/>
+                      <a:tailEnd type="none" w="med" len="med"/>
+                    </a:lnL>
+                    <a:lnR w="12700" cap="flat" cmpd="sng" algn="ctr">
+                      <a:solidFill>
+                        <a:schemeClr val="tx1"/>
+                      </a:solidFill>
+                      <a:prstDash val="solid"/>
+                      <a:round/>
+                      <a:headEnd type="none" w="med" len="med"/>
+                      <a:tailEnd type="none" w="med" len="med"/>
+                    </a:lnR>
+                    <a:lnT w="12700" cap="flat" cmpd="sng" algn="ctr">
+                      <a:solidFill>
+                        <a:schemeClr val="tx1"/>
+                      </a:solidFill>
+                      <a:prstDash val="solid"/>
+                      <a:round/>
+                      <a:headEnd type="none" w="med" len="med"/>
+                      <a:tailEnd type="none" w="med" len="med"/>
+                    </a:lnT>
+                    <a:lnB w="12700" cap="flat" cmpd="sng" algn="ctr">
+                      <a:solidFill>
+                        <a:schemeClr val="tx1"/>
+                      </a:solidFill>
+                      <a:prstDash val="solid"/>
+                      <a:round/>
+                      <a:headEnd type="none" w="med" len="med"/>
+                      <a:tailEnd type="none" w="med" len="med"/>
+                    </a:lnB>
+                  </a:tcPr>
+                </a:tc>
+                <a:extLst>
+                  <a:ext uri="{0D108BD9-81ED-4DB2-BD59-A6C34878D82A}">
+                    <a16:rowId xmlns:a16="http://schemas.microsoft.com/office/drawing/2014/main" val="846344839"/>
+                  </a:ext>
+                </a:extLst>
+              </a:tr>
+              <a:tr h="1633451">
+                <a:tc>
+                  <a:txBody>
+                    <a:bodyPr/>
+                    <a:lstStyle/>
+                    <a:p>
+                      <a:pPr algn="l"/>
+                      <a:r>
+                        <a:rPr lang="ru-RU" sz="1400" dirty="0" smtClean="0">
+                          <a:latin typeface="Times New Roman" panose="02020603050405020304" pitchFamily="18" charset="0"/>
+                          <a:cs typeface="Times New Roman" panose="02020603050405020304" pitchFamily="18" charset="0"/>
+                        </a:rPr>
+                        <a:t>Индивидуальные</a:t>
+                      </a:r>
+                      <a:r>
+                        <a:rPr lang="ru-RU" sz="1400" baseline="0" dirty="0" smtClean="0">
+                          <a:latin typeface="Times New Roman" panose="02020603050405020304" pitchFamily="18" charset="0"/>
+                          <a:cs typeface="Times New Roman" panose="02020603050405020304" pitchFamily="18" charset="0"/>
+                        </a:rPr>
+                        <a:t> конфигурации комнат, закрытая территория с яблоневым садом, комфортной детской площадкой и общей зоной отдыха, наличие личных кладовых</a:t>
+                      </a:r>
+                      <a:endParaRPr lang="ru-RU" sz="1400" dirty="0">
+                        <a:latin typeface="Times New Roman" panose="02020603050405020304" pitchFamily="18" charset="0"/>
+                        <a:cs typeface="Times New Roman" panose="02020603050405020304" pitchFamily="18" charset="0"/>
+                      </a:endParaRPr>
+                    </a:p>
+                  </a:txBody>
+                  <a:tcPr>
+                    <a:lnL w="12700" cap="flat" cmpd="sng" algn="ctr">
+                      <a:solidFill>
+                        <a:schemeClr val="tx1"/>
+                      </a:solidFill>
+                      <a:prstDash val="solid"/>
+                      <a:round/>
+                      <a:headEnd type="none" w="med" len="med"/>
+                      <a:tailEnd type="none" w="med" len="med"/>
+                    </a:lnL>
+                    <a:lnR w="12700" cap="flat" cmpd="sng" algn="ctr">
+                      <a:solidFill>
+                        <a:schemeClr val="tx1"/>
+                      </a:solidFill>
+                      <a:prstDash val="solid"/>
+                      <a:round/>
+                      <a:headEnd type="none" w="med" len="med"/>
+                      <a:tailEnd type="none" w="med" len="med"/>
+                    </a:lnR>
+                    <a:lnT w="12700" cap="flat" cmpd="sng" algn="ctr">
+                      <a:solidFill>
+                        <a:schemeClr val="tx1"/>
+                      </a:solidFill>
+                      <a:prstDash val="solid"/>
+                      <a:round/>
+                      <a:headEnd type="none" w="med" len="med"/>
+                      <a:tailEnd type="none" w="med" len="med"/>
+                    </a:lnT>
+                    <a:lnB w="12700" cap="flat" cmpd="sng" algn="ctr">
+                      <a:solidFill>
+                        <a:schemeClr val="tx1"/>
+                      </a:solidFill>
+                      <a:prstDash val="solid"/>
+                      <a:round/>
+                      <a:headEnd type="none" w="med" len="med"/>
+                      <a:tailEnd type="none" w="med" len="med"/>
+                    </a:lnB>
+                  </a:tcPr>
+                </a:tc>
+                <a:tc rowSpan="3">
+                  <a:txBody>
+                    <a:bodyPr/>
+                    <a:lstStyle/>
+                    <a:p>
+                      <a:pPr algn="l"/>
+                      <a:r>
+                        <a:rPr lang="ru-RU" sz="1400" dirty="0" smtClean="0">
+                          <a:latin typeface="Times New Roman" panose="02020603050405020304" pitchFamily="18" charset="0"/>
+                          <a:cs typeface="Times New Roman" panose="02020603050405020304" pitchFamily="18" charset="0"/>
+                        </a:rPr>
+                        <a:t>Жилой комплекс комфорт</a:t>
+                      </a:r>
+                      <a:r>
+                        <a:rPr lang="ru-RU" sz="1400" baseline="0" dirty="0" smtClean="0">
+                          <a:latin typeface="Times New Roman" panose="02020603050405020304" pitchFamily="18" charset="0"/>
+                          <a:cs typeface="Times New Roman" panose="02020603050405020304" pitchFamily="18" charset="0"/>
+                        </a:rPr>
+                        <a:t> класса с пешей доступностью до метро, дизайнерскими холлами и фасадами зданий. Развитая социальная инфраструктура на территории ЖК. Близость к горнолыжным курортам и озерам. Спортивные площадки с тренажерами.</a:t>
+                      </a:r>
+                    </a:p>
+                    <a:p>
+                      <a:pPr algn="l"/>
+                      <a:r>
+                        <a:rPr lang="ru-RU" sz="1400" baseline="0" dirty="0" smtClean="0">
+                          <a:latin typeface="Times New Roman" panose="02020603050405020304" pitchFamily="18" charset="0"/>
+                          <a:cs typeface="Times New Roman" panose="02020603050405020304" pitchFamily="18" charset="0"/>
+                        </a:rPr>
+                        <a:t>Площадка для дрессировки собак. Наличие помещений для ведения бизнеса.</a:t>
+                      </a:r>
+                      <a:endParaRPr lang="ru-RU" sz="1400" dirty="0">
+                        <a:latin typeface="Times New Roman" panose="02020603050405020304" pitchFamily="18" charset="0"/>
+                        <a:cs typeface="Times New Roman" panose="02020603050405020304" pitchFamily="18" charset="0"/>
+                      </a:endParaRPr>
+                    </a:p>
+                  </a:txBody>
+                  <a:tcPr>
+                    <a:lnL w="12700" cap="flat" cmpd="sng" algn="ctr">
+                      <a:solidFill>
+                        <a:schemeClr val="tx1"/>
+                      </a:solidFill>
+                      <a:prstDash val="solid"/>
+                      <a:round/>
+                      <a:headEnd type="none" w="med" len="med"/>
+                      <a:tailEnd type="none" w="med" len="med"/>
+                    </a:lnL>
+                    <a:lnR w="12700" cap="flat" cmpd="sng" algn="ctr">
+                      <a:solidFill>
+                        <a:schemeClr val="tx1"/>
+                      </a:solidFill>
+                      <a:prstDash val="solid"/>
+                      <a:round/>
+                      <a:headEnd type="none" w="med" len="med"/>
+                      <a:tailEnd type="none" w="med" len="med"/>
+                    </a:lnR>
+                    <a:lnT w="12700" cap="flat" cmpd="sng" algn="ctr">
+                      <a:solidFill>
+                        <a:schemeClr val="tx1"/>
+                      </a:solidFill>
+                      <a:prstDash val="solid"/>
+                      <a:round/>
+                      <a:headEnd type="none" w="med" len="med"/>
+                      <a:tailEnd type="none" w="med" len="med"/>
+                    </a:lnT>
+                    <a:lnB w="12700" cap="flat" cmpd="sng" algn="ctr">
+                      <a:solidFill>
+                        <a:schemeClr val="tx1"/>
+                      </a:solidFill>
+                      <a:prstDash val="solid"/>
+                      <a:round/>
+                      <a:headEnd type="none" w="med" len="med"/>
+                      <a:tailEnd type="none" w="med" len="med"/>
+                    </a:lnB>
+                  </a:tcPr>
+                </a:tc>
+                <a:extLst>
+                  <a:ext uri="{0D108BD9-81ED-4DB2-BD59-A6C34878D82A}">
+                    <a16:rowId xmlns:a16="http://schemas.microsoft.com/office/drawing/2014/main" val="2672791457"/>
+                  </a:ext>
+                </a:extLst>
+              </a:tr>
+              <a:tr h="369919">
+                <a:tc>
+                  <a:txBody>
+                    <a:bodyPr/>
+                    <a:lstStyle/>
+                    <a:p>
+                      <a:pPr algn="ctr"/>
+                      <a:r>
+                        <a:rPr lang="ru-RU" sz="1400" dirty="0" err="1" smtClean="0">
+                          <a:latin typeface="Times New Roman" panose="02020603050405020304" pitchFamily="18" charset="0"/>
+                          <a:cs typeface="Times New Roman" panose="02020603050405020304" pitchFamily="18" charset="0"/>
+                        </a:rPr>
+                        <a:t>Болеутолители</a:t>
+                      </a:r>
+                      <a:endParaRPr lang="ru-RU" sz="1400" dirty="0">
+                        <a:latin typeface="Times New Roman" panose="02020603050405020304" pitchFamily="18" charset="0"/>
+                        <a:cs typeface="Times New Roman" panose="02020603050405020304" pitchFamily="18" charset="0"/>
+                      </a:endParaRPr>
+                    </a:p>
+                  </a:txBody>
+                  <a:tcPr>
+                    <a:lnL w="12700" cap="flat" cmpd="sng" algn="ctr">
+                      <a:solidFill>
+                        <a:schemeClr val="tx1"/>
+                      </a:solidFill>
+                      <a:prstDash val="solid"/>
+                      <a:round/>
+                      <a:headEnd type="none" w="med" len="med"/>
+                      <a:tailEnd type="none" w="med" len="med"/>
+                    </a:lnL>
+                    <a:lnR w="12700" cap="flat" cmpd="sng" algn="ctr">
+                      <a:solidFill>
+                        <a:schemeClr val="tx1"/>
+                      </a:solidFill>
+                      <a:prstDash val="solid"/>
+                      <a:round/>
+                      <a:headEnd type="none" w="med" len="med"/>
+                      <a:tailEnd type="none" w="med" len="med"/>
+                    </a:lnR>
+                    <a:lnT w="12700" cap="flat" cmpd="sng" algn="ctr">
+                      <a:solidFill>
+                        <a:schemeClr val="tx1"/>
+                      </a:solidFill>
+                      <a:prstDash val="solid"/>
+                      <a:round/>
+                      <a:headEnd type="none" w="med" len="med"/>
+                      <a:tailEnd type="none" w="med" len="med"/>
+                    </a:lnT>
+                    <a:lnB w="12700" cap="flat" cmpd="sng" algn="ctr">
+                      <a:solidFill>
+                        <a:schemeClr val="tx1"/>
+                      </a:solidFill>
+                      <a:prstDash val="solid"/>
+                      <a:round/>
+                      <a:headEnd type="none" w="med" len="med"/>
+                      <a:tailEnd type="none" w="med" len="med"/>
+                    </a:lnB>
+                  </a:tcPr>
+                </a:tc>
+                <a:tc vMerge="1">
+                  <a:txBody>
+                    <a:bodyPr/>
+                    <a:lstStyle/>
+                    <a:p>
+                      <a:endParaRPr lang="ru-RU" dirty="0"/>
+                    </a:p>
+                  </a:txBody>
+                  <a:tcPr>
+                    <a:lnL w="12700" cap="flat" cmpd="sng" algn="ctr">
+                      <a:solidFill>
+                        <a:schemeClr val="tx1"/>
+                      </a:solidFill>
+                      <a:prstDash val="solid"/>
+                      <a:round/>
+                      <a:headEnd type="none" w="med" len="med"/>
+                      <a:tailEnd type="none" w="med" len="med"/>
+                    </a:lnL>
+                    <a:lnR w="12700" cap="flat" cmpd="sng" algn="ctr">
+                      <a:solidFill>
+                        <a:schemeClr val="tx1"/>
+                      </a:solidFill>
+                      <a:prstDash val="solid"/>
+                      <a:round/>
+                      <a:headEnd type="none" w="med" len="med"/>
+                      <a:tailEnd type="none" w="med" len="med"/>
+                    </a:lnR>
+                    <a:lnT w="12700" cap="flat" cmpd="sng" algn="ctr">
+                      <a:solidFill>
+                        <a:schemeClr val="tx1"/>
+                      </a:solidFill>
+                      <a:prstDash val="solid"/>
+                      <a:round/>
+                      <a:headEnd type="none" w="med" len="med"/>
+                      <a:tailEnd type="none" w="med" len="med"/>
+                    </a:lnT>
+                    <a:lnB w="12700" cap="flat" cmpd="sng" algn="ctr">
+                      <a:solidFill>
+                        <a:schemeClr val="tx1"/>
+                      </a:solidFill>
+                      <a:prstDash val="solid"/>
+                      <a:round/>
+                      <a:headEnd type="none" w="med" len="med"/>
+                      <a:tailEnd type="none" w="med" len="med"/>
+                    </a:lnB>
+                  </a:tcPr>
+                </a:tc>
+                <a:extLst>
+                  <a:ext uri="{0D108BD9-81ED-4DB2-BD59-A6C34878D82A}">
+                    <a16:rowId xmlns:a16="http://schemas.microsoft.com/office/drawing/2014/main" val="393269098"/>
+                  </a:ext>
+                </a:extLst>
+              </a:tr>
+              <a:tr h="1633451">
+                <a:tc>
+                  <a:txBody>
+                    <a:bodyPr/>
+                    <a:lstStyle/>
+                    <a:p>
+                      <a:pPr algn="l"/>
+                      <a:r>
+                        <a:rPr lang="ru-RU" sz="1400" dirty="0" smtClean="0">
+                          <a:latin typeface="Times New Roman" panose="02020603050405020304" pitchFamily="18" charset="0"/>
+                          <a:cs typeface="Times New Roman" panose="02020603050405020304" pitchFamily="18" charset="0"/>
+                        </a:rPr>
+                        <a:t>Личное жилье</a:t>
+                      </a:r>
+                      <a:r>
+                        <a:rPr lang="ru-RU" sz="1400" baseline="0" dirty="0" smtClean="0">
+                          <a:latin typeface="Times New Roman" panose="02020603050405020304" pitchFamily="18" charset="0"/>
+                          <a:cs typeface="Times New Roman" panose="02020603050405020304" pitchFamily="18" charset="0"/>
+                        </a:rPr>
+                        <a:t> с парковочным местом и кладовой, индивидуальная планировка квартир</a:t>
+                      </a:r>
+                      <a:endParaRPr lang="ru-RU" sz="1400" dirty="0">
+                        <a:latin typeface="Times New Roman" panose="02020603050405020304" pitchFamily="18" charset="0"/>
+                        <a:cs typeface="Times New Roman" panose="02020603050405020304" pitchFamily="18" charset="0"/>
+                      </a:endParaRPr>
+                    </a:p>
+                  </a:txBody>
+                  <a:tcPr>
+                    <a:lnL w="12700" cap="flat" cmpd="sng" algn="ctr">
+                      <a:solidFill>
+                        <a:schemeClr val="tx1"/>
+                      </a:solidFill>
+                      <a:prstDash val="solid"/>
+                      <a:round/>
+                      <a:headEnd type="none" w="med" len="med"/>
+                      <a:tailEnd type="none" w="med" len="med"/>
+                    </a:lnL>
+                    <a:lnR w="12700" cap="flat" cmpd="sng" algn="ctr">
+                      <a:solidFill>
+                        <a:schemeClr val="tx1"/>
+                      </a:solidFill>
+                      <a:prstDash val="solid"/>
+                      <a:round/>
+                      <a:headEnd type="none" w="med" len="med"/>
+                      <a:tailEnd type="none" w="med" len="med"/>
+                    </a:lnR>
+                    <a:lnT w="12700" cap="flat" cmpd="sng" algn="ctr">
+                      <a:solidFill>
+                        <a:schemeClr val="tx1"/>
+                      </a:solidFill>
+                      <a:prstDash val="solid"/>
+                      <a:round/>
+                      <a:headEnd type="none" w="med" len="med"/>
+                      <a:tailEnd type="none" w="med" len="med"/>
+                    </a:lnT>
+                    <a:lnB w="12700" cap="flat" cmpd="sng" algn="ctr">
+                      <a:solidFill>
+                        <a:schemeClr val="tx1"/>
+                      </a:solidFill>
+                      <a:prstDash val="solid"/>
+                      <a:round/>
+                      <a:headEnd type="none" w="med" len="med"/>
+                      <a:tailEnd type="none" w="med" len="med"/>
+                    </a:lnB>
+                  </a:tcPr>
+                </a:tc>
+                <a:tc vMerge="1">
+                  <a:txBody>
+                    <a:bodyPr/>
+                    <a:lstStyle/>
+                    <a:p>
+                      <a:endParaRPr lang="ru-RU" dirty="0"/>
+                    </a:p>
+                  </a:txBody>
+                  <a:tcPr/>
+                </a:tc>
+                <a:extLst>
+                  <a:ext uri="{0D108BD9-81ED-4DB2-BD59-A6C34878D82A}">
+                    <a16:rowId xmlns:a16="http://schemas.microsoft.com/office/drawing/2014/main" val="2976666446"/>
+                  </a:ext>
+                </a:extLst>
+              </a:tr>
+            </a:tbl>
+          </a:graphicData>
+        </a:graphic>
+      </p:graphicFrame>
+      <p:graphicFrame>
+        <p:nvGraphicFramePr>
+          <p:cNvPr id="7" name="Таблица 6"/>
+          <p:cNvGraphicFramePr>
+            <a:graphicFrameLocks noGrp="1"/>
+          </p:cNvGraphicFramePr>
+          <p:nvPr>
+            <p:extLst>
+              <p:ext uri="{D42A27DB-BD31-4B8C-83A1-F6EECF244321}">
+                <p14:modId xmlns:p14="http://schemas.microsoft.com/office/powerpoint/2010/main" val="1530237339"/>
+              </p:ext>
+            </p:extLst>
+          </p:nvPr>
+        </p:nvGraphicFramePr>
+        <p:xfrm>
+          <a:off x="6847838" y="1571102"/>
+          <a:ext cx="4956234" cy="4134200"/>
+        </p:xfrm>
+        <a:graphic>
+          <a:graphicData uri="http://schemas.openxmlformats.org/drawingml/2006/table">
+            <a:tbl>
+              <a:tblPr firstRow="1" bandRow="1">
+                <a:tableStyleId>{2D5ABB26-0587-4C30-8999-92F81FD0307C}</a:tableStyleId>
+              </a:tblPr>
+              <a:tblGrid>
+                <a:gridCol w="2562169">
+                  <a:extLst>
+                    <a:ext uri="{9D8B030D-6E8A-4147-A177-3AD203B41FA5}">
+                      <a16:colId xmlns:a16="http://schemas.microsoft.com/office/drawing/2014/main" val="2591959479"/>
+                    </a:ext>
+                  </a:extLst>
+                </a:gridCol>
+                <a:gridCol w="2394065">
+                  <a:extLst>
+                    <a:ext uri="{9D8B030D-6E8A-4147-A177-3AD203B41FA5}">
+                      <a16:colId xmlns:a16="http://schemas.microsoft.com/office/drawing/2014/main" val="1908515197"/>
+                    </a:ext>
+                  </a:extLst>
+                </a:gridCol>
+              </a:tblGrid>
+              <a:tr h="360133">
+                <a:tc>
+                  <a:txBody>
+                    <a:bodyPr/>
+                    <a:lstStyle/>
+                    <a:p>
+                      <a:pPr algn="ctr"/>
+                      <a:r>
+                        <a:rPr lang="ru-RU" sz="1400" dirty="0" smtClean="0">
+                          <a:latin typeface="Times New Roman" panose="02020603050405020304" pitchFamily="18" charset="0"/>
+                          <a:cs typeface="Times New Roman" panose="02020603050405020304" pitchFamily="18" charset="0"/>
+                        </a:rPr>
+                        <a:t>Желания</a:t>
+                      </a:r>
+                      <a:endParaRPr lang="ru-RU" sz="1400" dirty="0">
+                        <a:latin typeface="Times New Roman" panose="02020603050405020304" pitchFamily="18" charset="0"/>
+                        <a:cs typeface="Times New Roman" panose="02020603050405020304" pitchFamily="18" charset="0"/>
+                      </a:endParaRPr>
+                    </a:p>
+                  </a:txBody>
+                  <a:tcPr>
+                    <a:lnL w="12700" cap="flat" cmpd="sng" algn="ctr">
+                      <a:solidFill>
+                        <a:schemeClr val="tx1"/>
+                      </a:solidFill>
+                      <a:prstDash val="solid"/>
+                      <a:round/>
+                      <a:headEnd type="none" w="med" len="med"/>
+                      <a:tailEnd type="none" w="med" len="med"/>
+                    </a:lnL>
+                    <a:lnR w="12700" cap="flat" cmpd="sng" algn="ctr">
+                      <a:solidFill>
+                        <a:schemeClr val="tx1"/>
+                      </a:solidFill>
+                      <a:prstDash val="solid"/>
+                      <a:round/>
+                      <a:headEnd type="none" w="med" len="med"/>
+                      <a:tailEnd type="none" w="med" len="med"/>
+                    </a:lnR>
+                    <a:lnT w="12700" cap="flat" cmpd="sng" algn="ctr">
+                      <a:solidFill>
+                        <a:schemeClr val="tx1"/>
+                      </a:solidFill>
+                      <a:prstDash val="solid"/>
+                      <a:round/>
+                      <a:headEnd type="none" w="med" len="med"/>
+                      <a:tailEnd type="none" w="med" len="med"/>
+                    </a:lnT>
+                    <a:lnB w="12700" cap="flat" cmpd="sng" algn="ctr">
+                      <a:solidFill>
+                        <a:schemeClr val="tx1"/>
+                      </a:solidFill>
+                      <a:prstDash val="solid"/>
+                      <a:round/>
+                      <a:headEnd type="none" w="med" len="med"/>
+                      <a:tailEnd type="none" w="med" len="med"/>
+                    </a:lnB>
+                  </a:tcPr>
+                </a:tc>
+                <a:tc>
+                  <a:txBody>
+                    <a:bodyPr/>
+                    <a:lstStyle/>
+                    <a:p>
+                      <a:pPr algn="ctr"/>
+                      <a:r>
+                        <a:rPr lang="ru-RU" sz="1400" dirty="0" smtClean="0">
+                          <a:latin typeface="Times New Roman" panose="02020603050405020304" pitchFamily="18" charset="0"/>
+                          <a:cs typeface="Times New Roman" panose="02020603050405020304" pitchFamily="18" charset="0"/>
+                        </a:rPr>
+                        <a:t>Цели</a:t>
+                      </a:r>
+                      <a:endParaRPr lang="ru-RU" sz="1400" dirty="0">
+                        <a:latin typeface="Times New Roman" panose="02020603050405020304" pitchFamily="18" charset="0"/>
+                        <a:cs typeface="Times New Roman" panose="02020603050405020304" pitchFamily="18" charset="0"/>
+                      </a:endParaRPr>
+                    </a:p>
+                  </a:txBody>
+                  <a:tcPr>
+                    <a:lnL w="12700" cap="flat" cmpd="sng" algn="ctr">
+                      <a:solidFill>
+                        <a:schemeClr val="tx1"/>
+                      </a:solidFill>
+                      <a:prstDash val="solid"/>
+                      <a:round/>
+                      <a:headEnd type="none" w="med" len="med"/>
+                      <a:tailEnd type="none" w="med" len="med"/>
+                    </a:lnL>
+                    <a:lnR w="12700" cap="flat" cmpd="sng" algn="ctr">
+                      <a:solidFill>
+                        <a:schemeClr val="tx1"/>
+                      </a:solidFill>
+                      <a:prstDash val="solid"/>
+                      <a:round/>
+                      <a:headEnd type="none" w="med" len="med"/>
+                      <a:tailEnd type="none" w="med" len="med"/>
+                    </a:lnR>
+                    <a:lnT w="12700" cap="flat" cmpd="sng" algn="ctr">
+                      <a:solidFill>
+                        <a:schemeClr val="tx1"/>
+                      </a:solidFill>
+                      <a:prstDash val="solid"/>
+                      <a:round/>
+                      <a:headEnd type="none" w="med" len="med"/>
+                      <a:tailEnd type="none" w="med" len="med"/>
+                    </a:lnT>
+                    <a:lnB w="12700" cap="flat" cmpd="sng" algn="ctr">
+                      <a:solidFill>
+                        <a:schemeClr val="tx1"/>
+                      </a:solidFill>
+                      <a:prstDash val="solid"/>
+                      <a:round/>
+                      <a:headEnd type="none" w="med" len="med"/>
+                      <a:tailEnd type="none" w="med" len="med"/>
+                    </a:lnB>
+                  </a:tcPr>
+                </a:tc>
+                <a:extLst>
+                  <a:ext uri="{0D108BD9-81ED-4DB2-BD59-A6C34878D82A}">
+                    <a16:rowId xmlns:a16="http://schemas.microsoft.com/office/drawing/2014/main" val="846344839"/>
+                  </a:ext>
+                </a:extLst>
+              </a:tr>
+              <a:tr h="1725999">
+                <a:tc>
+                  <a:txBody>
+                    <a:bodyPr/>
+                    <a:lstStyle/>
+                    <a:p>
+                      <a:pPr algn="l"/>
+                      <a:r>
+                        <a:rPr lang="ru-RU" sz="1400" dirty="0" smtClean="0">
+                          <a:latin typeface="Times New Roman" panose="02020603050405020304" pitchFamily="18" charset="0"/>
+                          <a:cs typeface="Times New Roman" panose="02020603050405020304" pitchFamily="18" charset="0"/>
+                        </a:rPr>
+                        <a:t>Жизнь</a:t>
+                      </a:r>
+                      <a:r>
+                        <a:rPr lang="ru-RU" sz="1400" baseline="0" dirty="0" smtClean="0">
+                          <a:latin typeface="Times New Roman" panose="02020603050405020304" pitchFamily="18" charset="0"/>
+                          <a:cs typeface="Times New Roman" panose="02020603050405020304" pitchFamily="18" charset="0"/>
+                        </a:rPr>
+                        <a:t> в собственной квартире на охраняемой территории ЖК. Наличие личного парковочного места, кладовой для хранения личных вещей. Придомовая благоустроенная территория.</a:t>
+                      </a:r>
+                      <a:endParaRPr lang="ru-RU" sz="1400" dirty="0">
+                        <a:latin typeface="Times New Roman" panose="02020603050405020304" pitchFamily="18" charset="0"/>
+                        <a:cs typeface="Times New Roman" panose="02020603050405020304" pitchFamily="18" charset="0"/>
+                      </a:endParaRPr>
+                    </a:p>
+                  </a:txBody>
+                  <a:tcPr>
+                    <a:lnL w="12700" cap="flat" cmpd="sng" algn="ctr">
+                      <a:solidFill>
+                        <a:schemeClr val="tx1"/>
+                      </a:solidFill>
+                      <a:prstDash val="solid"/>
+                      <a:round/>
+                      <a:headEnd type="none" w="med" len="med"/>
+                      <a:tailEnd type="none" w="med" len="med"/>
+                    </a:lnL>
+                    <a:lnR w="12700" cap="flat" cmpd="sng" algn="ctr">
+                      <a:solidFill>
+                        <a:schemeClr val="tx1"/>
+                      </a:solidFill>
+                      <a:prstDash val="solid"/>
+                      <a:round/>
+                      <a:headEnd type="none" w="med" len="med"/>
+                      <a:tailEnd type="none" w="med" len="med"/>
+                    </a:lnR>
+                    <a:lnT w="12700" cap="flat" cmpd="sng" algn="ctr">
+                      <a:solidFill>
+                        <a:schemeClr val="tx1"/>
+                      </a:solidFill>
+                      <a:prstDash val="solid"/>
+                      <a:round/>
+                      <a:headEnd type="none" w="med" len="med"/>
+                      <a:tailEnd type="none" w="med" len="med"/>
+                    </a:lnT>
+                    <a:lnB w="12700" cap="flat" cmpd="sng" algn="ctr">
+                      <a:solidFill>
+                        <a:schemeClr val="tx1"/>
+                      </a:solidFill>
+                      <a:prstDash val="solid"/>
+                      <a:round/>
+                      <a:headEnd type="none" w="med" len="med"/>
+                      <a:tailEnd type="none" w="med" len="med"/>
+                    </a:lnB>
+                  </a:tcPr>
+                </a:tc>
+                <a:tc rowSpan="3">
+                  <a:txBody>
+                    <a:bodyPr/>
+                    <a:lstStyle/>
+                    <a:p>
+                      <a:pPr algn="l"/>
+                      <a:r>
+                        <a:rPr lang="ru-RU" sz="1400" baseline="0" dirty="0" smtClean="0">
+                          <a:latin typeface="Times New Roman" panose="02020603050405020304" pitchFamily="18" charset="0"/>
+                          <a:cs typeface="Times New Roman" panose="02020603050405020304" pitchFamily="18" charset="0"/>
+                        </a:rPr>
+                        <a:t>Найти комфортабельное жилье по выгодной цене, с наличием вблизи детского сада  и школы, а также парка и мест отдыха.</a:t>
+                      </a:r>
+                    </a:p>
+                    <a:p>
+                      <a:pPr algn="l"/>
+                      <a:endParaRPr lang="ru-RU" sz="1400" dirty="0">
+                        <a:latin typeface="Times New Roman" panose="02020603050405020304" pitchFamily="18" charset="0"/>
+                        <a:cs typeface="Times New Roman" panose="02020603050405020304" pitchFamily="18" charset="0"/>
+                      </a:endParaRPr>
+                    </a:p>
+                  </a:txBody>
+                  <a:tcPr>
+                    <a:lnL w="12700" cap="flat" cmpd="sng" algn="ctr">
+                      <a:solidFill>
+                        <a:schemeClr val="tx1"/>
+                      </a:solidFill>
+                      <a:prstDash val="solid"/>
+                      <a:round/>
+                      <a:headEnd type="none" w="med" len="med"/>
+                      <a:tailEnd type="none" w="med" len="med"/>
+                    </a:lnL>
+                    <a:lnR w="12700" cap="flat" cmpd="sng" algn="ctr">
+                      <a:solidFill>
+                        <a:schemeClr val="tx1"/>
+                      </a:solidFill>
+                      <a:prstDash val="solid"/>
+                      <a:round/>
+                      <a:headEnd type="none" w="med" len="med"/>
+                      <a:tailEnd type="none" w="med" len="med"/>
+                    </a:lnR>
+                    <a:lnT w="12700" cap="flat" cmpd="sng" algn="ctr">
+                      <a:solidFill>
+                        <a:schemeClr val="tx1"/>
+                      </a:solidFill>
+                      <a:prstDash val="solid"/>
+                      <a:round/>
+                      <a:headEnd type="none" w="med" len="med"/>
+                      <a:tailEnd type="none" w="med" len="med"/>
+                    </a:lnT>
+                    <a:lnB w="12700" cap="flat" cmpd="sng" algn="ctr">
+                      <a:solidFill>
+                        <a:schemeClr val="tx1"/>
+                      </a:solidFill>
+                      <a:prstDash val="solid"/>
+                      <a:round/>
+                      <a:headEnd type="none" w="med" len="med"/>
+                      <a:tailEnd type="none" w="med" len="med"/>
+                    </a:lnB>
+                  </a:tcPr>
+                </a:tc>
+                <a:extLst>
+                  <a:ext uri="{0D108BD9-81ED-4DB2-BD59-A6C34878D82A}">
+                    <a16:rowId xmlns:a16="http://schemas.microsoft.com/office/drawing/2014/main" val="2672791457"/>
+                  </a:ext>
+                </a:extLst>
+              </a:tr>
+              <a:tr h="322069">
+                <a:tc>
+                  <a:txBody>
+                    <a:bodyPr/>
+                    <a:lstStyle/>
+                    <a:p>
+                      <a:pPr algn="ctr"/>
+                      <a:r>
+                        <a:rPr lang="ru-RU" sz="1400" dirty="0" smtClean="0">
+                          <a:latin typeface="Times New Roman" panose="02020603050405020304" pitchFamily="18" charset="0"/>
+                          <a:cs typeface="Times New Roman" panose="02020603050405020304" pitchFamily="18" charset="0"/>
+                        </a:rPr>
+                        <a:t>Боли</a:t>
+                      </a:r>
+                      <a:endParaRPr lang="ru-RU" sz="1400" dirty="0">
+                        <a:latin typeface="Times New Roman" panose="02020603050405020304" pitchFamily="18" charset="0"/>
+                        <a:cs typeface="Times New Roman" panose="02020603050405020304" pitchFamily="18" charset="0"/>
+                      </a:endParaRPr>
+                    </a:p>
+                  </a:txBody>
+                  <a:tcPr>
+                    <a:lnL w="12700" cap="flat" cmpd="sng" algn="ctr">
+                      <a:solidFill>
+                        <a:schemeClr val="tx1"/>
+                      </a:solidFill>
+                      <a:prstDash val="solid"/>
+                      <a:round/>
+                      <a:headEnd type="none" w="med" len="med"/>
+                      <a:tailEnd type="none" w="med" len="med"/>
+                    </a:lnL>
+                    <a:lnR w="12700" cap="flat" cmpd="sng" algn="ctr">
+                      <a:solidFill>
+                        <a:schemeClr val="tx1"/>
+                      </a:solidFill>
+                      <a:prstDash val="solid"/>
+                      <a:round/>
+                      <a:headEnd type="none" w="med" len="med"/>
+                      <a:tailEnd type="none" w="med" len="med"/>
+                    </a:lnR>
+                    <a:lnT w="12700" cap="flat" cmpd="sng" algn="ctr">
+                      <a:solidFill>
+                        <a:schemeClr val="tx1"/>
+                      </a:solidFill>
+                      <a:prstDash val="solid"/>
+                      <a:round/>
+                      <a:headEnd type="none" w="med" len="med"/>
+                      <a:tailEnd type="none" w="med" len="med"/>
+                    </a:lnT>
+                    <a:lnB w="12700" cap="flat" cmpd="sng" algn="ctr">
+                      <a:solidFill>
+                        <a:schemeClr val="tx1"/>
+                      </a:solidFill>
+                      <a:prstDash val="solid"/>
+                      <a:round/>
+                      <a:headEnd type="none" w="med" len="med"/>
+                      <a:tailEnd type="none" w="med" len="med"/>
+                    </a:lnB>
+                  </a:tcPr>
+                </a:tc>
+                <a:tc vMerge="1">
+                  <a:txBody>
+                    <a:bodyPr/>
+                    <a:lstStyle/>
+                    <a:p>
+                      <a:endParaRPr lang="ru-RU" dirty="0"/>
+                    </a:p>
+                  </a:txBody>
+                  <a:tcPr>
+                    <a:lnL w="12700" cap="flat" cmpd="sng" algn="ctr">
+                      <a:solidFill>
+                        <a:schemeClr val="tx1"/>
+                      </a:solidFill>
+                      <a:prstDash val="solid"/>
+                      <a:round/>
+                      <a:headEnd type="none" w="med" len="med"/>
+                      <a:tailEnd type="none" w="med" len="med"/>
+                    </a:lnL>
+                    <a:lnR w="12700" cap="flat" cmpd="sng" algn="ctr">
+                      <a:solidFill>
+                        <a:schemeClr val="tx1"/>
+                      </a:solidFill>
+                      <a:prstDash val="solid"/>
+                      <a:round/>
+                      <a:headEnd type="none" w="med" len="med"/>
+                      <a:tailEnd type="none" w="med" len="med"/>
+                    </a:lnR>
+                    <a:lnT w="12700" cap="flat" cmpd="sng" algn="ctr">
+                      <a:solidFill>
+                        <a:schemeClr val="tx1"/>
+                      </a:solidFill>
+                      <a:prstDash val="solid"/>
+                      <a:round/>
+                      <a:headEnd type="none" w="med" len="med"/>
+                      <a:tailEnd type="none" w="med" len="med"/>
+                    </a:lnT>
+                    <a:lnB w="12700" cap="flat" cmpd="sng" algn="ctr">
+                      <a:solidFill>
+                        <a:schemeClr val="tx1"/>
+                      </a:solidFill>
+                      <a:prstDash val="solid"/>
+                      <a:round/>
+                      <a:headEnd type="none" w="med" len="med"/>
+                      <a:tailEnd type="none" w="med" len="med"/>
+                    </a:lnB>
+                  </a:tcPr>
+                </a:tc>
+                <a:extLst>
+                  <a:ext uri="{0D108BD9-81ED-4DB2-BD59-A6C34878D82A}">
+                    <a16:rowId xmlns:a16="http://schemas.microsoft.com/office/drawing/2014/main" val="393269098"/>
+                  </a:ext>
+                </a:extLst>
+              </a:tr>
+              <a:tr h="1725999">
+                <a:tc>
+                  <a:txBody>
+                    <a:bodyPr/>
+                    <a:lstStyle/>
+                    <a:p>
+                      <a:pPr algn="l"/>
+                      <a:r>
+                        <a:rPr lang="ru-RU" sz="1400" dirty="0" smtClean="0">
+                          <a:latin typeface="Times New Roman" panose="02020603050405020304" pitchFamily="18" charset="0"/>
+                          <a:cs typeface="Times New Roman" panose="02020603050405020304" pitchFamily="18" charset="0"/>
+                        </a:rPr>
+                        <a:t>Отсутствие</a:t>
+                      </a:r>
+                      <a:r>
+                        <a:rPr lang="ru-RU" sz="1400" baseline="0" dirty="0" smtClean="0">
+                          <a:latin typeface="Times New Roman" panose="02020603050405020304" pitchFamily="18" charset="0"/>
+                          <a:cs typeface="Times New Roman" panose="02020603050405020304" pitchFamily="18" charset="0"/>
+                        </a:rPr>
+                        <a:t> собственной квартиры. </a:t>
+                      </a:r>
+                    </a:p>
+                    <a:p>
+                      <a:pPr algn="l"/>
+                      <a:r>
+                        <a:rPr lang="ru-RU" sz="1400" baseline="0" dirty="0" smtClean="0">
+                          <a:latin typeface="Times New Roman" panose="02020603050405020304" pitchFamily="18" charset="0"/>
+                          <a:cs typeface="Times New Roman" panose="02020603050405020304" pitchFamily="18" charset="0"/>
+                        </a:rPr>
+                        <a:t>Нет свободного парковочного места. </a:t>
+                      </a:r>
+                    </a:p>
+                    <a:p>
+                      <a:pPr algn="l"/>
+                      <a:r>
+                        <a:rPr lang="ru-RU" sz="1400" baseline="0" dirty="0" smtClean="0">
+                          <a:latin typeface="Times New Roman" panose="02020603050405020304" pitchFamily="18" charset="0"/>
+                          <a:cs typeface="Times New Roman" panose="02020603050405020304" pitchFamily="18" charset="0"/>
+                        </a:rPr>
+                        <a:t>Негде хранить личные вещи.</a:t>
+                      </a:r>
+                      <a:endParaRPr lang="ru-RU" sz="1400" dirty="0">
+                        <a:latin typeface="Times New Roman" panose="02020603050405020304" pitchFamily="18" charset="0"/>
+                        <a:cs typeface="Times New Roman" panose="02020603050405020304" pitchFamily="18" charset="0"/>
+                      </a:endParaRPr>
+                    </a:p>
+                  </a:txBody>
+                  <a:tcPr>
+                    <a:lnL w="12700" cap="flat" cmpd="sng" algn="ctr">
+                      <a:solidFill>
+                        <a:schemeClr val="tx1"/>
+                      </a:solidFill>
+                      <a:prstDash val="solid"/>
+                      <a:round/>
+                      <a:headEnd type="none" w="med" len="med"/>
+                      <a:tailEnd type="none" w="med" len="med"/>
+                    </a:lnL>
+                    <a:lnR w="12700" cap="flat" cmpd="sng" algn="ctr">
+                      <a:solidFill>
+                        <a:schemeClr val="tx1"/>
+                      </a:solidFill>
+                      <a:prstDash val="solid"/>
+                      <a:round/>
+                      <a:headEnd type="none" w="med" len="med"/>
+                      <a:tailEnd type="none" w="med" len="med"/>
+                    </a:lnR>
+                    <a:lnT w="12700" cap="flat" cmpd="sng" algn="ctr">
+                      <a:solidFill>
+                        <a:schemeClr val="tx1"/>
+                      </a:solidFill>
+                      <a:prstDash val="solid"/>
+                      <a:round/>
+                      <a:headEnd type="none" w="med" len="med"/>
+                      <a:tailEnd type="none" w="med" len="med"/>
+                    </a:lnT>
+                    <a:lnB w="12700" cap="flat" cmpd="sng" algn="ctr">
+                      <a:solidFill>
+                        <a:schemeClr val="tx1"/>
+                      </a:solidFill>
+                      <a:prstDash val="solid"/>
+                      <a:round/>
+                      <a:headEnd type="none" w="med" len="med"/>
+                      <a:tailEnd type="none" w="med" len="med"/>
+                    </a:lnB>
+                  </a:tcPr>
+                </a:tc>
+                <a:tc vMerge="1">
+                  <a:txBody>
+                    <a:bodyPr/>
+                    <a:lstStyle/>
+                    <a:p>
+                      <a:endParaRPr lang="ru-RU" dirty="0"/>
+                    </a:p>
+                  </a:txBody>
+                  <a:tcPr/>
+                </a:tc>
+                <a:extLst>
+                  <a:ext uri="{0D108BD9-81ED-4DB2-BD59-A6C34878D82A}">
+                    <a16:rowId xmlns:a16="http://schemas.microsoft.com/office/drawing/2014/main" val="2976666446"/>
+                  </a:ext>
+                </a:extLst>
+              </a:tr>
+            </a:tbl>
+          </a:graphicData>
+        </a:graphic>
+      </p:graphicFrame>
+      <p:sp>
+        <p:nvSpPr>
+          <p:cNvPr id="10" name="Заголовок 1"/>
+          <p:cNvSpPr>
+            <a:spLocks noGrp="1"/>
+          </p:cNvSpPr>
+          <p:nvPr>
+            <p:ph type="title"/>
+          </p:nvPr>
+        </p:nvSpPr>
+        <p:spPr>
+          <a:xfrm>
+            <a:off x="2382556" y="152670"/>
+            <a:ext cx="7729728" cy="1188720"/>
+          </a:xfrm>
+        </p:spPr>
+        <p:txBody>
+          <a:bodyPr/>
+          <a:lstStyle/>
+          <a:p>
+            <a:r>
+              <a:rPr lang="ru-RU" dirty="0" smtClean="0">
+                <a:latin typeface="Times New Roman" panose="02020603050405020304" pitchFamily="18" charset="0"/>
+                <a:cs typeface="Times New Roman" panose="02020603050405020304" pitchFamily="18" charset="0"/>
+              </a:rPr>
+              <a:t>Сравнение Ценностных предложений</a:t>
+            </a:r>
+            <a:endParaRPr lang="ru-RU" dirty="0">
+              <a:latin typeface="Times New Roman" panose="02020603050405020304" pitchFamily="18" charset="0"/>
+              <a:cs typeface="Times New Roman" panose="02020603050405020304" pitchFamily="18" charset="0"/>
+            </a:endParaRPr>
+          </a:p>
+        </p:txBody>
+      </p:sp>
+    </p:spTree>
+    <p:extLst>
+      <p:ext uri="{BB962C8B-B14F-4D97-AF65-F5344CB8AC3E}">
+        <p14:creationId xmlns:p14="http://schemas.microsoft.com/office/powerpoint/2010/main" val="1974750104"/>
+      </p:ext>
+    </p:extLst>
+  </p:cSld>
+  <p:clrMapOvr>
+    <a:masterClrMapping/>
+  </p:clrMapOvr>
+</p:sld>
+</file>
+
+<file path=ppt/slides/slide4.xml><?xml version="1.0" encoding="utf-8"?>
+<p:sld xmlns:a="http://schemas.openxmlformats.org/drawingml/2006/main" xmlns:r="http://schemas.openxmlformats.org/officeDocument/2006/relationships" xmlns:p="http://schemas.openxmlformats.org/presentationml/2006/main">
+  <p:cSld>
+    <p:spTree>
+      <p:nvGrpSpPr>
+        <p:cNvPr id="1" name=""/>
+        <p:cNvGrpSpPr/>
+        <p:nvPr/>
+      </p:nvGrpSpPr>
+      <p:grpSpPr>
+        <a:xfrm>
+          <a:off x="0" y="0"/>
+          <a:ext cx="0" cy="0"/>
+          <a:chOff x="0" y="0"/>
+          <a:chExt cx="0" cy="0"/>
+        </a:xfrm>
+      </p:grpSpPr>
       <p:sp>
         <p:nvSpPr>
           <p:cNvPr id="2" name="Заголовок 1"/>
@@ -5125,18 +6871,30 @@
           <a:lstStyle/>
           <a:p>
             <a:r>
-              <a:rPr lang="ru-RU" dirty="0" smtClean="0"/>
+              <a:rPr lang="ru-RU" dirty="0" smtClean="0">
+                <a:latin typeface="Times New Roman" panose="02020603050405020304" pitchFamily="18" charset="0"/>
+                <a:cs typeface="Times New Roman" panose="02020603050405020304" pitchFamily="18" charset="0"/>
+              </a:rPr>
               <a:t>ЖК </a:t>
             </a:r>
             <a:r>
-              <a:rPr lang="ru-RU" dirty="0"/>
+              <a:rPr lang="ru-RU" dirty="0">
+                <a:latin typeface="Times New Roman" panose="02020603050405020304" pitchFamily="18" charset="0"/>
+                <a:cs typeface="Times New Roman" panose="02020603050405020304" pitchFamily="18" charset="0"/>
+              </a:rPr>
               <a:t>“АВИАТОР</a:t>
             </a:r>
             <a:r>
-              <a:rPr lang="ru-RU" dirty="0" smtClean="0"/>
+              <a:rPr lang="ru-RU" dirty="0" smtClean="0">
+                <a:latin typeface="Times New Roman" panose="02020603050405020304" pitchFamily="18" charset="0"/>
+                <a:cs typeface="Times New Roman" panose="02020603050405020304" pitchFamily="18" charset="0"/>
+              </a:rPr>
               <a:t>”</a:t>
             </a:r>
-            <a:endParaRPr lang="ru-RU" dirty="0"/>
+            <a:endParaRPr lang="ru-RU" dirty="0">
+              <a:latin typeface="Times New Roman" panose="02020603050405020304" pitchFamily="18" charset="0"/>
+              <a:cs typeface="Times New Roman" panose="02020603050405020304" pitchFamily="18" charset="0"/>
+            </a:endParaRPr>
           </a:p>
         </p:txBody>
       </p:sp>

--- a/Бизнес-планирование в строительстве/Ценностное предложение.pptx
+++ b/Бизнес-планирование в строительстве/Ценностное предложение.pptx
@@ -200,7 +200,7 @@
           <a:p>
             <a:fld id="{F6D070A1-298A-43D6-A0AF-9A8B4E18F4DE}" type="datetimeFigureOut">
               <a:rPr lang="ru-RU" smtClean="0"/>
-              <a:t>08.10.2023</a:t>
+              <a:t>10.10.2023</a:t>
             </a:fld>
             <a:endParaRPr lang="ru-RU"/>
           </a:p>
@@ -799,7 +799,7 @@
           <a:p>
             <a:fld id="{8DD1138F-4AFD-4355-8AE6-1C212826FCBF}" type="datetimeFigureOut">
               <a:rPr lang="ru-RU" smtClean="0"/>
-              <a:t>08.10.2023</a:t>
+              <a:t>10.10.2023</a:t>
             </a:fld>
             <a:endParaRPr lang="ru-RU"/>
           </a:p>
@@ -969,7 +969,7 @@
           <a:p>
             <a:fld id="{8DD1138F-4AFD-4355-8AE6-1C212826FCBF}" type="datetimeFigureOut">
               <a:rPr lang="ru-RU" smtClean="0"/>
-              <a:t>08.10.2023</a:t>
+              <a:t>10.10.2023</a:t>
             </a:fld>
             <a:endParaRPr lang="ru-RU"/>
           </a:p>
@@ -1149,7 +1149,7 @@
           <a:p>
             <a:fld id="{8DD1138F-4AFD-4355-8AE6-1C212826FCBF}" type="datetimeFigureOut">
               <a:rPr lang="ru-RU" smtClean="0"/>
-              <a:t>08.10.2023</a:t>
+              <a:t>10.10.2023</a:t>
             </a:fld>
             <a:endParaRPr lang="ru-RU"/>
           </a:p>
@@ -1319,7 +1319,7 @@
           <a:p>
             <a:fld id="{8DD1138F-4AFD-4355-8AE6-1C212826FCBF}" type="datetimeFigureOut">
               <a:rPr lang="ru-RU" smtClean="0"/>
-              <a:t>08.10.2023</a:t>
+              <a:t>10.10.2023</a:t>
             </a:fld>
             <a:endParaRPr lang="ru-RU"/>
           </a:p>
@@ -1587,7 +1587,7 @@
           <a:p>
             <a:fld id="{8DD1138F-4AFD-4355-8AE6-1C212826FCBF}" type="datetimeFigureOut">
               <a:rPr lang="ru-RU" smtClean="0"/>
-              <a:t>08.10.2023</a:t>
+              <a:t>10.10.2023</a:t>
             </a:fld>
             <a:endParaRPr lang="ru-RU"/>
           </a:p>
@@ -1819,7 +1819,7 @@
           <a:p>
             <a:fld id="{8DD1138F-4AFD-4355-8AE6-1C212826FCBF}" type="datetimeFigureOut">
               <a:rPr lang="ru-RU" smtClean="0"/>
-              <a:t>08.10.2023</a:t>
+              <a:t>10.10.2023</a:t>
             </a:fld>
             <a:endParaRPr lang="ru-RU"/>
           </a:p>
@@ -2178,7 +2178,7 @@
           <a:p>
             <a:fld id="{8DD1138F-4AFD-4355-8AE6-1C212826FCBF}" type="datetimeFigureOut">
               <a:rPr lang="ru-RU" smtClean="0"/>
-              <a:t>08.10.2023</a:t>
+              <a:t>10.10.2023</a:t>
             </a:fld>
             <a:endParaRPr lang="ru-RU"/>
           </a:p>
@@ -2319,7 +2319,7 @@
           <a:p>
             <a:fld id="{8DD1138F-4AFD-4355-8AE6-1C212826FCBF}" type="datetimeFigureOut">
               <a:rPr lang="ru-RU" smtClean="0"/>
-              <a:t>08.10.2023</a:t>
+              <a:t>10.10.2023</a:t>
             </a:fld>
             <a:endParaRPr lang="ru-RU"/>
           </a:p>
@@ -2414,7 +2414,7 @@
           <a:p>
             <a:fld id="{8DD1138F-4AFD-4355-8AE6-1C212826FCBF}" type="datetimeFigureOut">
               <a:rPr lang="ru-RU" smtClean="0"/>
-              <a:t>08.10.2023</a:t>
+              <a:t>10.10.2023</a:t>
             </a:fld>
             <a:endParaRPr lang="ru-RU"/>
           </a:p>
@@ -2771,7 +2771,7 @@
           <a:p>
             <a:fld id="{8DD1138F-4AFD-4355-8AE6-1C212826FCBF}" type="datetimeFigureOut">
               <a:rPr lang="ru-RU" smtClean="0"/>
-              <a:t>08.10.2023</a:t>
+              <a:t>10.10.2023</a:t>
             </a:fld>
             <a:endParaRPr lang="ru-RU"/>
           </a:p>
@@ -3128,7 +3128,7 @@
           <a:p>
             <a:fld id="{8DD1138F-4AFD-4355-8AE6-1C212826FCBF}" type="datetimeFigureOut">
               <a:rPr lang="ru-RU" smtClean="0"/>
-              <a:t>08.10.2023</a:t>
+              <a:t>10.10.2023</a:t>
             </a:fld>
             <a:endParaRPr lang="ru-RU"/>
           </a:p>
@@ -3369,7 +3369,7 @@
           <a:p>
             <a:fld id="{8DD1138F-4AFD-4355-8AE6-1C212826FCBF}" type="datetimeFigureOut">
               <a:rPr lang="ru-RU" smtClean="0"/>
-              <a:t>08.10.2023</a:t>
+              <a:t>10.10.2023</a:t>
             </a:fld>
             <a:endParaRPr lang="ru-RU"/>
           </a:p>
@@ -4111,14 +4111,7 @@
                 <a:latin typeface="Times New Roman" panose="02020603050405020304" pitchFamily="18" charset="0"/>
                 <a:cs typeface="Times New Roman" panose="02020603050405020304" pitchFamily="18" charset="0"/>
               </a:rPr>
-              <a:t>Близость </a:t>
-            </a:r>
-            <a:r>
-              <a:rPr lang="ru-RU" sz="2000" dirty="0" smtClean="0">
-                <a:latin typeface="Times New Roman" panose="02020603050405020304" pitchFamily="18" charset="0"/>
-                <a:cs typeface="Times New Roman" panose="02020603050405020304" pitchFamily="18" charset="0"/>
-              </a:rPr>
-              <a:t>к парку, детскому саду </a:t>
+              <a:t>Близость к парку, детскому саду </a:t>
             </a:r>
             <a:r>
               <a:rPr lang="ru-RU" sz="2000" dirty="0">
@@ -5773,14 +5766,14 @@
           <p:nvPr>
             <p:extLst>
               <p:ext uri="{D42A27DB-BD31-4B8C-83A1-F6EECF244321}">
-                <p14:modId xmlns:p14="http://schemas.microsoft.com/office/powerpoint/2010/main" val="1166252350"/>
+                <p14:modId xmlns:p14="http://schemas.microsoft.com/office/powerpoint/2010/main" val="762978881"/>
               </p:ext>
             </p:extLst>
           </p:nvPr>
         </p:nvGraphicFramePr>
         <p:xfrm>
           <a:off x="615142" y="1571102"/>
-          <a:ext cx="4688378" cy="4134201"/>
+          <a:ext cx="4688378" cy="4347561"/>
         </p:xfrm>
         <a:graphic>
           <a:graphicData uri="http://schemas.openxmlformats.org/drawingml/2006/table">
@@ -5946,7 +5939,14 @@
                           <a:latin typeface="Times New Roman" panose="02020603050405020304" pitchFamily="18" charset="0"/>
                           <a:cs typeface="Times New Roman" panose="02020603050405020304" pitchFamily="18" charset="0"/>
                         </a:rPr>
-                        <a:t> конфигурации комнат, закрытая территория с яблоневым садом, комфортной детской площадкой и общей зоной отдыха, наличие личных кладовых</a:t>
+                        <a:t> конфигурации комнат, закрытая территория с яблоневым садом, комфортной детской площадкой и общей зоной отдыха, наличие личных </a:t>
+                      </a:r>
+                      <a:r>
+                        <a:rPr lang="ru-RU" sz="1400" baseline="0" dirty="0" smtClean="0">
+                          <a:latin typeface="Times New Roman" panose="02020603050405020304" pitchFamily="18" charset="0"/>
+                          <a:cs typeface="Times New Roman" panose="02020603050405020304" pitchFamily="18" charset="0"/>
+                        </a:rPr>
+                        <a:t>кладовых, подземный паркинг</a:t>
                       </a:r>
                       <a:endParaRPr lang="ru-RU" sz="1400" dirty="0">
                         <a:latin typeface="Times New Roman" panose="02020603050405020304" pitchFamily="18" charset="0"/>
